--- a/day 7/SAC_Training Day 7.pptx
+++ b/day 7/SAC_Training Day 7.pptx
@@ -6,19 +6,25 @@
     <p:sldMasterId id="2147483660" r:id="rId2"/>
   </p:sldMasterIdLst>
   <p:notesMasterIdLst>
-    <p:notesMasterId r:id="rId13"/>
+    <p:notesMasterId r:id="rId19"/>
   </p:notesMasterIdLst>
   <p:sldIdLst>
     <p:sldId id="256" r:id="rId3"/>
     <p:sldId id="463" r:id="rId4"/>
-    <p:sldId id="479" r:id="rId5"/>
-    <p:sldId id="394" r:id="rId6"/>
-    <p:sldId id="465" r:id="rId7"/>
-    <p:sldId id="480" r:id="rId8"/>
-    <p:sldId id="462" r:id="rId9"/>
-    <p:sldId id="475" r:id="rId10"/>
-    <p:sldId id="399" r:id="rId11"/>
-    <p:sldId id="409" r:id="rId12"/>
+    <p:sldId id="481" r:id="rId5"/>
+    <p:sldId id="479" r:id="rId6"/>
+    <p:sldId id="482" r:id="rId7"/>
+    <p:sldId id="394" r:id="rId8"/>
+    <p:sldId id="465" r:id="rId9"/>
+    <p:sldId id="480" r:id="rId10"/>
+    <p:sldId id="483" r:id="rId11"/>
+    <p:sldId id="484" r:id="rId12"/>
+    <p:sldId id="485" r:id="rId13"/>
+    <p:sldId id="486" r:id="rId14"/>
+    <p:sldId id="462" r:id="rId15"/>
+    <p:sldId id="475" r:id="rId16"/>
+    <p:sldId id="399" r:id="rId17"/>
+    <p:sldId id="409" r:id="rId18"/>
   </p:sldIdLst>
   <p:sldSz cx="12192000" cy="6858000"/>
   <p:notesSz cx="6858000" cy="9144000"/>
@@ -125,6 +131,1240 @@
 </p:presentation>
 </file>
 
+<file path=ppt/ink/ink1.xml><?xml version="1.0" encoding="utf-8"?>
+<inkml:ink xmlns:inkml="http://www.w3.org/2003/InkML">
+  <inkml:definitions>
+    <inkml:context xml:id="ctx0">
+      <inkml:inkSource xml:id="inkSrc0">
+        <inkml:traceFormat>
+          <inkml:channel name="X" type="integer" max="1920" units="cm"/>
+          <inkml:channel name="Y" type="integer" max="1080" units="cm"/>
+          <inkml:channel name="T" type="integer" max="2.14748E9" units="dev"/>
+        </inkml:traceFormat>
+        <inkml:channelProperties>
+          <inkml:channelProperty channel="X" name="resolution" value="55.81395" units="1/cm"/>
+          <inkml:channelProperty channel="Y" name="resolution" value="55.6701" units="1/cm"/>
+          <inkml:channelProperty channel="T" name="resolution" value="1" units="1/dev"/>
+        </inkml:channelProperties>
+      </inkml:inkSource>
+      <inkml:timestamp xml:id="ts0" timeString="2022-03-22T04:39:45.615"/>
+    </inkml:context>
+    <inkml:brush xml:id="br0">
+      <inkml:brushProperty name="width" value="0.21167" units="cm"/>
+      <inkml:brushProperty name="height" value="0.21167" units="cm"/>
+      <inkml:brushProperty name="color" value="#ED1C24"/>
+      <inkml:brushProperty name="fitToCurve" value="1"/>
+    </inkml:brush>
+  </inkml:definitions>
+  <inkml:trace contextRef="#ctx0" brushRef="#br0">27 53 0,'0'-27'47,"26"27"-32,-26 27 16,-26-27-15,26 26-16,-27-26 16,27-26 46,0-1-31,27 27-15,-27-26 0,26 26-16,-26 26 47</inkml:trace>
+</inkml:ink>
+</file>
+
+<file path=ppt/ink/ink10.xml><?xml version="1.0" encoding="utf-8"?>
+<inkml:ink xmlns:inkml="http://www.w3.org/2003/InkML">
+  <inkml:definitions>
+    <inkml:context xml:id="ctx0">
+      <inkml:inkSource xml:id="inkSrc0">
+        <inkml:traceFormat>
+          <inkml:channel name="X" type="integer" max="1920" units="cm"/>
+          <inkml:channel name="Y" type="integer" max="1080" units="cm"/>
+          <inkml:channel name="T" type="integer" max="2.14748E9" units="dev"/>
+        </inkml:traceFormat>
+        <inkml:channelProperties>
+          <inkml:channelProperty channel="X" name="resolution" value="55.81395" units="1/cm"/>
+          <inkml:channelProperty channel="Y" name="resolution" value="55.6701" units="1/cm"/>
+          <inkml:channelProperty channel="T" name="resolution" value="1" units="1/dev"/>
+        </inkml:channelProperties>
+      </inkml:inkSource>
+      <inkml:timestamp xml:id="ts0" timeString="2022-03-22T04:39:52.920"/>
+    </inkml:context>
+    <inkml:brush xml:id="br0">
+      <inkml:brushProperty name="width" value="0.21167" units="cm"/>
+      <inkml:brushProperty name="height" value="0.21167" units="cm"/>
+      <inkml:brushProperty name="color" value="#ED1C24"/>
+      <inkml:brushProperty name="fitToCurve" value="1"/>
+    </inkml:brush>
+  </inkml:definitions>
+  <inkml:trace contextRef="#ctx0" brushRef="#br0">0 0 0,'27'0'141</inkml:trace>
+</inkml:ink>
+</file>
+
+<file path=ppt/ink/ink11.xml><?xml version="1.0" encoding="utf-8"?>
+<inkml:ink xmlns:inkml="http://www.w3.org/2003/InkML">
+  <inkml:definitions>
+    <inkml:context xml:id="ctx0">
+      <inkml:inkSource xml:id="inkSrc0">
+        <inkml:traceFormat>
+          <inkml:channel name="X" type="integer" max="1920" units="cm"/>
+          <inkml:channel name="Y" type="integer" max="1080" units="cm"/>
+          <inkml:channel name="T" type="integer" max="2.14748E9" units="dev"/>
+        </inkml:traceFormat>
+        <inkml:channelProperties>
+          <inkml:channelProperty channel="X" name="resolution" value="55.81395" units="1/cm"/>
+          <inkml:channelProperty channel="Y" name="resolution" value="55.6701" units="1/cm"/>
+          <inkml:channelProperty channel="T" name="resolution" value="1" units="1/dev"/>
+        </inkml:channelProperties>
+      </inkml:inkSource>
+      <inkml:timestamp xml:id="ts0" timeString="2022-03-22T04:40:13.205"/>
+    </inkml:context>
+    <inkml:brush xml:id="br0">
+      <inkml:brushProperty name="width" value="0.21167" units="cm"/>
+      <inkml:brushProperty name="height" value="0.21167" units="cm"/>
+      <inkml:brushProperty name="color" value="#3165BB"/>
+      <inkml:brushProperty name="fitToCurve" value="1"/>
+    </inkml:brush>
+  </inkml:definitions>
+  <inkml:trace contextRef="#ctx0" brushRef="#br0">79 0 0,'-26'0'31,"-1"0"-16,27 26-15,-26-26 16</inkml:trace>
+</inkml:ink>
+</file>
+
+<file path=ppt/ink/ink12.xml><?xml version="1.0" encoding="utf-8"?>
+<inkml:ink xmlns:inkml="http://www.w3.org/2003/InkML">
+  <inkml:definitions>
+    <inkml:context xml:id="ctx0">
+      <inkml:inkSource xml:id="inkSrc0">
+        <inkml:traceFormat>
+          <inkml:channel name="X" type="integer" max="1920" units="cm"/>
+          <inkml:channel name="Y" type="integer" max="1080" units="cm"/>
+          <inkml:channel name="T" type="integer" max="2.14748E9" units="dev"/>
+        </inkml:traceFormat>
+        <inkml:channelProperties>
+          <inkml:channelProperty channel="X" name="resolution" value="55.81395" units="1/cm"/>
+          <inkml:channelProperty channel="Y" name="resolution" value="55.6701" units="1/cm"/>
+          <inkml:channelProperty channel="T" name="resolution" value="1" units="1/dev"/>
+        </inkml:channelProperties>
+      </inkml:inkSource>
+      <inkml:timestamp xml:id="ts0" timeString="2022-03-22T04:40:14.238"/>
+    </inkml:context>
+    <inkml:brush xml:id="br0">
+      <inkml:brushProperty name="width" value="0.21167" units="cm"/>
+      <inkml:brushProperty name="height" value="0.21167" units="cm"/>
+      <inkml:brushProperty name="color" value="#3165BB"/>
+      <inkml:brushProperty name="fitToCurve" value="1"/>
+    </inkml:brush>
+  </inkml:definitions>
+  <inkml:trace contextRef="#ctx0" brushRef="#br0">0 0 0,'27'0'15</inkml:trace>
+</inkml:ink>
+</file>
+
+<file path=ppt/ink/ink13.xml><?xml version="1.0" encoding="utf-8"?>
+<inkml:ink xmlns:inkml="http://www.w3.org/2003/InkML">
+  <inkml:definitions>
+    <inkml:context xml:id="ctx0">
+      <inkml:inkSource xml:id="inkSrc0">
+        <inkml:traceFormat>
+          <inkml:channel name="X" type="integer" max="1920" units="cm"/>
+          <inkml:channel name="Y" type="integer" max="1080" units="cm"/>
+          <inkml:channel name="T" type="integer" max="2.14748E9" units="dev"/>
+        </inkml:traceFormat>
+        <inkml:channelProperties>
+          <inkml:channelProperty channel="X" name="resolution" value="55.81395" units="1/cm"/>
+          <inkml:channelProperty channel="Y" name="resolution" value="55.6701" units="1/cm"/>
+          <inkml:channelProperty channel="T" name="resolution" value="1" units="1/dev"/>
+        </inkml:channelProperties>
+      </inkml:inkSource>
+      <inkml:timestamp xml:id="ts0" timeString="2022-03-22T04:40:15.185"/>
+    </inkml:context>
+    <inkml:brush xml:id="br0">
+      <inkml:brushProperty name="width" value="0.21167" units="cm"/>
+      <inkml:brushProperty name="height" value="0.21167" units="cm"/>
+      <inkml:brushProperty name="color" value="#3165BB"/>
+      <inkml:brushProperty name="fitToCurve" value="1"/>
+    </inkml:brush>
+  </inkml:definitions>
+  <inkml:trace contextRef="#ctx0" brushRef="#br0">0 0 0</inkml:trace>
+</inkml:ink>
+</file>
+
+<file path=ppt/ink/ink14.xml><?xml version="1.0" encoding="utf-8"?>
+<inkml:ink xmlns:inkml="http://www.w3.org/2003/InkML">
+  <inkml:definitions>
+    <inkml:context xml:id="ctx0">
+      <inkml:inkSource xml:id="inkSrc0">
+        <inkml:traceFormat>
+          <inkml:channel name="X" type="integer" max="1920" units="cm"/>
+          <inkml:channel name="Y" type="integer" max="1080" units="cm"/>
+          <inkml:channel name="T" type="integer" max="2.14748E9" units="dev"/>
+        </inkml:traceFormat>
+        <inkml:channelProperties>
+          <inkml:channelProperty channel="X" name="resolution" value="55.81395" units="1/cm"/>
+          <inkml:channelProperty channel="Y" name="resolution" value="55.6701" units="1/cm"/>
+          <inkml:channelProperty channel="T" name="resolution" value="1" units="1/dev"/>
+        </inkml:channelProperties>
+      </inkml:inkSource>
+      <inkml:timestamp xml:id="ts0" timeString="2022-03-22T04:40:16.349"/>
+    </inkml:context>
+    <inkml:brush xml:id="br0">
+      <inkml:brushProperty name="width" value="0.21167" units="cm"/>
+      <inkml:brushProperty name="height" value="0.21167" units="cm"/>
+      <inkml:brushProperty name="color" value="#3165BB"/>
+      <inkml:brushProperty name="fitToCurve" value="1"/>
+    </inkml:brush>
+  </inkml:definitions>
+  <inkml:trace contextRef="#ctx0" brushRef="#br0">0 0 0,'27'0'0</inkml:trace>
+</inkml:ink>
+</file>
+
+<file path=ppt/ink/ink15.xml><?xml version="1.0" encoding="utf-8"?>
+<inkml:ink xmlns:inkml="http://www.w3.org/2003/InkML">
+  <inkml:definitions>
+    <inkml:context xml:id="ctx0">
+      <inkml:inkSource xml:id="inkSrc0">
+        <inkml:traceFormat>
+          <inkml:channel name="X" type="integer" max="1920" units="cm"/>
+          <inkml:channel name="Y" type="integer" max="1080" units="cm"/>
+          <inkml:channel name="T" type="integer" max="2.14748E9" units="dev"/>
+        </inkml:traceFormat>
+        <inkml:channelProperties>
+          <inkml:channelProperty channel="X" name="resolution" value="55.81395" units="1/cm"/>
+          <inkml:channelProperty channel="Y" name="resolution" value="55.6701" units="1/cm"/>
+          <inkml:channelProperty channel="T" name="resolution" value="1" units="1/dev"/>
+        </inkml:channelProperties>
+      </inkml:inkSource>
+      <inkml:timestamp xml:id="ts0" timeString="2022-03-22T04:40:17.695"/>
+    </inkml:context>
+    <inkml:brush xml:id="br0">
+      <inkml:brushProperty name="width" value="0.21167" units="cm"/>
+      <inkml:brushProperty name="height" value="0.21167" units="cm"/>
+      <inkml:brushProperty name="color" value="#3165BB"/>
+      <inkml:brushProperty name="fitToCurve" value="1"/>
+    </inkml:brush>
+  </inkml:definitions>
+  <inkml:trace contextRef="#ctx0" brushRef="#br0">61 30 0,'0'-27'16,"27"27"31,-54 0-16,1 0 0,26 27-31,-27-27 16,54 0 31</inkml:trace>
+</inkml:ink>
+</file>
+
+<file path=ppt/ink/ink16.xml><?xml version="1.0" encoding="utf-8"?>
+<inkml:ink xmlns:inkml="http://www.w3.org/2003/InkML">
+  <inkml:definitions>
+    <inkml:context xml:id="ctx0">
+      <inkml:inkSource xml:id="inkSrc0">
+        <inkml:traceFormat>
+          <inkml:channel name="X" type="integer" max="1920" units="cm"/>
+          <inkml:channel name="Y" type="integer" max="1080" units="cm"/>
+          <inkml:channel name="T" type="integer" max="2.14748E9" units="dev"/>
+        </inkml:traceFormat>
+        <inkml:channelProperties>
+          <inkml:channelProperty channel="X" name="resolution" value="55.81395" units="1/cm"/>
+          <inkml:channelProperty channel="Y" name="resolution" value="55.6701" units="1/cm"/>
+          <inkml:channelProperty channel="T" name="resolution" value="1" units="1/dev"/>
+        </inkml:channelProperties>
+      </inkml:inkSource>
+      <inkml:timestamp xml:id="ts0" timeString="2022-03-22T04:40:19.178"/>
+    </inkml:context>
+    <inkml:brush xml:id="br0">
+      <inkml:brushProperty name="width" value="0.21167" units="cm"/>
+      <inkml:brushProperty name="height" value="0.21167" units="cm"/>
+      <inkml:brushProperty name="color" value="#3165BB"/>
+      <inkml:brushProperty name="fitToCurve" value="1"/>
+    </inkml:brush>
+  </inkml:definitions>
+  <inkml:trace contextRef="#ctx0" brushRef="#br0">0 27 0,'26'-27'0</inkml:trace>
+</inkml:ink>
+</file>
+
+<file path=ppt/ink/ink17.xml><?xml version="1.0" encoding="utf-8"?>
+<inkml:ink xmlns:inkml="http://www.w3.org/2003/InkML">
+  <inkml:definitions>
+    <inkml:context xml:id="ctx0">
+      <inkml:inkSource xml:id="inkSrc0">
+        <inkml:traceFormat>
+          <inkml:channel name="X" type="integer" max="1920" units="cm"/>
+          <inkml:channel name="Y" type="integer" max="1080" units="cm"/>
+          <inkml:channel name="T" type="integer" max="2.14748E9" units="dev"/>
+        </inkml:traceFormat>
+        <inkml:channelProperties>
+          <inkml:channelProperty channel="X" name="resolution" value="55.81395" units="1/cm"/>
+          <inkml:channelProperty channel="Y" name="resolution" value="55.6701" units="1/cm"/>
+          <inkml:channelProperty channel="T" name="resolution" value="1" units="1/dev"/>
+        </inkml:channelProperties>
+      </inkml:inkSource>
+      <inkml:timestamp xml:id="ts0" timeString="2022-03-22T04:40:19.633"/>
+    </inkml:context>
+    <inkml:brush xml:id="br0">
+      <inkml:brushProperty name="width" value="0.21167" units="cm"/>
+      <inkml:brushProperty name="height" value="0.21167" units="cm"/>
+      <inkml:brushProperty name="color" value="#3165BB"/>
+      <inkml:brushProperty name="fitToCurve" value="1"/>
+    </inkml:brush>
+  </inkml:definitions>
+  <inkml:trace contextRef="#ctx0" brushRef="#br0">0 0 0,'27'0'46</inkml:trace>
+</inkml:ink>
+</file>
+
+<file path=ppt/ink/ink18.xml><?xml version="1.0" encoding="utf-8"?>
+<inkml:ink xmlns:inkml="http://www.w3.org/2003/InkML">
+  <inkml:definitions>
+    <inkml:context xml:id="ctx0">
+      <inkml:inkSource xml:id="inkSrc0">
+        <inkml:traceFormat>
+          <inkml:channel name="X" type="integer" max="1920" units="cm"/>
+          <inkml:channel name="Y" type="integer" max="1080" units="cm"/>
+          <inkml:channel name="T" type="integer" max="2.14748E9" units="dev"/>
+        </inkml:traceFormat>
+        <inkml:channelProperties>
+          <inkml:channelProperty channel="X" name="resolution" value="55.81395" units="1/cm"/>
+          <inkml:channelProperty channel="Y" name="resolution" value="55.6701" units="1/cm"/>
+          <inkml:channelProperty channel="T" name="resolution" value="1" units="1/dev"/>
+        </inkml:channelProperties>
+      </inkml:inkSource>
+      <inkml:timestamp xml:id="ts0" timeString="2022-03-22T04:40:20.255"/>
+    </inkml:context>
+    <inkml:brush xml:id="br0">
+      <inkml:brushProperty name="width" value="0.21167" units="cm"/>
+      <inkml:brushProperty name="height" value="0.21167" units="cm"/>
+      <inkml:brushProperty name="color" value="#3165BB"/>
+      <inkml:brushProperty name="fitToCurve" value="1"/>
+    </inkml:brush>
+  </inkml:definitions>
+  <inkml:trace contextRef="#ctx0" brushRef="#br0">26 0 0,'-26'0'16</inkml:trace>
+</inkml:ink>
+</file>
+
+<file path=ppt/ink/ink19.xml><?xml version="1.0" encoding="utf-8"?>
+<inkml:ink xmlns:inkml="http://www.w3.org/2003/InkML">
+  <inkml:definitions>
+    <inkml:context xml:id="ctx0">
+      <inkml:inkSource xml:id="inkSrc0">
+        <inkml:traceFormat>
+          <inkml:channel name="X" type="integer" max="1920" units="cm"/>
+          <inkml:channel name="Y" type="integer" max="1080" units="cm"/>
+          <inkml:channel name="T" type="integer" max="2.14748E9" units="dev"/>
+        </inkml:traceFormat>
+        <inkml:channelProperties>
+          <inkml:channelProperty channel="X" name="resolution" value="55.81395" units="1/cm"/>
+          <inkml:channelProperty channel="Y" name="resolution" value="55.6701" units="1/cm"/>
+          <inkml:channelProperty channel="T" name="resolution" value="1" units="1/dev"/>
+        </inkml:channelProperties>
+      </inkml:inkSource>
+      <inkml:timestamp xml:id="ts0" timeString="2022-03-22T04:40:20.771"/>
+    </inkml:context>
+    <inkml:brush xml:id="br0">
+      <inkml:brushProperty name="width" value="0.21167" units="cm"/>
+      <inkml:brushProperty name="height" value="0.21167" units="cm"/>
+      <inkml:brushProperty name="color" value="#3165BB"/>
+      <inkml:brushProperty name="fitToCurve" value="1"/>
+    </inkml:brush>
+  </inkml:definitions>
+  <inkml:trace contextRef="#ctx0" brushRef="#br0">0 29 0,'0'-26'16,"26"26"-1</inkml:trace>
+</inkml:ink>
+</file>
+
+<file path=ppt/ink/ink2.xml><?xml version="1.0" encoding="utf-8"?>
+<inkml:ink xmlns:inkml="http://www.w3.org/2003/InkML">
+  <inkml:definitions>
+    <inkml:context xml:id="ctx0">
+      <inkml:inkSource xml:id="inkSrc0">
+        <inkml:traceFormat>
+          <inkml:channel name="X" type="integer" max="1920" units="cm"/>
+          <inkml:channel name="Y" type="integer" max="1080" units="cm"/>
+          <inkml:channel name="T" type="integer" max="2.14748E9" units="dev"/>
+        </inkml:traceFormat>
+        <inkml:channelProperties>
+          <inkml:channelProperty channel="X" name="resolution" value="55.81395" units="1/cm"/>
+          <inkml:channelProperty channel="Y" name="resolution" value="55.6701" units="1/cm"/>
+          <inkml:channelProperty channel="T" name="resolution" value="1" units="1/dev"/>
+        </inkml:channelProperties>
+      </inkml:inkSource>
+      <inkml:timestamp xml:id="ts0" timeString="2022-03-22T04:39:47.179"/>
+    </inkml:context>
+    <inkml:brush xml:id="br0">
+      <inkml:brushProperty name="width" value="0.21167" units="cm"/>
+      <inkml:brushProperty name="height" value="0.21167" units="cm"/>
+      <inkml:brushProperty name="color" value="#ED1C24"/>
+      <inkml:brushProperty name="fitToCurve" value="1"/>
+    </inkml:brush>
+  </inkml:definitions>
+  <inkml:trace contextRef="#ctx0" brushRef="#br0">79 1 0,'26'0'0,"-26"26"47,-26-26-47,-1 26 16,1-26-1,0 0 1,26-26 15,26 0 0,0 26 16,-26 26-47</inkml:trace>
+</inkml:ink>
+</file>
+
+<file path=ppt/ink/ink20.xml><?xml version="1.0" encoding="utf-8"?>
+<inkml:ink xmlns:inkml="http://www.w3.org/2003/InkML">
+  <inkml:definitions>
+    <inkml:context xml:id="ctx0">
+      <inkml:inkSource xml:id="inkSrc0">
+        <inkml:traceFormat>
+          <inkml:channel name="X" type="integer" max="1920" units="cm"/>
+          <inkml:channel name="Y" type="integer" max="1080" units="cm"/>
+          <inkml:channel name="T" type="integer" max="2.14748E9" units="dev"/>
+        </inkml:traceFormat>
+        <inkml:channelProperties>
+          <inkml:channelProperty channel="X" name="resolution" value="55.81395" units="1/cm"/>
+          <inkml:channelProperty channel="Y" name="resolution" value="55.6701" units="1/cm"/>
+          <inkml:channelProperty channel="T" name="resolution" value="1" units="1/dev"/>
+        </inkml:channelProperties>
+      </inkml:inkSource>
+      <inkml:timestamp xml:id="ts0" timeString="2022-03-22T04:40:21.304"/>
+    </inkml:context>
+    <inkml:brush xml:id="br0">
+      <inkml:brushProperty name="width" value="0.21167" units="cm"/>
+      <inkml:brushProperty name="height" value="0.21167" units="cm"/>
+      <inkml:brushProperty name="color" value="#3165BB"/>
+      <inkml:brushProperty name="fitToCurve" value="1"/>
+    </inkml:brush>
+  </inkml:definitions>
+  <inkml:trace contextRef="#ctx0" brushRef="#br0">0 0 0,'26'0'15</inkml:trace>
+</inkml:ink>
+</file>
+
+<file path=ppt/ink/ink21.xml><?xml version="1.0" encoding="utf-8"?>
+<inkml:ink xmlns:inkml="http://www.w3.org/2003/InkML">
+  <inkml:definitions>
+    <inkml:context xml:id="ctx0">
+      <inkml:inkSource xml:id="inkSrc0">
+        <inkml:traceFormat>
+          <inkml:channel name="X" type="integer" max="1920" units="cm"/>
+          <inkml:channel name="Y" type="integer" max="1080" units="cm"/>
+          <inkml:channel name="T" type="integer" max="2.14748E9" units="dev"/>
+        </inkml:traceFormat>
+        <inkml:channelProperties>
+          <inkml:channelProperty channel="X" name="resolution" value="55.81395" units="1/cm"/>
+          <inkml:channelProperty channel="Y" name="resolution" value="55.6701" units="1/cm"/>
+          <inkml:channelProperty channel="T" name="resolution" value="1" units="1/dev"/>
+        </inkml:channelProperties>
+      </inkml:inkSource>
+      <inkml:timestamp xml:id="ts0" timeString="2022-03-22T04:39:56.361"/>
+    </inkml:context>
+    <inkml:brush xml:id="br0">
+      <inkml:brushProperty name="width" value="0.05" units="cm"/>
+      <inkml:brushProperty name="height" value="0.05" units="cm"/>
+      <inkml:brushProperty name="color" value="#3165BB"/>
+      <inkml:brushProperty name="fitToCurve" value="1"/>
+    </inkml:brush>
+    <inkml:brush xml:id="br1">
+      <inkml:brushProperty name="width" value="0.03528" units="cm"/>
+      <inkml:brushProperty name="height" value="0.03528" units="cm"/>
+      <inkml:brushProperty name="color" value="#3165BB"/>
+      <inkml:brushProperty name="fitToCurve" value="1"/>
+    </inkml:brush>
+  </inkml:definitions>
+  <inkml:trace contextRef="#ctx0" brushRef="#br0">106 847 0,'0'-26'31,"-26"26"32</inkml:trace>
+  <inkml:trace contextRef="#ctx0" brushRef="#br1" timeOffset="38962">27 53 0,'0'-26'31,"-27"26"-15,27-27-16,0 54 62,0-1-62,0 1 16,0-1 0,27 27-16,-27-26 15,0 26-15,0 0 16,26-27-16,-26 0 16,0 27-16,27-26 0,-27 26 15,0-27-15,0 1 0,0-1 16,26 27-16,-26-27 15,0 1-15,0-1 0,0 1 16,0-1-16,-26 1 16,26-54 15,0 1-15</inkml:trace>
+</inkml:ink>
+</file>
+
+<file path=ppt/ink/ink22.xml><?xml version="1.0" encoding="utf-8"?>
+<inkml:ink xmlns:inkml="http://www.w3.org/2003/InkML">
+  <inkml:definitions>
+    <inkml:context xml:id="ctx0">
+      <inkml:inkSource xml:id="inkSrc0">
+        <inkml:traceFormat>
+          <inkml:channel name="X" type="integer" max="1920" units="cm"/>
+          <inkml:channel name="Y" type="integer" max="1080" units="cm"/>
+          <inkml:channel name="T" type="integer" max="2.14748E9" units="dev"/>
+        </inkml:traceFormat>
+        <inkml:channelProperties>
+          <inkml:channelProperty channel="X" name="resolution" value="55.81395" units="1/cm"/>
+          <inkml:channelProperty channel="Y" name="resolution" value="55.6701" units="1/cm"/>
+          <inkml:channelProperty channel="T" name="resolution" value="1" units="1/dev"/>
+        </inkml:channelProperties>
+      </inkml:inkSource>
+      <inkml:timestamp xml:id="ts0" timeString="2022-03-22T04:40:14.784"/>
+    </inkml:context>
+    <inkml:brush xml:id="br0">
+      <inkml:brushProperty name="width" value="0.21167" units="cm"/>
+      <inkml:brushProperty name="height" value="0.21167" units="cm"/>
+      <inkml:brushProperty name="color" value="#3165BB"/>
+      <inkml:brushProperty name="fitToCurve" value="1"/>
+    </inkml:brush>
+    <inkml:brush xml:id="br1">
+      <inkml:brushProperty name="width" value="0.03528" units="cm"/>
+      <inkml:brushProperty name="height" value="0.03528" units="cm"/>
+      <inkml:brushProperty name="color" value="#3165BB"/>
+      <inkml:brushProperty name="fitToCurve" value="1"/>
+    </inkml:brush>
+  </inkml:definitions>
+  <inkml:trace contextRef="#ctx0" brushRef="#br0">212 847 0</inkml:trace>
+  <inkml:trace contextRef="#ctx0" brushRef="#br1" timeOffset="23185">0 0 0,'0'27'62,"0"-1"-46,0 0-16,0 1 0,0 26 15,0 0-15,0 0 16,0 26-16,26-26 0,-26 0 16,27 26-16,-27-26 0,26 0 15,-26 0-15,0 0 16,27-27-16,-27 27 0,0-26 16,0-1-1</inkml:trace>
+</inkml:ink>
+</file>
+
+<file path=ppt/ink/ink23.xml><?xml version="1.0" encoding="utf-8"?>
+<inkml:ink xmlns:inkml="http://www.w3.org/2003/InkML">
+  <inkml:definitions>
+    <inkml:context xml:id="ctx0">
+      <inkml:inkSource xml:id="inkSrc0">
+        <inkml:traceFormat>
+          <inkml:channel name="X" type="integer" max="1920" units="cm"/>
+          <inkml:channel name="Y" type="integer" max="1080" units="cm"/>
+          <inkml:channel name="T" type="integer" max="2.14748E9" units="dev"/>
+        </inkml:traceFormat>
+        <inkml:channelProperties>
+          <inkml:channelProperty channel="X" name="resolution" value="55.81395" units="1/cm"/>
+          <inkml:channelProperty channel="Y" name="resolution" value="55.6701" units="1/cm"/>
+          <inkml:channelProperty channel="T" name="resolution" value="1" units="1/dev"/>
+        </inkml:channelProperties>
+      </inkml:inkSource>
+      <inkml:timestamp xml:id="ts0" timeString="2022-03-22T04:40:38.688"/>
+    </inkml:context>
+    <inkml:brush xml:id="br0">
+      <inkml:brushProperty name="width" value="0.03528" units="cm"/>
+      <inkml:brushProperty name="height" value="0.03528" units="cm"/>
+      <inkml:brushProperty name="color" value="#3165BB"/>
+      <inkml:brushProperty name="fitToCurve" value="1"/>
+    </inkml:brush>
+  </inkml:definitions>
+  <inkml:trace contextRef="#ctx0" brushRef="#br0">0 0 0,'0'26'16,"26"0"-16,-26 1 0,0 26 15,0 0-15,0 0 0,0 0 16,0 26-16,0 0 16,0-26-16,0 27 0,27-1 15,-27 0-15,0 1 16,0-1-16,0-26 0,0 26 16,0-26-16,0 0 0,0 80 31,0-54-31,26-26 0,-26-27 15,0 27-15,0-26 16,0 26 0,0-27-16,27-26 0,-27 27 0,0-1 31</inkml:trace>
+</inkml:ink>
+</file>
+
+<file path=ppt/ink/ink24.xml><?xml version="1.0" encoding="utf-8"?>
+<inkml:ink xmlns:inkml="http://www.w3.org/2003/InkML">
+  <inkml:definitions>
+    <inkml:context xml:id="ctx0">
+      <inkml:inkSource xml:id="inkSrc0">
+        <inkml:traceFormat>
+          <inkml:channel name="X" type="integer" max="1920" units="cm"/>
+          <inkml:channel name="Y" type="integer" max="1080" units="cm"/>
+          <inkml:channel name="T" type="integer" max="2.14748E9" units="dev"/>
+        </inkml:traceFormat>
+        <inkml:channelProperties>
+          <inkml:channelProperty channel="X" name="resolution" value="55.81395" units="1/cm"/>
+          <inkml:channelProperty channel="Y" name="resolution" value="55.6701" units="1/cm"/>
+          <inkml:channelProperty channel="T" name="resolution" value="1" units="1/dev"/>
+        </inkml:channelProperties>
+      </inkml:inkSource>
+      <inkml:timestamp xml:id="ts0" timeString="2022-03-22T04:40:41.065"/>
+    </inkml:context>
+    <inkml:brush xml:id="br0">
+      <inkml:brushProperty name="width" value="0.03528" units="cm"/>
+      <inkml:brushProperty name="height" value="0.03528" units="cm"/>
+      <inkml:brushProperty name="color" value="#3165BB"/>
+      <inkml:brushProperty name="fitToCurve" value="1"/>
+    </inkml:brush>
+  </inkml:definitions>
+  <inkml:trace contextRef="#ctx0" brushRef="#br0">0 0 0,'27'0'31,"-27"27"0,0-1-15,0 1-16,26 26 0,-26 0 15,26 0-15,-26 26 16,27 0-16,-1 1 0,1 26 16,-27-1-16,26 1 15,1 0-15,-27 0 0,0 0 16,26 0-16,-26-27 0,0 27 15,0-27-15,27 0 16,-27 1-16,0-27 0,26 26 16,-26-26-16,0-26 15,27 25-15,-27-25 16</inkml:trace>
+</inkml:ink>
+</file>
+
+<file path=ppt/ink/ink25.xml><?xml version="1.0" encoding="utf-8"?>
+<inkml:ink xmlns:inkml="http://www.w3.org/2003/InkML">
+  <inkml:definitions>
+    <inkml:context xml:id="ctx0">
+      <inkml:inkSource xml:id="inkSrc0">
+        <inkml:traceFormat>
+          <inkml:channel name="X" type="integer" max="1920" units="cm"/>
+          <inkml:channel name="Y" type="integer" max="1080" units="cm"/>
+          <inkml:channel name="T" type="integer" max="2.14748E9" units="dev"/>
+        </inkml:traceFormat>
+        <inkml:channelProperties>
+          <inkml:channelProperty channel="X" name="resolution" value="55.81395" units="1/cm"/>
+          <inkml:channelProperty channel="Y" name="resolution" value="55.6701" units="1/cm"/>
+          <inkml:channelProperty channel="T" name="resolution" value="1" units="1/dev"/>
+        </inkml:channelProperties>
+      </inkml:inkSource>
+      <inkml:timestamp xml:id="ts0" timeString="2022-03-22T04:40:17.083"/>
+    </inkml:context>
+    <inkml:brush xml:id="br0">
+      <inkml:brushProperty name="width" value="0.21167" units="cm"/>
+      <inkml:brushProperty name="height" value="0.21167" units="cm"/>
+      <inkml:brushProperty name="color" value="#3165BB"/>
+      <inkml:brushProperty name="fitToCurve" value="1"/>
+    </inkml:brush>
+    <inkml:brush xml:id="br1">
+      <inkml:brushProperty name="width" value="0.03528" units="cm"/>
+      <inkml:brushProperty name="height" value="0.03528" units="cm"/>
+      <inkml:brushProperty name="color" value="#3165BB"/>
+      <inkml:brushProperty name="fitToCurve" value="1"/>
+    </inkml:brush>
+  </inkml:definitions>
+  <inkml:trace contextRef="#ctx0" brushRef="#br0">397 1720 0,'0'26'141,"26"-26"-125,1 0 15</inkml:trace>
+  <inkml:trace contextRef="#ctx0" brushRef="#br0" timeOffset="-1286">529 900 0,'0'-27'16,"-26"27"-16</inkml:trace>
+  <inkml:trace contextRef="#ctx0" brushRef="#br1" timeOffset="22332">291 0 0,'27'0'16,"-27"27"15,26-27-31,-26 26 16,0 1-16,0-1 0,27 1 15,-27 25-15,26 1 16,-26 0-16,26 27 0,-26-27 15,0 26-15,27-26 16,-27 26-16,0-26 0,0 0 16,0 0-16,0 0 0,0-27 15</inkml:trace>
+  <inkml:trace contextRef="#ctx0" brushRef="#br1" timeOffset="23149">0 212 0,'0'26'78,"0"1"-62,27-1-16,-27 27 15,26 0-15,-26 0 16,27 26-16,-27 1 0,26-1 15,0 1-15,-26-1 16,27 27-16,-27-27 16,26 0-16,-26 1 0,0-27 0,27 26 15,-27-26-15,0 0 16,0 0-16,26 0 0,-26-27 16,0 27-16,0-26 15,27-1-15,-27 1 0,0-1 16</inkml:trace>
+</inkml:ink>
+</file>
+
+<file path=ppt/ink/ink26.xml><?xml version="1.0" encoding="utf-8"?>
+<inkml:ink xmlns:inkml="http://www.w3.org/2003/InkML">
+  <inkml:definitions>
+    <inkml:context xml:id="ctx0">
+      <inkml:inkSource xml:id="inkSrc0">
+        <inkml:traceFormat>
+          <inkml:channel name="X" type="integer" max="1920" units="cm"/>
+          <inkml:channel name="Y" type="integer" max="1080" units="cm"/>
+          <inkml:channel name="T" type="integer" max="2.14748E9" units="dev"/>
+        </inkml:traceFormat>
+        <inkml:channelProperties>
+          <inkml:channelProperty channel="X" name="resolution" value="55.81395" units="1/cm"/>
+          <inkml:channelProperty channel="Y" name="resolution" value="55.6701" units="1/cm"/>
+          <inkml:channelProperty channel="T" name="resolution" value="1" units="1/dev"/>
+        </inkml:channelProperties>
+      </inkml:inkSource>
+      <inkml:timestamp xml:id="ts0" timeString="2022-03-22T04:40:41.719"/>
+    </inkml:context>
+    <inkml:brush xml:id="br0">
+      <inkml:brushProperty name="width" value="0.03528" units="cm"/>
+      <inkml:brushProperty name="height" value="0.03528" units="cm"/>
+      <inkml:brushProperty name="color" value="#3165BB"/>
+      <inkml:brushProperty name="fitToCurve" value="1"/>
+    </inkml:brush>
+  </inkml:definitions>
+  <inkml:trace contextRef="#ctx0" brushRef="#br0">0 0 0,'26'0'31,"-26"26"-31,0 1 16,0 26-16,27-27 15,-27 27-15,0 26 16,26-26-16,-26 27 0,27-1 16,-27-26-16,26 26 0,-26-26 15,26 0-15,-26 0 16,0 0-16,27 0 0,-27 0 16,0-27-1</inkml:trace>
+</inkml:ink>
+</file>
+
+<file path=ppt/ink/ink27.xml><?xml version="1.0" encoding="utf-8"?>
+<inkml:ink xmlns:inkml="http://www.w3.org/2003/InkML">
+  <inkml:definitions>
+    <inkml:context xml:id="ctx0">
+      <inkml:inkSource xml:id="inkSrc0">
+        <inkml:traceFormat>
+          <inkml:channel name="X" type="integer" max="1920" units="cm"/>
+          <inkml:channel name="Y" type="integer" max="1080" units="cm"/>
+          <inkml:channel name="T" type="integer" max="2.14748E9" units="dev"/>
+        </inkml:traceFormat>
+        <inkml:channelProperties>
+          <inkml:channelProperty channel="X" name="resolution" value="55.81395" units="1/cm"/>
+          <inkml:channelProperty channel="Y" name="resolution" value="55.6701" units="1/cm"/>
+          <inkml:channelProperty channel="T" name="resolution" value="1" units="1/dev"/>
+        </inkml:channelProperties>
+      </inkml:inkSource>
+      <inkml:timestamp xml:id="ts0" timeString="2022-03-22T04:40:18.683"/>
+    </inkml:context>
+    <inkml:brush xml:id="br0">
+      <inkml:brushProperty name="width" value="0.21167" units="cm"/>
+      <inkml:brushProperty name="height" value="0.21167" units="cm"/>
+      <inkml:brushProperty name="color" value="#3165BB"/>
+      <inkml:brushProperty name="fitToCurve" value="1"/>
+    </inkml:brush>
+    <inkml:brush xml:id="br1">
+      <inkml:brushProperty name="width" value="0.03528" units="cm"/>
+      <inkml:brushProperty name="height" value="0.03528" units="cm"/>
+      <inkml:brushProperty name="color" value="#3165BB"/>
+      <inkml:brushProperty name="fitToCurve" value="1"/>
+    </inkml:brush>
+  </inkml:definitions>
+  <inkml:trace contextRef="#ctx0" brushRef="#br0">159 1191 0,'0'-27'0</inkml:trace>
+  <inkml:trace contextRef="#ctx0" brushRef="#br1" timeOffset="25310">0 0 0,'0'27'16,"0"-1"-1,0 1 1,0-1-16,0 27 0,0 0 16,0 0-16,0 0 0,26 26 15,-26 1-15,0-1 16,27 0-16,-27-26 0,0 27 16,26-27-16,-26 26 15,0-26-15,0 0 0,0-27 16,0 1-16,0-1 15,0 1-15</inkml:trace>
+</inkml:ink>
+</file>
+
+<file path=ppt/ink/ink28.xml><?xml version="1.0" encoding="utf-8"?>
+<inkml:ink xmlns:inkml="http://www.w3.org/2003/InkML">
+  <inkml:definitions>
+    <inkml:context xml:id="ctx0">
+      <inkml:inkSource xml:id="inkSrc0">
+        <inkml:traceFormat>
+          <inkml:channel name="X" type="integer" max="1920" units="cm"/>
+          <inkml:channel name="Y" type="integer" max="1080" units="cm"/>
+          <inkml:channel name="T" type="integer" max="2.14748E9" units="dev"/>
+        </inkml:traceFormat>
+        <inkml:channelProperties>
+          <inkml:channelProperty channel="X" name="resolution" value="55.81395" units="1/cm"/>
+          <inkml:channelProperty channel="Y" name="resolution" value="55.6701" units="1/cm"/>
+          <inkml:channelProperty channel="T" name="resolution" value="1" units="1/dev"/>
+        </inkml:channelProperties>
+      </inkml:inkSource>
+      <inkml:timestamp xml:id="ts0" timeString="2022-03-22T04:40:18.130"/>
+    </inkml:context>
+    <inkml:brush xml:id="br0">
+      <inkml:brushProperty name="width" value="0.21167" units="cm"/>
+      <inkml:brushProperty name="height" value="0.21167" units="cm"/>
+      <inkml:brushProperty name="color" value="#3165BB"/>
+      <inkml:brushProperty name="fitToCurve" value="1"/>
+    </inkml:brush>
+    <inkml:brush xml:id="br1">
+      <inkml:brushProperty name="width" value="0.03528" units="cm"/>
+      <inkml:brushProperty name="height" value="0.03528" units="cm"/>
+      <inkml:brushProperty name="color" value="#3165BB"/>
+      <inkml:brushProperty name="fitToCurve" value="1"/>
+    </inkml:brush>
+  </inkml:definitions>
+  <inkml:trace contextRef="#ctx0" brushRef="#br0">396 2143 0,'27'0'47</inkml:trace>
+  <inkml:trace contextRef="#ctx0" brushRef="#br1" timeOffset="24353">291 0 0,'26'79'16,"1"0"-16,-27 1 0,26-1 16,0 1-16,-26-1 0,27 0 15,-27-26-15,26 27 16,-26-27-16,0-1 0,0 1 16,0-26-16,0-1 0,0 1 15,27-27-15,-27 26 16</inkml:trace>
+  <inkml:trace contextRef="#ctx0" brushRef="#br1" timeOffset="25082">0 264 0,'0'53'0,"26"0"16,-26 27-16,26-1 16,1 0-16,-27 27 0,26-27 15,1 27-15,-27 0 16,0-27-16,26 27 0,-26-26 16,0 26-16,27-27 0,-27 0 15,0 1-15,26-1 16,-26 0-16,0 1 0,0-1 15,0 1-15,0-1 16,27-26-16,-27 0 0,0 0 16,0 0-16,0-27 0,0 27 15,0-27-15,26 1 16,-26-1 0,27-52-1</inkml:trace>
+</inkml:ink>
+</file>
+
+<file path=ppt/ink/ink29.xml><?xml version="1.0" encoding="utf-8"?>
+<inkml:ink xmlns:inkml="http://www.w3.org/2003/InkML">
+  <inkml:definitions>
+    <inkml:context xml:id="ctx0">
+      <inkml:inkSource xml:id="inkSrc0">
+        <inkml:traceFormat>
+          <inkml:channel name="X" type="integer" max="1920" units="cm"/>
+          <inkml:channel name="Y" type="integer" max="1080" units="cm"/>
+          <inkml:channel name="T" type="integer" max="2.14748E9" units="dev"/>
+        </inkml:traceFormat>
+        <inkml:channelProperties>
+          <inkml:channelProperty channel="X" name="resolution" value="55.81395" units="1/cm"/>
+          <inkml:channelProperty channel="Y" name="resolution" value="55.6701" units="1/cm"/>
+          <inkml:channelProperty channel="T" name="resolution" value="1" units="1/dev"/>
+        </inkml:channelProperties>
+      </inkml:inkSource>
+      <inkml:timestamp xml:id="ts0" timeString="2022-03-22T04:40:44.714"/>
+    </inkml:context>
+    <inkml:brush xml:id="br0">
+      <inkml:brushProperty name="width" value="0.03528" units="cm"/>
+      <inkml:brushProperty name="height" value="0.03528" units="cm"/>
+      <inkml:brushProperty name="color" value="#3165BB"/>
+      <inkml:brushProperty name="fitToCurve" value="1"/>
+    </inkml:brush>
+  </inkml:definitions>
+  <inkml:trace contextRef="#ctx0" brushRef="#br0">0 0 0,'0'53'16,"0"0"-16,27 26 0,-27 0 15,0 27-15,26-26 16,-26 25-16,0 1 0,27 27 16,-27-28-16,0 1 15,0 106-15,26-133 16,-26 27-16,0-27 0,0 1 15,27-1-15,-27 1 16,0-28-16,26 28 16,-26-27-16,0-27 0,0 27 15,0-26-15,0-1 0,26 1 16,-26-54 15</inkml:trace>
+</inkml:ink>
+</file>
+
+<file path=ppt/ink/ink3.xml><?xml version="1.0" encoding="utf-8"?>
+<inkml:ink xmlns:inkml="http://www.w3.org/2003/InkML">
+  <inkml:definitions>
+    <inkml:context xml:id="ctx0">
+      <inkml:inkSource xml:id="inkSrc0">
+        <inkml:traceFormat>
+          <inkml:channel name="X" type="integer" max="1920" units="cm"/>
+          <inkml:channel name="Y" type="integer" max="1080" units="cm"/>
+          <inkml:channel name="T" type="integer" max="2.14748E9" units="dev"/>
+        </inkml:traceFormat>
+        <inkml:channelProperties>
+          <inkml:channelProperty channel="X" name="resolution" value="55.81395" units="1/cm"/>
+          <inkml:channelProperty channel="Y" name="resolution" value="55.6701" units="1/cm"/>
+          <inkml:channelProperty channel="T" name="resolution" value="1" units="1/dev"/>
+        </inkml:channelProperties>
+      </inkml:inkSource>
+      <inkml:timestamp xml:id="ts0" timeString="2022-03-22T04:39:47.893"/>
+    </inkml:context>
+    <inkml:brush xml:id="br0">
+      <inkml:brushProperty name="width" value="0.21167" units="cm"/>
+      <inkml:brushProperty name="height" value="0.21167" units="cm"/>
+      <inkml:brushProperty name="color" value="#ED1C24"/>
+      <inkml:brushProperty name="fitToCurve" value="1"/>
+    </inkml:brush>
+  </inkml:definitions>
+  <inkml:trace contextRef="#ctx0" brushRef="#br0">79 3 0,'-26'27'16,"0"-27"-1,-1 0 1,27-27 15,27 27 16</inkml:trace>
+</inkml:ink>
+</file>
+
+<file path=ppt/ink/ink30.xml><?xml version="1.0" encoding="utf-8"?>
+<inkml:ink xmlns:inkml="http://www.w3.org/2003/InkML">
+  <inkml:definitions>
+    <inkml:context xml:id="ctx0">
+      <inkml:inkSource xml:id="inkSrc0">
+        <inkml:traceFormat>
+          <inkml:channel name="X" type="integer" max="1920" units="cm"/>
+          <inkml:channel name="Y" type="integer" max="1080" units="cm"/>
+          <inkml:channel name="T" type="integer" max="2.14748E9" units="dev"/>
+        </inkml:traceFormat>
+        <inkml:channelProperties>
+          <inkml:channelProperty channel="X" name="resolution" value="55.81395" units="1/cm"/>
+          <inkml:channelProperty channel="Y" name="resolution" value="55.6701" units="1/cm"/>
+          <inkml:channelProperty channel="T" name="resolution" value="1" units="1/dev"/>
+        </inkml:channelProperties>
+      </inkml:inkSource>
+      <inkml:timestamp xml:id="ts0" timeString="2022-03-22T04:39:44.228"/>
+    </inkml:context>
+    <inkml:brush xml:id="br0">
+      <inkml:brushProperty name="width" value="0.21167" units="cm"/>
+      <inkml:brushProperty name="height" value="0.21167" units="cm"/>
+      <inkml:brushProperty name="color" value="#ED1C24"/>
+      <inkml:brushProperty name="fitToCurve" value="1"/>
+    </inkml:brush>
+    <inkml:brush xml:id="br1">
+      <inkml:brushProperty name="width" value="0.21167" units="cm"/>
+      <inkml:brushProperty name="height" value="0.21167" units="cm"/>
+      <inkml:brushProperty name="color" value="#3165BB"/>
+      <inkml:brushProperty name="fitToCurve" value="1"/>
+    </inkml:brush>
+    <inkml:brush xml:id="br2">
+      <inkml:brushProperty name="width" value="0.03528" units="cm"/>
+      <inkml:brushProperty name="height" value="0.03528" units="cm"/>
+      <inkml:brushProperty name="color" value="#3165BB"/>
+      <inkml:brushProperty name="fitToCurve" value="1"/>
+    </inkml:brush>
+    <inkml:brush xml:id="br3">
+      <inkml:brushProperty name="width" value="0.05" units="cm"/>
+      <inkml:brushProperty name="height" value="0.05" units="cm"/>
+      <inkml:brushProperty name="color" value="#ED1C24"/>
+      <inkml:brushProperty name="fitToCurve" value="1"/>
+    </inkml:brush>
+  </inkml:definitions>
+  <inkml:trace contextRef="#ctx0" brushRef="#br0">9 0 0,'26'0'31,"1"0"31,-27 27-46,0-1 0,-27 1 15,1-27 0,26-27-31,0 1 31,26 26-15,-26-27-16,27 27 31,-1 27 0,-52-27 1,-1 0-17,1 0 17,26-27-17,26 27 1</inkml:trace>
+  <inkml:trace contextRef="#ctx0" brushRef="#br1" timeOffset="29529">273 4181 0</inkml:trace>
+  <inkml:trace contextRef="#ctx0" brushRef="#br2" timeOffset="52014">62 3017 0,'26'0'0,"-26"26"47,0 1-32,0-1-15,0 1 16,0 25 0,0-25-16,27 26 0,-27 0 15,0 0-15,0 0 0,26-1 16,-26 1-16,0 0 15,27 0-15,-27 0 0,0 0 16,0 0-16,26-27 16,-26 1-16,0-1 0,0 1 15,0-1-15,0 1 0,0-1 16,0 1 0,0-1-16,-26-26 15,26 27-15,-27-1 16,27-52-1</inkml:trace>
+  <inkml:trace contextRef="#ctx0" brushRef="#br2" timeOffset="52901">459 2726 0,'-27'26'31,"27"1"-15,-26-1 0,26 0-16,0 54 15,0-27 1,26-27-16,-26 27 0,0 0 16,27 0-16,-27 0 0,0 0 15,0 0-15,0 0 0,0 0 16,26-1-16,-26 1 15,0 0-15,0 0 0,0 0 16,0 0-16,0-26 16,0 25-16,0 1 0,0 0 15,0 0-15,0 0 16,0 0-16,0-27 0,0 27 16,0 0-16,0-26 0,0 26 15,0-27-15,0 1 16,0-1-16,0 27 0,0-27 15,0 1-15,-26-1 0,26 1 16,0-1 0,0 1-16,0-1 15,0 1 1,-27-27 46</inkml:trace>
+  <inkml:trace contextRef="#ctx0" brushRef="#br3" timeOffset="64867">141 212 0,'0'27'32,"27"-1"-17,-27 27-15,0 0 16,26 0-16,-26 26 0,0 27 16,0 0-16,27 0 15,-27 26-15,0 0 0,26 1 16,-26-1-16,26 0 0,1-26 15,-27 26-15,26-26 16,1 0-16,-1-27 0,-26 27 16,27-27-16,-27 1 15,0 79-15,0-80 16,0-26-16,0-27 0,-27 27 16,27-26-16</inkml:trace>
+</inkml:ink>
+</file>
+
+<file path=ppt/ink/ink31.xml><?xml version="1.0" encoding="utf-8"?>
+<inkml:ink xmlns:inkml="http://www.w3.org/2003/InkML">
+  <inkml:definitions>
+    <inkml:context xml:id="ctx0">
+      <inkml:inkSource xml:id="inkSrc0">
+        <inkml:traceFormat>
+          <inkml:channel name="X" type="integer" max="1920" units="cm"/>
+          <inkml:channel name="Y" type="integer" max="1080" units="cm"/>
+          <inkml:channel name="T" type="integer" max="2.14748E9" units="dev"/>
+        </inkml:traceFormat>
+        <inkml:channelProperties>
+          <inkml:channelProperty channel="X" name="resolution" value="55.81395" units="1/cm"/>
+          <inkml:channelProperty channel="Y" name="resolution" value="55.6701" units="1/cm"/>
+          <inkml:channelProperty channel="T" name="resolution" value="1" units="1/dev"/>
+        </inkml:channelProperties>
+      </inkml:inkSource>
+      <inkml:timestamp xml:id="ts0" timeString="2022-03-22T04:39:42.582"/>
+    </inkml:context>
+    <inkml:brush xml:id="br0">
+      <inkml:brushProperty name="width" value="0.21167" units="cm"/>
+      <inkml:brushProperty name="height" value="0.21167" units="cm"/>
+      <inkml:brushProperty name="color" value="#ED1C24"/>
+      <inkml:brushProperty name="fitToCurve" value="1"/>
+    </inkml:brush>
+    <inkml:brush xml:id="br1">
+      <inkml:brushProperty name="width" value="0.05" units="cm"/>
+      <inkml:brushProperty name="height" value="0.05" units="cm"/>
+      <inkml:brushProperty name="color" value="#ED1C24"/>
+      <inkml:brushProperty name="fitToCurve" value="1"/>
+    </inkml:brush>
+  </inkml:definitions>
+  <inkml:trace contextRef="#ctx0" brushRef="#br0">62 53 0,'27'0'15,"-27"26"16,-27-26-31,1 0 32,0-26-1,26 0-15,26 26-1,0-27 1,1 27-1,-1 0 1,-26 27 15,0-1-15,-26-26 0,26 26-1,-27-26-15,1 0 31,26-26-31,0 0 32,26 26-1</inkml:trace>
+  <inkml:trace contextRef="#ctx0" brushRef="#br1" timeOffset="65699">89 132 0,'0'53'0,"0"-26"16,0-1-16,0 27 0,0 27 15,0-28-15,0 28 16,0-1-16,0 27 0,0-27 16,0 27-16,0-26 0,26 25 15,-26-25-15,0 26 16,0-27-16,0 0 0,0-26 15,0 27-15,0-27 16,0 0-16,-26-1 0,26-25 16,0-1-16</inkml:trace>
+</inkml:ink>
+</file>
+
+<file path=ppt/ink/ink32.xml><?xml version="1.0" encoding="utf-8"?>
+<inkml:ink xmlns:inkml="http://www.w3.org/2003/InkML">
+  <inkml:definitions>
+    <inkml:context xml:id="ctx0">
+      <inkml:inkSource xml:id="inkSrc0">
+        <inkml:traceFormat>
+          <inkml:channel name="X" type="integer" max="1920" units="cm"/>
+          <inkml:channel name="Y" type="integer" max="1080" units="cm"/>
+          <inkml:channel name="T" type="integer" max="2.14748E9" units="dev"/>
+        </inkml:traceFormat>
+        <inkml:channelProperties>
+          <inkml:channelProperty channel="X" name="resolution" value="55.81395" units="1/cm"/>
+          <inkml:channelProperty channel="Y" name="resolution" value="55.6701" units="1/cm"/>
+          <inkml:channelProperty channel="T" name="resolution" value="1" units="1/dev"/>
+        </inkml:channelProperties>
+      </inkml:inkSource>
+      <inkml:timestamp xml:id="ts0" timeString="2022-03-22T04:39:41.650"/>
+    </inkml:context>
+    <inkml:brush xml:id="br0">
+      <inkml:brushProperty name="width" value="0.21167" units="cm"/>
+      <inkml:brushProperty name="height" value="0.21167" units="cm"/>
+      <inkml:brushProperty name="color" value="#ED1C24"/>
+      <inkml:brushProperty name="fitToCurve" value="1"/>
+    </inkml:brush>
+    <inkml:brush xml:id="br1">
+      <inkml:brushProperty name="width" value="0.05" units="cm"/>
+      <inkml:brushProperty name="height" value="0.05" units="cm"/>
+      <inkml:brushProperty name="color" value="#ED1C24"/>
+      <inkml:brushProperty name="fitToCurve" value="1"/>
+    </inkml:brush>
+  </inkml:definitions>
+  <inkml:trace contextRef="#ctx0" brushRef="#br0">0 34 0,'27'0'15,"-1"0"64,0 0-33,1 0 1,-1 0-31,-52 0 31,-1 0-32,54 0 142,-54 26-110,1-26-32,0 0 1,26-26-1,26 26 32,0 0-31,-26-27-16,27 27 31,-54 0 16,27 27-47</inkml:trace>
+  <inkml:trace contextRef="#ctx0" brushRef="#br1" timeOffset="66019">27 166 0,'0'26'16,"0"27"-16,26 0 0,-26 0 15,0 27-15,0-28 16,0 28-16,0-1 0,0 1 16,0-1-16,0 0 15,0 1-15,0-1 0,0 0 16,0 1-16,0-27 0,26 26 16,-26-26-16,0 0 15,27 0-15,-27 0 0,0 0 16,0-27-16,0 27 15,0-26-15,0-1 0,0 0 16,0 1-16,0-1 16,0-52-1</inkml:trace>
+</inkml:ink>
+</file>
+
+<file path=ppt/ink/ink33.xml><?xml version="1.0" encoding="utf-8"?>
+<inkml:ink xmlns:inkml="http://www.w3.org/2003/InkML">
+  <inkml:definitions>
+    <inkml:context xml:id="ctx0">
+      <inkml:inkSource xml:id="inkSrc0">
+        <inkml:traceFormat>
+          <inkml:channel name="X" type="integer" max="1920" units="cm"/>
+          <inkml:channel name="Y" type="integer" max="1080" units="cm"/>
+          <inkml:channel name="T" type="integer" max="2.14748E9" units="dev"/>
+        </inkml:traceFormat>
+        <inkml:channelProperties>
+          <inkml:channelProperty channel="X" name="resolution" value="55.81395" units="1/cm"/>
+          <inkml:channelProperty channel="Y" name="resolution" value="55.6701" units="1/cm"/>
+          <inkml:channelProperty channel="T" name="resolution" value="1" units="1/dev"/>
+        </inkml:channelProperties>
+      </inkml:inkSource>
+      <inkml:timestamp xml:id="ts0" timeString="2022-03-22T04:40:51.518"/>
+    </inkml:context>
+    <inkml:brush xml:id="br0">
+      <inkml:brushProperty name="width" value="0.05" units="cm"/>
+      <inkml:brushProperty name="height" value="0.05" units="cm"/>
+      <inkml:brushProperty name="color" value="#ED1C24"/>
+      <inkml:brushProperty name="fitToCurve" value="1"/>
+    </inkml:brush>
+  </inkml:definitions>
+  <inkml:trace contextRef="#ctx0" brushRef="#br0">0 0 0,'26'79'0,"-26"-26"0,27 27 16,-27 26-16,26-1 0,-26-25 16,27 52-16,-1-26 15,-26 0-15,26 0 0,1-1 16,-1 1-16,1 0 16,-1-27-16,1 1 0,-27-1 15,26 1-15,1-28 0,-27 1 16,26-26-16,-26-1 15,0 1-15,0-1 0</inkml:trace>
+</inkml:ink>
+</file>
+
+<file path=ppt/ink/ink34.xml><?xml version="1.0" encoding="utf-8"?>
+<inkml:ink xmlns:inkml="http://www.w3.org/2003/InkML">
+  <inkml:definitions>
+    <inkml:context xml:id="ctx0">
+      <inkml:inkSource xml:id="inkSrc0">
+        <inkml:traceFormat>
+          <inkml:channel name="X" type="integer" max="1920" units="cm"/>
+          <inkml:channel name="Y" type="integer" max="1080" units="cm"/>
+          <inkml:channel name="T" type="integer" max="2.14748E9" units="dev"/>
+        </inkml:traceFormat>
+        <inkml:channelProperties>
+          <inkml:channelProperty channel="X" name="resolution" value="55.81395" units="1/cm"/>
+          <inkml:channelProperty channel="Y" name="resolution" value="55.6701" units="1/cm"/>
+          <inkml:channelProperty channel="T" name="resolution" value="1" units="1/dev"/>
+        </inkml:channelProperties>
+      </inkml:inkSource>
+      <inkml:timestamp xml:id="ts0" timeString="2022-03-22T04:40:52.425"/>
+    </inkml:context>
+    <inkml:brush xml:id="br0">
+      <inkml:brushProperty name="width" value="0.05" units="cm"/>
+      <inkml:brushProperty name="height" value="0.05" units="cm"/>
+      <inkml:brushProperty name="color" value="#ED1C24"/>
+      <inkml:brushProperty name="fitToCurve" value="1"/>
+    </inkml:brush>
+  </inkml:definitions>
+  <inkml:trace contextRef="#ctx0" brushRef="#br0">0 0 0,'26'80'16,"-26"25"-16,0-25 0,27 52 15,-27-26-15,0 26 0,26-26 16,-26 0-16,0 0 15,0 0-15,0-27 0,-26 0 16,26-26-16,0 27 16,-27-27-16,27-27 0,0 0 15,0 1-15,0-1 0</inkml:trace>
+</inkml:ink>
+</file>
+
+<file path=ppt/ink/ink35.xml><?xml version="1.0" encoding="utf-8"?>
+<inkml:ink xmlns:inkml="http://www.w3.org/2003/InkML">
+  <inkml:definitions>
+    <inkml:context xml:id="ctx0">
+      <inkml:inkSource xml:id="inkSrc0">
+        <inkml:traceFormat>
+          <inkml:channel name="X" type="integer" max="1920" units="cm"/>
+          <inkml:channel name="Y" type="integer" max="1080" units="cm"/>
+          <inkml:channel name="T" type="integer" max="2.14748E9" units="dev"/>
+        </inkml:traceFormat>
+        <inkml:channelProperties>
+          <inkml:channelProperty channel="X" name="resolution" value="55.81395" units="1/cm"/>
+          <inkml:channelProperty channel="Y" name="resolution" value="55.6701" units="1/cm"/>
+          <inkml:channelProperty channel="T" name="resolution" value="1" units="1/dev"/>
+        </inkml:channelProperties>
+      </inkml:inkSource>
+      <inkml:timestamp xml:id="ts0" timeString="2022-03-22T04:39:48.470"/>
+    </inkml:context>
+    <inkml:brush xml:id="br0">
+      <inkml:brushProperty name="width" value="0.21167" units="cm"/>
+      <inkml:brushProperty name="height" value="0.21167" units="cm"/>
+      <inkml:brushProperty name="color" value="#ED1C24"/>
+      <inkml:brushProperty name="fitToCurve" value="1"/>
+    </inkml:brush>
+    <inkml:brush xml:id="br1">
+      <inkml:brushProperty name="width" value="0.05" units="cm"/>
+      <inkml:brushProperty name="height" value="0.05" units="cm"/>
+      <inkml:brushProperty name="color" value="#ED1C24"/>
+      <inkml:brushProperty name="fitToCurve" value="1"/>
+    </inkml:brush>
+  </inkml:definitions>
+  <inkml:trace contextRef="#ctx0" brushRef="#br0">18 30 0,'0'-27'16,"27"27"-1,-54 0 32,27 27-15,-26-27-17,52 0 32,1 0-16</inkml:trace>
+  <inkml:trace contextRef="#ctx0" brushRef="#br1" timeOffset="64568">-8 109 0,'26'26'16,"-26"1"-16,0 26 0,27 0 15,-27 0-15,26 26 0,-26-26 16,27 26-16,-27 1 15,26-1-15,-26 0 0,0 1 16,27-27-16,-27 0 16,0 0-16,0-1 0,-27-25 15</inkml:trace>
+</inkml:ink>
+</file>
+
+<file path=ppt/ink/ink36.xml><?xml version="1.0" encoding="utf-8"?>
+<inkml:ink xmlns:inkml="http://www.w3.org/2003/InkML">
+  <inkml:definitions>
+    <inkml:context xml:id="ctx0">
+      <inkml:inkSource xml:id="inkSrc0">
+        <inkml:traceFormat>
+          <inkml:channel name="X" type="integer" max="1920" units="cm"/>
+          <inkml:channel name="Y" type="integer" max="1080" units="cm"/>
+          <inkml:channel name="T" type="integer" max="2.14748E9" units="dev"/>
+        </inkml:traceFormat>
+        <inkml:channelProperties>
+          <inkml:channelProperty channel="X" name="resolution" value="55.81395" units="1/cm"/>
+          <inkml:channelProperty channel="Y" name="resolution" value="55.6701" units="1/cm"/>
+          <inkml:channelProperty channel="T" name="resolution" value="1" units="1/dev"/>
+        </inkml:channelProperties>
+      </inkml:inkSource>
+      <inkml:timestamp xml:id="ts0" timeString="2022-03-22T04:39:46.520"/>
+    </inkml:context>
+    <inkml:brush xml:id="br0">
+      <inkml:brushProperty name="width" value="0.21167" units="cm"/>
+      <inkml:brushProperty name="height" value="0.21167" units="cm"/>
+      <inkml:brushProperty name="color" value="#ED1C24"/>
+      <inkml:brushProperty name="fitToCurve" value="1"/>
+    </inkml:brush>
+    <inkml:brush xml:id="br1">
+      <inkml:brushProperty name="width" value="0.05" units="cm"/>
+      <inkml:brushProperty name="height" value="0.05" units="cm"/>
+      <inkml:brushProperty name="color" value="#ED1C24"/>
+      <inkml:brushProperty name="fitToCurve" value="1"/>
+    </inkml:brush>
+  </inkml:definitions>
+  <inkml:trace contextRef="#ctx0" brushRef="#br0">18 27 0,'-26'0'15,"52"0"32,-26-27-47,27 27 16,-27 27 15,0-1 0,-27 1 16,54-27 16,-1 0-32,1 0 0,-1 0 0</inkml:trace>
+  <inkml:trace contextRef="#ctx0" brushRef="#br1" timeOffset="65408">71 185 0,'-26'0'16,"26"27"0,0-1-16,0 1 15,26 26 1,-26 0-16,0 26 0,27-26 0,-27 26 15,26-26-15,-26 27 16,26-1-16,-26-26 0,0 0 16,27 0-16,-27-27 0,0 1 15,0-1-15,26 1 16</inkml:trace>
+</inkml:ink>
+</file>
+
+<file path=ppt/ink/ink37.xml><?xml version="1.0" encoding="utf-8"?>
+<inkml:ink xmlns:inkml="http://www.w3.org/2003/InkML">
+  <inkml:definitions>
+    <inkml:context xml:id="ctx0">
+      <inkml:inkSource xml:id="inkSrc0">
+        <inkml:traceFormat>
+          <inkml:channel name="X" type="integer" max="1920" units="cm"/>
+          <inkml:channel name="Y" type="integer" max="1080" units="cm"/>
+          <inkml:channel name="T" type="integer" max="2.14748E9" units="dev"/>
+        </inkml:traceFormat>
+        <inkml:channelProperties>
+          <inkml:channelProperty channel="X" name="resolution" value="55.81395" units="1/cm"/>
+          <inkml:channelProperty channel="Y" name="resolution" value="55.6701" units="1/cm"/>
+          <inkml:channelProperty channel="T" name="resolution" value="1" units="1/dev"/>
+        </inkml:channelProperties>
+      </inkml:inkSource>
+      <inkml:timestamp xml:id="ts0" timeString="2022-03-22T04:39:44.940"/>
+    </inkml:context>
+    <inkml:brush xml:id="br0">
+      <inkml:brushProperty name="width" value="0.21167" units="cm"/>
+      <inkml:brushProperty name="height" value="0.21167" units="cm"/>
+      <inkml:brushProperty name="color" value="#ED1C24"/>
+      <inkml:brushProperty name="fitToCurve" value="1"/>
+    </inkml:brush>
+    <inkml:brush xml:id="br1">
+      <inkml:brushProperty name="width" value="0.05" units="cm"/>
+      <inkml:brushProperty name="height" value="0.05" units="cm"/>
+      <inkml:brushProperty name="color" value="#ED1C24"/>
+      <inkml:brushProperty name="fitToCurve" value="1"/>
+    </inkml:brush>
+  </inkml:definitions>
+  <inkml:trace contextRef="#ctx0" brushRef="#br0">56 28 0,'0'-26'15,"26"26"17,-26 26-32,27-26 15,-27 26-15,-27 1 31,1-27-15,-1 0 0,27-27 15,-26 27-31,26-26 16,26 0-1,1 26 16,-1 0-15,-26 26 31</inkml:trace>
+  <inkml:trace contextRef="#ctx0" brushRef="#br1" timeOffset="65380">29 1113 0,'0'53'0,"27"0"0,-27 0 16,26 26-16,-26-26 16,27 26-16,-27-26 0,0 0 15,0 0-15,0 0 16,0-27-16,26 1 0,-26-1 16</inkml:trace>
+  <inkml:trace contextRef="#ctx0" brushRef="#br1" timeOffset="65781">135 160 0,'0'27'31,"0"-1"-15,0 1-16,0 26 0,0 0 15,27 26-15,-27 0 16,26 27-16,1-26 0,-1 25 16,1 1-16,-1 0 15,0 0-15,1-27 0,-1 1 16,-26-1-16,27-26 16,-27 0-16,0-27 0,0 27 15,0-26-15</inkml:trace>
+</inkml:ink>
+</file>
+
+<file path=ppt/ink/ink38.xml><?xml version="1.0" encoding="utf-8"?>
+<inkml:ink xmlns:inkml="http://www.w3.org/2003/InkML">
+  <inkml:definitions>
+    <inkml:context xml:id="ctx0">
+      <inkml:inkSource xml:id="inkSrc0">
+        <inkml:traceFormat>
+          <inkml:channel name="X" type="integer" max="1920" units="cm"/>
+          <inkml:channel name="Y" type="integer" max="1080" units="cm"/>
+          <inkml:channel name="T" type="integer" max="2.14748E9" units="dev"/>
+        </inkml:traceFormat>
+        <inkml:channelProperties>
+          <inkml:channelProperty channel="X" name="resolution" value="55.81395" units="1/cm"/>
+          <inkml:channelProperty channel="Y" name="resolution" value="55.6701" units="1/cm"/>
+          <inkml:channelProperty channel="T" name="resolution" value="1" units="1/dev"/>
+        </inkml:channelProperties>
+      </inkml:inkSource>
+      <inkml:timestamp xml:id="ts0" timeString="2022-03-22T04:39:43.434"/>
+    </inkml:context>
+    <inkml:brush xml:id="br0">
+      <inkml:brushProperty name="width" value="0.21167" units="cm"/>
+      <inkml:brushProperty name="height" value="0.21167" units="cm"/>
+      <inkml:brushProperty name="color" value="#ED1C24"/>
+      <inkml:brushProperty name="fitToCurve" value="1"/>
+    </inkml:brush>
+    <inkml:brush xml:id="br1">
+      <inkml:brushProperty name="width" value="0.05" units="cm"/>
+      <inkml:brushProperty name="height" value="0.05" units="cm"/>
+      <inkml:brushProperty name="color" value="#ED1C24"/>
+      <inkml:brushProperty name="fitToCurve" value="1"/>
+    </inkml:brush>
+  </inkml:definitions>
+  <inkml:trace contextRef="#ctx0" brushRef="#br0">53 80 0,'26'-26'15,"-26"52"1,27-26-16,-27 27 16,-27-1-1,1-26 1,-1 27 0,1-27-1,26-27 1,0 1-1,0-1 1,26 27-16,-26-26 16,27 26-16,-27-27 15,26 27-15,-26-26 16,27 26-16,-1 0 31,-26 26-31,0 1 31,-26-27-15,-1 0 0</inkml:trace>
+  <inkml:trace contextRef="#ctx0" brushRef="#br1" timeOffset="66196">79 186 0,'0'26'0,"27"1"15,-27 26-15,26-27 16,1 107 0,-27-80-16,26 52 0,-26-25 15,26 26-15,-26-27 0,0 27 16,27 52-1,-27-78-15,-27-1 0,27-26 16</inkml:trace>
+</inkml:ink>
+</file>
+
+<file path=ppt/ink/ink39.xml><?xml version="1.0" encoding="utf-8"?>
+<inkml:ink xmlns:inkml="http://www.w3.org/2003/InkML">
+  <inkml:definitions>
+    <inkml:context xml:id="ctx0">
+      <inkml:inkSource xml:id="inkSrc0">
+        <inkml:traceFormat>
+          <inkml:channel name="X" type="integer" max="1920" units="cm"/>
+          <inkml:channel name="Y" type="integer" max="1080" units="cm"/>
+          <inkml:channel name="T" type="integer" max="2.14748E9" units="dev"/>
+        </inkml:traceFormat>
+        <inkml:channelProperties>
+          <inkml:channelProperty channel="X" name="resolution" value="55.81395" units="1/cm"/>
+          <inkml:channelProperty channel="Y" name="resolution" value="55.6701" units="1/cm"/>
+          <inkml:channelProperty channel="T" name="resolution" value="1" units="1/dev"/>
+        </inkml:channelProperties>
+      </inkml:inkSource>
+      <inkml:timestamp xml:id="ts0" timeString="2022-03-22T04:40:53.748"/>
+    </inkml:context>
+    <inkml:brush xml:id="br0">
+      <inkml:brushProperty name="width" value="0.05" units="cm"/>
+      <inkml:brushProperty name="height" value="0.05" units="cm"/>
+      <inkml:brushProperty name="color" value="#ED1C24"/>
+      <inkml:brushProperty name="fitToCurve" value="1"/>
+    </inkml:brush>
+  </inkml:definitions>
+  <inkml:trace contextRef="#ctx0" brushRef="#br0">10 0 0,'-26'0'31,"26"26"-15,26 1 0,-26-1-16,0 27 0,27 0 15,-27 26-15,0 1 0,26 25 16,0 1-16,1 27 16,-1-28-16,1 54 0,-1-53 15,1 26-15,-27-26 0,26 0 16,-26 0-16,0-27 15,-26-26-15</inkml:trace>
+</inkml:ink>
+</file>
+
+<file path=ppt/ink/ink4.xml><?xml version="1.0" encoding="utf-8"?>
+<inkml:ink xmlns:inkml="http://www.w3.org/2003/InkML">
+  <inkml:definitions>
+    <inkml:context xml:id="ctx0">
+      <inkml:inkSource xml:id="inkSrc0">
+        <inkml:traceFormat>
+          <inkml:channel name="X" type="integer" max="1920" units="cm"/>
+          <inkml:channel name="Y" type="integer" max="1080" units="cm"/>
+          <inkml:channel name="T" type="integer" max="2.14748E9" units="dev"/>
+        </inkml:traceFormat>
+        <inkml:channelProperties>
+          <inkml:channelProperty channel="X" name="resolution" value="55.81395" units="1/cm"/>
+          <inkml:channelProperty channel="Y" name="resolution" value="55.6701" units="1/cm"/>
+          <inkml:channelProperty channel="T" name="resolution" value="1" units="1/dev"/>
+        </inkml:channelProperties>
+      </inkml:inkSource>
+      <inkml:timestamp xml:id="ts0" timeString="2022-03-22T04:39:49.044"/>
+    </inkml:context>
+    <inkml:brush xml:id="br0">
+      <inkml:brushProperty name="width" value="0.21167" units="cm"/>
+      <inkml:brushProperty name="height" value="0.21167" units="cm"/>
+      <inkml:brushProperty name="color" value="#ED1C24"/>
+      <inkml:brushProperty name="fitToCurve" value="1"/>
+    </inkml:brush>
+  </inkml:definitions>
+  <inkml:trace contextRef="#ctx0" brushRef="#br0">0 0 0,'27'0'16,"-1"0"15,-26 26 63,-26-26-79,52 0 48,1-26-48,-1 26 1,0 0 0,1 0-1</inkml:trace>
+</inkml:ink>
+</file>
+
+<file path=ppt/ink/ink5.xml><?xml version="1.0" encoding="utf-8"?>
+<inkml:ink xmlns:inkml="http://www.w3.org/2003/InkML">
+  <inkml:definitions>
+    <inkml:context xml:id="ctx0">
+      <inkml:inkSource xml:id="inkSrc0">
+        <inkml:traceFormat>
+          <inkml:channel name="X" type="integer" max="1920" units="cm"/>
+          <inkml:channel name="Y" type="integer" max="1080" units="cm"/>
+          <inkml:channel name="T" type="integer" max="2.14748E9" units="dev"/>
+        </inkml:traceFormat>
+        <inkml:channelProperties>
+          <inkml:channelProperty channel="X" name="resolution" value="55.81395" units="1/cm"/>
+          <inkml:channelProperty channel="Y" name="resolution" value="55.6701" units="1/cm"/>
+          <inkml:channelProperty channel="T" name="resolution" value="1" units="1/dev"/>
+        </inkml:channelProperties>
+      </inkml:inkSource>
+      <inkml:timestamp xml:id="ts0" timeString="2022-03-22T04:39:49.879"/>
+    </inkml:context>
+    <inkml:brush xml:id="br0">
+      <inkml:brushProperty name="width" value="0.21167" units="cm"/>
+      <inkml:brushProperty name="height" value="0.21167" units="cm"/>
+      <inkml:brushProperty name="color" value="#ED1C24"/>
+      <inkml:brushProperty name="fitToCurve" value="1"/>
+    </inkml:brush>
+  </inkml:definitions>
+  <inkml:trace contextRef="#ctx0" brushRef="#br0">53 1 0,'0'26'15,"-26"-26"1,-1 0 15,27-26 16,27 26-16,-1 0-15</inkml:trace>
+</inkml:ink>
+</file>
+
+<file path=ppt/ink/ink6.xml><?xml version="1.0" encoding="utf-8"?>
+<inkml:ink xmlns:inkml="http://www.w3.org/2003/InkML">
+  <inkml:definitions>
+    <inkml:context xml:id="ctx0">
+      <inkml:inkSource xml:id="inkSrc0">
+        <inkml:traceFormat>
+          <inkml:channel name="X" type="integer" max="1920" units="cm"/>
+          <inkml:channel name="Y" type="integer" max="1080" units="cm"/>
+          <inkml:channel name="T" type="integer" max="2.14748E9" units="dev"/>
+        </inkml:traceFormat>
+        <inkml:channelProperties>
+          <inkml:channelProperty channel="X" name="resolution" value="55.81395" units="1/cm"/>
+          <inkml:channelProperty channel="Y" name="resolution" value="55.6701" units="1/cm"/>
+          <inkml:channelProperty channel="T" name="resolution" value="1" units="1/dev"/>
+        </inkml:channelProperties>
+      </inkml:inkSource>
+      <inkml:timestamp xml:id="ts0" timeString="2022-03-22T04:39:50.408"/>
+    </inkml:context>
+    <inkml:brush xml:id="br0">
+      <inkml:brushProperty name="width" value="0.21167" units="cm"/>
+      <inkml:brushProperty name="height" value="0.21167" units="cm"/>
+      <inkml:brushProperty name="color" value="#ED1C24"/>
+      <inkml:brushProperty name="fitToCurve" value="1"/>
+    </inkml:brush>
+  </inkml:definitions>
+  <inkml:trace contextRef="#ctx0" brushRef="#br0">0 0 0,'26'0'31,"1"0"16,-54 0 16,54 0 62</inkml:trace>
+</inkml:ink>
+</file>
+
+<file path=ppt/ink/ink7.xml><?xml version="1.0" encoding="utf-8"?>
+<inkml:ink xmlns:inkml="http://www.w3.org/2003/InkML">
+  <inkml:definitions>
+    <inkml:context xml:id="ctx0">
+      <inkml:inkSource xml:id="inkSrc0">
+        <inkml:traceFormat>
+          <inkml:channel name="X" type="integer" max="1920" units="cm"/>
+          <inkml:channel name="Y" type="integer" max="1080" units="cm"/>
+          <inkml:channel name="T" type="integer" max="2.14748E9" units="dev"/>
+        </inkml:traceFormat>
+        <inkml:channelProperties>
+          <inkml:channelProperty channel="X" name="resolution" value="55.81395" units="1/cm"/>
+          <inkml:channelProperty channel="Y" name="resolution" value="55.6701" units="1/cm"/>
+          <inkml:channelProperty channel="T" name="resolution" value="1" units="1/dev"/>
+        </inkml:channelProperties>
+      </inkml:inkSource>
+      <inkml:timestamp xml:id="ts0" timeString="2022-03-22T04:39:51.055"/>
+    </inkml:context>
+    <inkml:brush xml:id="br0">
+      <inkml:brushProperty name="width" value="0.21167" units="cm"/>
+      <inkml:brushProperty name="height" value="0.21167" units="cm"/>
+      <inkml:brushProperty name="color" value="#ED1C24"/>
+      <inkml:brushProperty name="fitToCurve" value="1"/>
+    </inkml:brush>
+  </inkml:definitions>
+  <inkml:trace contextRef="#ctx0" brushRef="#br0">18 31 0,'0'-26'47,"-26"26"31,52 26 47</inkml:trace>
+</inkml:ink>
+</file>
+
+<file path=ppt/ink/ink8.xml><?xml version="1.0" encoding="utf-8"?>
+<inkml:ink xmlns:inkml="http://www.w3.org/2003/InkML">
+  <inkml:definitions>
+    <inkml:context xml:id="ctx0">
+      <inkml:inkSource xml:id="inkSrc0">
+        <inkml:traceFormat>
+          <inkml:channel name="X" type="integer" max="1920" units="cm"/>
+          <inkml:channel name="Y" type="integer" max="1080" units="cm"/>
+          <inkml:channel name="T" type="integer" max="2.14748E9" units="dev"/>
+        </inkml:traceFormat>
+        <inkml:channelProperties>
+          <inkml:channelProperty channel="X" name="resolution" value="55.81395" units="1/cm"/>
+          <inkml:channelProperty channel="Y" name="resolution" value="55.6701" units="1/cm"/>
+          <inkml:channelProperty channel="T" name="resolution" value="1" units="1/dev"/>
+        </inkml:channelProperties>
+      </inkml:inkSource>
+      <inkml:timestamp xml:id="ts0" timeString="2022-03-22T04:39:51.601"/>
+    </inkml:context>
+    <inkml:brush xml:id="br0">
+      <inkml:brushProperty name="width" value="0.21167" units="cm"/>
+      <inkml:brushProperty name="height" value="0.21167" units="cm"/>
+      <inkml:brushProperty name="color" value="#ED1C24"/>
+      <inkml:brushProperty name="fitToCurve" value="1"/>
+    </inkml:brush>
+  </inkml:definitions>
+  <inkml:trace contextRef="#ctx0" brushRef="#br0">0 0 0,'0'27'109,"0"-1"-93</inkml:trace>
+</inkml:ink>
+</file>
+
+<file path=ppt/ink/ink9.xml><?xml version="1.0" encoding="utf-8"?>
+<inkml:ink xmlns:inkml="http://www.w3.org/2003/InkML">
+  <inkml:definitions>
+    <inkml:context xml:id="ctx0">
+      <inkml:inkSource xml:id="inkSrc0">
+        <inkml:traceFormat>
+          <inkml:channel name="X" type="integer" max="1920" units="cm"/>
+          <inkml:channel name="Y" type="integer" max="1080" units="cm"/>
+          <inkml:channel name="T" type="integer" max="2.14748E9" units="dev"/>
+        </inkml:traceFormat>
+        <inkml:channelProperties>
+          <inkml:channelProperty channel="X" name="resolution" value="55.81395" units="1/cm"/>
+          <inkml:channelProperty channel="Y" name="resolution" value="55.6701" units="1/cm"/>
+          <inkml:channelProperty channel="T" name="resolution" value="1" units="1/dev"/>
+        </inkml:channelProperties>
+      </inkml:inkSource>
+      <inkml:timestamp xml:id="ts0" timeString="2022-03-22T04:39:52.309"/>
+    </inkml:context>
+    <inkml:brush xml:id="br0">
+      <inkml:brushProperty name="width" value="0.21167" units="cm"/>
+      <inkml:brushProperty name="height" value="0.21167" units="cm"/>
+      <inkml:brushProperty name="color" value="#ED1C24"/>
+      <inkml:brushProperty name="fitToCurve" value="1"/>
+    </inkml:brush>
+  </inkml:definitions>
+  <inkml:trace contextRef="#ctx0" brushRef="#br0">0 0 0,'26'0'93</inkml:trace>
+</inkml:ink>
+</file>
+
 <file path=ppt/notesMasters/notesMaster1.xml><?xml version="1.0" encoding="utf-8"?>
 <p:notesMaster xmlns:a="http://schemas.openxmlformats.org/drawingml/2006/main" xmlns:r="http://schemas.openxmlformats.org/officeDocument/2006/relationships" xmlns:p="http://schemas.openxmlformats.org/presentationml/2006/main">
   <p:cSld>
@@ -207,7 +1447,7 @@
           <a:p>
             <a:fld id="{4AF2A06D-4991-4208-8C88-4E8BAD69A8B8}" type="datetimeFigureOut">
               <a:rPr lang="en-US" smtClean="0"/>
-              <a:t>3/16/2022</a:t>
+              <a:t>3/22/2022</a:t>
             </a:fld>
             <a:endParaRPr lang="en-US"/>
           </a:p>
@@ -670,7 +1910,7 @@
                 <a:tabLst/>
                 <a:defRPr/>
               </a:pPr>
-              <a:t>10</a:t>
+              <a:t>16</a:t>
             </a:fld>
             <a:endParaRPr kumimoji="0" lang="en-US" sz="1200" b="0" i="0" u="none" strike="noStrike" kern="1200" cap="none" spc="0" normalizeH="0" baseline="0" noProof="0">
               <a:ln>
@@ -831,7 +2071,7 @@
           <a:p>
             <a:fld id="{E26E0DA5-0C76-4851-AA82-0B75261F9EB4}" type="datetimeFigureOut">
               <a:rPr lang="en-US" smtClean="0"/>
-              <a:t>3/16/2022</a:t>
+              <a:t>3/22/2022</a:t>
             </a:fld>
             <a:endParaRPr lang="en-US"/>
           </a:p>
@@ -999,7 +2239,7 @@
           <a:p>
             <a:fld id="{E26E0DA5-0C76-4851-AA82-0B75261F9EB4}" type="datetimeFigureOut">
               <a:rPr lang="en-US" smtClean="0"/>
-              <a:t>3/16/2022</a:t>
+              <a:t>3/22/2022</a:t>
             </a:fld>
             <a:endParaRPr lang="en-US"/>
           </a:p>
@@ -1177,7 +2417,7 @@
           <a:p>
             <a:fld id="{E26E0DA5-0C76-4851-AA82-0B75261F9EB4}" type="datetimeFigureOut">
               <a:rPr lang="en-US" smtClean="0"/>
-              <a:t>3/16/2022</a:t>
+              <a:t>3/22/2022</a:t>
             </a:fld>
             <a:endParaRPr lang="en-US"/>
           </a:p>
@@ -1504,7 +2744,7 @@
             <a:fld id="{9578D6DB-6798-42D2-B9AD-FC6F1C72FC30}" type="datetimeFigureOut">
               <a:rPr lang="en-US" smtClean="0"/>
               <a:pPr/>
-              <a:t>3/16/2022</a:t>
+              <a:t>3/22/2022</a:t>
             </a:fld>
             <a:endParaRPr lang="en-US"/>
           </a:p>
@@ -1746,7 +2986,7 @@
             <a:fld id="{425404F2-BE9A-4460-8815-8F645183555F}" type="datetimeFigureOut">
               <a:rPr lang="en-US" smtClean="0"/>
               <a:pPr/>
-              <a:t>3/16/2022</a:t>
+              <a:t>3/22/2022</a:t>
             </a:fld>
             <a:endParaRPr lang="en-US"/>
           </a:p>
@@ -1874,7 +3114,7 @@
             <a:fld id="{425404F2-BE9A-4460-8815-8F645183555F}" type="datetimeFigureOut">
               <a:rPr lang="en-US" smtClean="0"/>
               <a:pPr/>
-              <a:t>3/16/2022</a:t>
+              <a:t>3/22/2022</a:t>
             </a:fld>
             <a:endParaRPr lang="en-US"/>
           </a:p>
@@ -2124,7 +3364,7 @@
             <a:fld id="{425404F2-BE9A-4460-8815-8F645183555F}" type="datetimeFigureOut">
               <a:rPr lang="en-US" smtClean="0"/>
               <a:pPr/>
-              <a:t>3/16/2022</a:t>
+              <a:t>3/22/2022</a:t>
             </a:fld>
             <a:endParaRPr lang="en-US"/>
           </a:p>
@@ -2294,7 +3534,7 @@
             <a:fld id="{425404F2-BE9A-4460-8815-8F645183555F}" type="datetimeFigureOut">
               <a:rPr lang="en-US" smtClean="0"/>
               <a:pPr/>
-              <a:t>3/16/2022</a:t>
+              <a:t>3/22/2022</a:t>
             </a:fld>
             <a:endParaRPr lang="en-US"/>
           </a:p>
@@ -2581,7 +3821,7 @@
             <a:fld id="{425404F2-BE9A-4460-8815-8F645183555F}" type="datetimeFigureOut">
               <a:rPr lang="en-US" smtClean="0"/>
               <a:pPr/>
-              <a:t>3/16/2022</a:t>
+              <a:t>3/22/2022</a:t>
             </a:fld>
             <a:endParaRPr lang="en-US"/>
           </a:p>
@@ -3002,7 +4242,7 @@
             <a:fld id="{425404F2-BE9A-4460-8815-8F645183555F}" type="datetimeFigureOut">
               <a:rPr lang="en-US" smtClean="0"/>
               <a:pPr/>
-              <a:t>3/16/2022</a:t>
+              <a:t>3/22/2022</a:t>
             </a:fld>
             <a:endParaRPr lang="en-US"/>
           </a:p>
@@ -3127,7 +4367,7 @@
             <a:fld id="{425404F2-BE9A-4460-8815-8F645183555F}" type="datetimeFigureOut">
               <a:rPr lang="en-US" smtClean="0"/>
               <a:pPr/>
-              <a:t>3/16/2022</a:t>
+              <a:t>3/22/2022</a:t>
             </a:fld>
             <a:endParaRPr lang="en-US"/>
           </a:p>
@@ -3353,7 +4593,7 @@
           <a:p>
             <a:fld id="{E26E0DA5-0C76-4851-AA82-0B75261F9EB4}" type="datetimeFigureOut">
               <a:rPr lang="en-US" smtClean="0"/>
-              <a:t>3/16/2022</a:t>
+              <a:t>3/22/2022</a:t>
             </a:fld>
             <a:endParaRPr lang="en-US"/>
           </a:p>
@@ -3477,7 +4717,7 @@
             <a:fld id="{425404F2-BE9A-4460-8815-8F645183555F}" type="datetimeFigureOut">
               <a:rPr lang="en-US" smtClean="0"/>
               <a:pPr/>
-              <a:t>3/16/2022</a:t>
+              <a:t>3/22/2022</a:t>
             </a:fld>
             <a:endParaRPr lang="en-US"/>
           </a:p>
@@ -4024,7 +5264,7 @@
             <a:fld id="{425404F2-BE9A-4460-8815-8F645183555F}" type="datetimeFigureOut">
               <a:rPr lang="en-US" smtClean="0"/>
               <a:pPr/>
-              <a:t>3/16/2022</a:t>
+              <a:t>3/22/2022</a:t>
             </a:fld>
             <a:endParaRPr lang="en-US"/>
           </a:p>
@@ -4172,7 +5412,7 @@
             <a:fld id="{425404F2-BE9A-4460-8815-8F645183555F}" type="datetimeFigureOut">
               <a:rPr lang="en-US" smtClean="0"/>
               <a:pPr/>
-              <a:t>3/16/2022</a:t>
+              <a:t>3/22/2022</a:t>
             </a:fld>
             <a:endParaRPr lang="en-US"/>
           </a:p>
@@ -4405,7 +5645,7 @@
             <a:fld id="{425404F2-BE9A-4460-8815-8F645183555F}" type="datetimeFigureOut">
               <a:rPr lang="en-US" smtClean="0"/>
               <a:pPr/>
-              <a:t>3/16/2022</a:t>
+              <a:t>3/22/2022</a:t>
             </a:fld>
             <a:endParaRPr lang="en-US"/>
           </a:p>
@@ -4643,7 +5883,7 @@
             <a:fld id="{425404F2-BE9A-4460-8815-8F645183555F}" type="datetimeFigureOut">
               <a:rPr lang="en-US" smtClean="0"/>
               <a:pPr/>
-              <a:t>3/16/2022</a:t>
+              <a:t>3/22/2022</a:t>
             </a:fld>
             <a:endParaRPr lang="en-US"/>
           </a:p>
@@ -4825,7 +6065,7 @@
             <a:fld id="{425404F2-BE9A-4460-8815-8F645183555F}" type="datetimeFigureOut">
               <a:rPr lang="en-US" smtClean="0"/>
               <a:pPr/>
-              <a:t>3/16/2022</a:t>
+              <a:t>3/22/2022</a:t>
             </a:fld>
             <a:endParaRPr lang="en-US"/>
           </a:p>
@@ -5102,7 +6342,7 @@
             <a:fld id="{425404F2-BE9A-4460-8815-8F645183555F}" type="datetimeFigureOut">
               <a:rPr lang="en-US" smtClean="0"/>
               <a:pPr/>
-              <a:t>3/16/2022</a:t>
+              <a:t>3/22/2022</a:t>
             </a:fld>
             <a:endParaRPr lang="en-US"/>
           </a:p>
@@ -5356,7 +6596,7 @@
             <a:fld id="{425404F2-BE9A-4460-8815-8F645183555F}" type="datetimeFigureOut">
               <a:rPr lang="en-US" smtClean="0"/>
               <a:pPr/>
-              <a:t>3/16/2022</a:t>
+              <a:t>3/22/2022</a:t>
             </a:fld>
             <a:endParaRPr lang="en-US"/>
           </a:p>
@@ -5526,7 +6766,7 @@
             <a:fld id="{425404F2-BE9A-4460-8815-8F645183555F}" type="datetimeFigureOut">
               <a:rPr lang="en-US" smtClean="0"/>
               <a:pPr/>
-              <a:t>3/16/2022</a:t>
+              <a:t>3/22/2022</a:t>
             </a:fld>
             <a:endParaRPr lang="en-US"/>
           </a:p>
@@ -5706,7 +6946,7 @@
             <a:fld id="{425404F2-BE9A-4460-8815-8F645183555F}" type="datetimeFigureOut">
               <a:rPr lang="en-US" smtClean="0"/>
               <a:pPr/>
-              <a:t>3/16/2022</a:t>
+              <a:t>3/22/2022</a:t>
             </a:fld>
             <a:endParaRPr lang="en-US"/>
           </a:p>
@@ -5952,7 +7192,7 @@
           <a:p>
             <a:fld id="{E26E0DA5-0C76-4851-AA82-0B75261F9EB4}" type="datetimeFigureOut">
               <a:rPr lang="en-US" smtClean="0"/>
-              <a:t>3/16/2022</a:t>
+              <a:t>3/22/2022</a:t>
             </a:fld>
             <a:endParaRPr lang="en-US"/>
           </a:p>
@@ -6181,7 +7421,7 @@
           <a:p>
             <a:fld id="{E26E0DA5-0C76-4851-AA82-0B75261F9EB4}" type="datetimeFigureOut">
               <a:rPr lang="en-US" smtClean="0"/>
-              <a:t>3/16/2022</a:t>
+              <a:t>3/22/2022</a:t>
             </a:fld>
             <a:endParaRPr lang="en-US"/>
           </a:p>
@@ -6545,7 +7785,7 @@
           <a:p>
             <a:fld id="{E26E0DA5-0C76-4851-AA82-0B75261F9EB4}" type="datetimeFigureOut">
               <a:rPr lang="en-US" smtClean="0"/>
-              <a:t>3/16/2022</a:t>
+              <a:t>3/22/2022</a:t>
             </a:fld>
             <a:endParaRPr lang="en-US"/>
           </a:p>
@@ -6662,7 +7902,7 @@
           <a:p>
             <a:fld id="{E26E0DA5-0C76-4851-AA82-0B75261F9EB4}" type="datetimeFigureOut">
               <a:rPr lang="en-US" smtClean="0"/>
-              <a:t>3/16/2022</a:t>
+              <a:t>3/22/2022</a:t>
             </a:fld>
             <a:endParaRPr lang="en-US"/>
           </a:p>
@@ -6757,7 +7997,7 @@
           <a:p>
             <a:fld id="{E26E0DA5-0C76-4851-AA82-0B75261F9EB4}" type="datetimeFigureOut">
               <a:rPr lang="en-US" smtClean="0"/>
-              <a:t>3/16/2022</a:t>
+              <a:t>3/22/2022</a:t>
             </a:fld>
             <a:endParaRPr lang="en-US"/>
           </a:p>
@@ -7032,7 +8272,7 @@
           <a:p>
             <a:fld id="{E26E0DA5-0C76-4851-AA82-0B75261F9EB4}" type="datetimeFigureOut">
               <a:rPr lang="en-US" smtClean="0"/>
-              <a:t>3/16/2022</a:t>
+              <a:t>3/22/2022</a:t>
             </a:fld>
             <a:endParaRPr lang="en-US"/>
           </a:p>
@@ -7284,7 +8524,7 @@
           <a:p>
             <a:fld id="{E26E0DA5-0C76-4851-AA82-0B75261F9EB4}" type="datetimeFigureOut">
               <a:rPr lang="en-US" smtClean="0"/>
-              <a:t>3/16/2022</a:t>
+              <a:t>3/22/2022</a:t>
             </a:fld>
             <a:endParaRPr lang="en-US"/>
           </a:p>
@@ -7495,7 +8735,7 @@
           <a:p>
             <a:fld id="{E26E0DA5-0C76-4851-AA82-0B75261F9EB4}" type="datetimeFigureOut">
               <a:rPr lang="en-US" smtClean="0"/>
-              <a:t>3/16/2022</a:t>
+              <a:t>3/22/2022</a:t>
             </a:fld>
             <a:endParaRPr lang="en-US"/>
           </a:p>
@@ -8052,7 +9292,7 @@
             <a:fld id="{425404F2-BE9A-4460-8815-8F645183555F}" type="datetimeFigureOut">
               <a:rPr lang="en-US" smtClean="0"/>
               <a:pPr/>
-              <a:t>3/16/2022</a:t>
+              <a:t>3/22/2022</a:t>
             </a:fld>
             <a:endParaRPr lang="en-US"/>
           </a:p>
@@ -8688,6 +9928,656 @@
 <file path=ppt/slides/slide10.xml><?xml version="1.0" encoding="utf-8"?>
 <p:sld xmlns:a="http://schemas.openxmlformats.org/drawingml/2006/main" xmlns:r="http://schemas.openxmlformats.org/officeDocument/2006/relationships" xmlns:p="http://schemas.openxmlformats.org/presentationml/2006/main">
   <p:cSld>
+    <p:spTree>
+      <p:nvGrpSpPr>
+        <p:cNvPr id="1" name=""/>
+        <p:cNvGrpSpPr/>
+        <p:nvPr/>
+      </p:nvGrpSpPr>
+      <p:grpSpPr>
+        <a:xfrm>
+          <a:off x="0" y="0"/>
+          <a:ext cx="0" cy="0"/>
+          <a:chOff x="0" y="0"/>
+          <a:chExt cx="0" cy="0"/>
+        </a:xfrm>
+      </p:grpSpPr>
+      <p:sp>
+        <p:nvSpPr>
+          <p:cNvPr id="2" name="Title 1">
+            <a:extLst>
+              <a:ext uri="{FF2B5EF4-FFF2-40B4-BE49-F238E27FC236}">
+                <a16:creationId xmlns:a16="http://schemas.microsoft.com/office/drawing/2014/main" id="{1646A3BB-C48B-43EF-A1F5-36743FB6BA55}"/>
+              </a:ext>
+            </a:extLst>
+          </p:cNvPr>
+          <p:cNvSpPr>
+            <a:spLocks noGrp="1"/>
+          </p:cNvSpPr>
+          <p:nvPr>
+            <p:ph type="title"/>
+          </p:nvPr>
+        </p:nvSpPr>
+        <p:spPr/>
+        <p:txBody>
+          <a:bodyPr/>
+          <a:lstStyle/>
+          <a:p>
+            <a:endParaRPr lang="en-US"/>
+          </a:p>
+        </p:txBody>
+      </p:sp>
+      <p:sp>
+        <p:nvSpPr>
+          <p:cNvPr id="3" name="Content Placeholder 2">
+            <a:extLst>
+              <a:ext uri="{FF2B5EF4-FFF2-40B4-BE49-F238E27FC236}">
+                <a16:creationId xmlns:a16="http://schemas.microsoft.com/office/drawing/2014/main" id="{89C64704-1CA3-4261-A9B1-355B150B8FB2}"/>
+              </a:ext>
+            </a:extLst>
+          </p:cNvPr>
+          <p:cNvSpPr>
+            <a:spLocks noGrp="1"/>
+          </p:cNvSpPr>
+          <p:nvPr>
+            <p:ph sz="quarter" idx="13"/>
+          </p:nvPr>
+        </p:nvSpPr>
+        <p:spPr/>
+        <p:txBody>
+          <a:bodyPr/>
+          <a:lstStyle/>
+          <a:p>
+            <a:endParaRPr lang="en-US"/>
+          </a:p>
+        </p:txBody>
+      </p:sp>
+    </p:spTree>
+    <p:extLst>
+      <p:ext uri="{BB962C8B-B14F-4D97-AF65-F5344CB8AC3E}">
+        <p14:creationId xmlns:p14="http://schemas.microsoft.com/office/powerpoint/2010/main" val="3183914559"/>
+      </p:ext>
+    </p:extLst>
+  </p:cSld>
+  <p:clrMapOvr>
+    <a:masterClrMapping/>
+  </p:clrMapOvr>
+</p:sld>
+</file>
+
+<file path=ppt/slides/slide11.xml><?xml version="1.0" encoding="utf-8"?>
+<p:sld xmlns:a="http://schemas.openxmlformats.org/drawingml/2006/main" xmlns:r="http://schemas.openxmlformats.org/officeDocument/2006/relationships" xmlns:p="http://schemas.openxmlformats.org/presentationml/2006/main">
+  <p:cSld>
+    <p:spTree>
+      <p:nvGrpSpPr>
+        <p:cNvPr id="1" name=""/>
+        <p:cNvGrpSpPr/>
+        <p:nvPr/>
+      </p:nvGrpSpPr>
+      <p:grpSpPr>
+        <a:xfrm>
+          <a:off x="0" y="0"/>
+          <a:ext cx="0" cy="0"/>
+          <a:chOff x="0" y="0"/>
+          <a:chExt cx="0" cy="0"/>
+        </a:xfrm>
+      </p:grpSpPr>
+      <p:sp>
+        <p:nvSpPr>
+          <p:cNvPr id="2" name="Title 1">
+            <a:extLst>
+              <a:ext uri="{FF2B5EF4-FFF2-40B4-BE49-F238E27FC236}">
+                <a16:creationId xmlns:a16="http://schemas.microsoft.com/office/drawing/2014/main" id="{1646A3BB-C48B-43EF-A1F5-36743FB6BA55}"/>
+              </a:ext>
+            </a:extLst>
+          </p:cNvPr>
+          <p:cNvSpPr>
+            <a:spLocks noGrp="1"/>
+          </p:cNvSpPr>
+          <p:nvPr>
+            <p:ph type="title"/>
+          </p:nvPr>
+        </p:nvSpPr>
+        <p:spPr/>
+        <p:txBody>
+          <a:bodyPr/>
+          <a:lstStyle/>
+          <a:p>
+            <a:endParaRPr lang="en-US"/>
+          </a:p>
+        </p:txBody>
+      </p:sp>
+      <p:sp>
+        <p:nvSpPr>
+          <p:cNvPr id="3" name="Content Placeholder 2">
+            <a:extLst>
+              <a:ext uri="{FF2B5EF4-FFF2-40B4-BE49-F238E27FC236}">
+                <a16:creationId xmlns:a16="http://schemas.microsoft.com/office/drawing/2014/main" id="{89C64704-1CA3-4261-A9B1-355B150B8FB2}"/>
+              </a:ext>
+            </a:extLst>
+          </p:cNvPr>
+          <p:cNvSpPr>
+            <a:spLocks noGrp="1"/>
+          </p:cNvSpPr>
+          <p:nvPr>
+            <p:ph sz="quarter" idx="13"/>
+          </p:nvPr>
+        </p:nvSpPr>
+        <p:spPr/>
+        <p:txBody>
+          <a:bodyPr/>
+          <a:lstStyle/>
+          <a:p>
+            <a:endParaRPr lang="en-US"/>
+          </a:p>
+        </p:txBody>
+      </p:sp>
+    </p:spTree>
+    <p:extLst>
+      <p:ext uri="{BB962C8B-B14F-4D97-AF65-F5344CB8AC3E}">
+        <p14:creationId xmlns:p14="http://schemas.microsoft.com/office/powerpoint/2010/main" val="786231484"/>
+      </p:ext>
+    </p:extLst>
+  </p:cSld>
+  <p:clrMapOvr>
+    <a:masterClrMapping/>
+  </p:clrMapOvr>
+</p:sld>
+</file>
+
+<file path=ppt/slides/slide12.xml><?xml version="1.0" encoding="utf-8"?>
+<p:sld xmlns:a="http://schemas.openxmlformats.org/drawingml/2006/main" xmlns:r="http://schemas.openxmlformats.org/officeDocument/2006/relationships" xmlns:p="http://schemas.openxmlformats.org/presentationml/2006/main">
+  <p:cSld>
+    <p:spTree>
+      <p:nvGrpSpPr>
+        <p:cNvPr id="1" name=""/>
+        <p:cNvGrpSpPr/>
+        <p:nvPr/>
+      </p:nvGrpSpPr>
+      <p:grpSpPr>
+        <a:xfrm>
+          <a:off x="0" y="0"/>
+          <a:ext cx="0" cy="0"/>
+          <a:chOff x="0" y="0"/>
+          <a:chExt cx="0" cy="0"/>
+        </a:xfrm>
+      </p:grpSpPr>
+      <p:sp>
+        <p:nvSpPr>
+          <p:cNvPr id="2" name="Title 1">
+            <a:extLst>
+              <a:ext uri="{FF2B5EF4-FFF2-40B4-BE49-F238E27FC236}">
+                <a16:creationId xmlns:a16="http://schemas.microsoft.com/office/drawing/2014/main" id="{1646A3BB-C48B-43EF-A1F5-36743FB6BA55}"/>
+              </a:ext>
+            </a:extLst>
+          </p:cNvPr>
+          <p:cNvSpPr>
+            <a:spLocks noGrp="1"/>
+          </p:cNvSpPr>
+          <p:nvPr>
+            <p:ph type="title"/>
+          </p:nvPr>
+        </p:nvSpPr>
+        <p:spPr/>
+        <p:txBody>
+          <a:bodyPr/>
+          <a:lstStyle/>
+          <a:p>
+            <a:endParaRPr lang="en-US"/>
+          </a:p>
+        </p:txBody>
+      </p:sp>
+      <p:sp>
+        <p:nvSpPr>
+          <p:cNvPr id="3" name="Content Placeholder 2">
+            <a:extLst>
+              <a:ext uri="{FF2B5EF4-FFF2-40B4-BE49-F238E27FC236}">
+                <a16:creationId xmlns:a16="http://schemas.microsoft.com/office/drawing/2014/main" id="{89C64704-1CA3-4261-A9B1-355B150B8FB2}"/>
+              </a:ext>
+            </a:extLst>
+          </p:cNvPr>
+          <p:cNvSpPr>
+            <a:spLocks noGrp="1"/>
+          </p:cNvSpPr>
+          <p:nvPr>
+            <p:ph sz="quarter" idx="13"/>
+          </p:nvPr>
+        </p:nvSpPr>
+        <p:spPr/>
+        <p:txBody>
+          <a:bodyPr/>
+          <a:lstStyle/>
+          <a:p>
+            <a:endParaRPr lang="en-US"/>
+          </a:p>
+        </p:txBody>
+      </p:sp>
+    </p:spTree>
+    <p:extLst>
+      <p:ext uri="{BB962C8B-B14F-4D97-AF65-F5344CB8AC3E}">
+        <p14:creationId xmlns:p14="http://schemas.microsoft.com/office/powerpoint/2010/main" val="4238494546"/>
+      </p:ext>
+    </p:extLst>
+  </p:cSld>
+  <p:clrMapOvr>
+    <a:masterClrMapping/>
+  </p:clrMapOvr>
+</p:sld>
+</file>
+
+<file path=ppt/slides/slide13.xml><?xml version="1.0" encoding="utf-8"?>
+<p:sld xmlns:a="http://schemas.openxmlformats.org/drawingml/2006/main" xmlns:r="http://schemas.openxmlformats.org/officeDocument/2006/relationships" xmlns:p="http://schemas.openxmlformats.org/presentationml/2006/main">
+  <p:cSld>
+    <p:spTree>
+      <p:nvGrpSpPr>
+        <p:cNvPr id="1" name=""/>
+        <p:cNvGrpSpPr/>
+        <p:nvPr/>
+      </p:nvGrpSpPr>
+      <p:grpSpPr>
+        <a:xfrm>
+          <a:off x="0" y="0"/>
+          <a:ext cx="0" cy="0"/>
+          <a:chOff x="0" y="0"/>
+          <a:chExt cx="0" cy="0"/>
+        </a:xfrm>
+      </p:grpSpPr>
+      <p:sp>
+        <p:nvSpPr>
+          <p:cNvPr id="2" name="Title 3">
+            <a:extLst>
+              <a:ext uri="{FF2B5EF4-FFF2-40B4-BE49-F238E27FC236}">
+                <a16:creationId xmlns:a16="http://schemas.microsoft.com/office/drawing/2014/main" id="{F07FC580-E2AB-4C55-8C95-D5E077A1D127}"/>
+              </a:ext>
+            </a:extLst>
+          </p:cNvPr>
+          <p:cNvSpPr txBox="1">
+            <a:spLocks/>
+          </p:cNvSpPr>
+          <p:nvPr/>
+        </p:nvSpPr>
+        <p:spPr>
+          <a:xfrm>
+            <a:off x="261764" y="188640"/>
+            <a:ext cx="11292008" cy="711081"/>
+          </a:xfrm>
+          <a:prstGeom prst="rect">
+            <a:avLst/>
+          </a:prstGeom>
+        </p:spPr>
+        <p:txBody>
+          <a:bodyPr/>
+          <a:lstStyle>
+            <a:lvl1pPr algn="l" defTabSz="914400" rtl="0" eaLnBrk="1" latinLnBrk="0" hangingPunct="1">
+              <a:lnSpc>
+                <a:spcPct val="90000"/>
+              </a:lnSpc>
+              <a:spcBef>
+                <a:spcPct val="0"/>
+              </a:spcBef>
+              <a:buNone/>
+              <a:defRPr sz="4400" kern="1200">
+                <a:solidFill>
+                  <a:schemeClr val="tx1"/>
+                </a:solidFill>
+                <a:latin typeface="+mj-lt"/>
+                <a:ea typeface="+mj-ea"/>
+                <a:cs typeface="+mj-cs"/>
+              </a:defRPr>
+            </a:lvl1pPr>
+          </a:lstStyle>
+          <a:p>
+            <a:endParaRPr lang="en-US" b="1" dirty="0"/>
+          </a:p>
+        </p:txBody>
+      </p:sp>
+      <p:sp>
+        <p:nvSpPr>
+          <p:cNvPr id="7" name="TextBox 6">
+            <a:extLst>
+              <a:ext uri="{FF2B5EF4-FFF2-40B4-BE49-F238E27FC236}">
+                <a16:creationId xmlns:a16="http://schemas.microsoft.com/office/drawing/2014/main" id="{17EB74BE-8011-4153-8F37-3BEF9C1F4CC0}"/>
+              </a:ext>
+            </a:extLst>
+          </p:cNvPr>
+          <p:cNvSpPr txBox="1"/>
+          <p:nvPr/>
+        </p:nvSpPr>
+        <p:spPr>
+          <a:xfrm>
+            <a:off x="3512128" y="2507734"/>
+            <a:ext cx="6174508" cy="1323439"/>
+          </a:xfrm>
+          <a:prstGeom prst="rect">
+            <a:avLst/>
+          </a:prstGeom>
+          <a:noFill/>
+        </p:spPr>
+        <p:txBody>
+          <a:bodyPr wrap="square">
+            <a:spAutoFit/>
+          </a:bodyPr>
+          <a:lstStyle/>
+          <a:p>
+            <a:r>
+              <a:rPr lang="en-US" sz="8000" b="1" dirty="0"/>
+              <a:t>End of Day 7</a:t>
+            </a:r>
+          </a:p>
+        </p:txBody>
+      </p:sp>
+      <p:sp>
+        <p:nvSpPr>
+          <p:cNvPr id="4" name="TextBox 3">
+            <a:extLst>
+              <a:ext uri="{FF2B5EF4-FFF2-40B4-BE49-F238E27FC236}">
+                <a16:creationId xmlns:a16="http://schemas.microsoft.com/office/drawing/2014/main" id="{E8CAC22F-1542-4031-BC6C-A16989886504}"/>
+              </a:ext>
+            </a:extLst>
+          </p:cNvPr>
+          <p:cNvSpPr txBox="1"/>
+          <p:nvPr/>
+        </p:nvSpPr>
+        <p:spPr>
+          <a:xfrm>
+            <a:off x="4943872" y="6536777"/>
+            <a:ext cx="3456384" cy="307777"/>
+          </a:xfrm>
+          <a:prstGeom prst="rect">
+            <a:avLst/>
+          </a:prstGeom>
+          <a:noFill/>
+        </p:spPr>
+        <p:txBody>
+          <a:bodyPr wrap="square" rtlCol="0">
+            <a:spAutoFit/>
+          </a:bodyPr>
+          <a:lstStyle/>
+          <a:p>
+            <a:pPr defTabSz="1218987">
+              <a:defRPr/>
+            </a:pPr>
+            <a:r>
+              <a:rPr lang="en-US" sz="1400" b="1" dirty="0">
+                <a:solidFill>
+                  <a:prstClr val="black"/>
+                </a:solidFill>
+                <a:latin typeface="Arial Rounded MT Bold" panose="020F0704030504030204" pitchFamily="34" charset="0"/>
+                <a:ea typeface="Arial Unicode MS" panose="020B0604020202020204" pitchFamily="34" charset="-128"/>
+                <a:cs typeface="Arial Unicode MS" panose="020B0604020202020204" pitchFamily="34" charset="-128"/>
+              </a:rPr>
+              <a:t>www.anubhavtrainings.com</a:t>
+            </a:r>
+            <a:endParaRPr lang="en-IN" sz="1400" b="1" dirty="0">
+              <a:solidFill>
+                <a:prstClr val="black"/>
+              </a:solidFill>
+              <a:latin typeface="Arial Rounded MT Bold" panose="020F0704030504030204" pitchFamily="34" charset="0"/>
+              <a:ea typeface="Arial Unicode MS" panose="020B0604020202020204" pitchFamily="34" charset="-128"/>
+              <a:cs typeface="Arial Unicode MS" panose="020B0604020202020204" pitchFamily="34" charset="-128"/>
+            </a:endParaRPr>
+          </a:p>
+        </p:txBody>
+      </p:sp>
+    </p:spTree>
+    <p:extLst>
+      <p:ext uri="{BB962C8B-B14F-4D97-AF65-F5344CB8AC3E}">
+        <p14:creationId xmlns:p14="http://schemas.microsoft.com/office/powerpoint/2010/main" val="3867772902"/>
+      </p:ext>
+    </p:extLst>
+  </p:cSld>
+  <p:clrMapOvr>
+    <a:masterClrMapping/>
+  </p:clrMapOvr>
+</p:sld>
+</file>
+
+<file path=ppt/slides/slide14.xml><?xml version="1.0" encoding="utf-8"?>
+<p:sld xmlns:a="http://schemas.openxmlformats.org/drawingml/2006/main" xmlns:r="http://schemas.openxmlformats.org/officeDocument/2006/relationships" xmlns:p="http://schemas.openxmlformats.org/presentationml/2006/main">
+  <p:cSld>
+    <p:spTree>
+      <p:nvGrpSpPr>
+        <p:cNvPr id="1" name=""/>
+        <p:cNvGrpSpPr/>
+        <p:nvPr/>
+      </p:nvGrpSpPr>
+      <p:grpSpPr>
+        <a:xfrm>
+          <a:off x="0" y="0"/>
+          <a:ext cx="0" cy="0"/>
+          <a:chOff x="0" y="0"/>
+          <a:chExt cx="0" cy="0"/>
+        </a:xfrm>
+      </p:grpSpPr>
+      <p:sp>
+        <p:nvSpPr>
+          <p:cNvPr id="2" name="Title 1">
+            <a:extLst>
+              <a:ext uri="{FF2B5EF4-FFF2-40B4-BE49-F238E27FC236}">
+                <a16:creationId xmlns:a16="http://schemas.microsoft.com/office/drawing/2014/main" id="{29CB9E00-0397-4178-9E57-32DC82D3A8F7}"/>
+              </a:ext>
+            </a:extLst>
+          </p:cNvPr>
+          <p:cNvSpPr>
+            <a:spLocks noGrp="1"/>
+          </p:cNvSpPr>
+          <p:nvPr>
+            <p:ph type="title"/>
+          </p:nvPr>
+        </p:nvSpPr>
+        <p:spPr/>
+        <p:txBody>
+          <a:bodyPr/>
+          <a:lstStyle/>
+          <a:p>
+            <a:endParaRPr lang="en-US"/>
+          </a:p>
+        </p:txBody>
+      </p:sp>
+      <p:sp>
+        <p:nvSpPr>
+          <p:cNvPr id="3" name="Content Placeholder 2">
+            <a:extLst>
+              <a:ext uri="{FF2B5EF4-FFF2-40B4-BE49-F238E27FC236}">
+                <a16:creationId xmlns:a16="http://schemas.microsoft.com/office/drawing/2014/main" id="{73A078A5-4F35-4958-8384-CBBBD3DED2C3}"/>
+              </a:ext>
+            </a:extLst>
+          </p:cNvPr>
+          <p:cNvSpPr>
+            <a:spLocks noGrp="1"/>
+          </p:cNvSpPr>
+          <p:nvPr>
+            <p:ph sz="quarter" idx="13"/>
+          </p:nvPr>
+        </p:nvSpPr>
+        <p:spPr/>
+        <p:txBody>
+          <a:bodyPr/>
+          <a:lstStyle/>
+          <a:p>
+            <a:endParaRPr lang="en-US"/>
+          </a:p>
+        </p:txBody>
+      </p:sp>
+    </p:spTree>
+    <p:extLst>
+      <p:ext uri="{BB962C8B-B14F-4D97-AF65-F5344CB8AC3E}">
+        <p14:creationId xmlns:p14="http://schemas.microsoft.com/office/powerpoint/2010/main" val="3265325021"/>
+      </p:ext>
+    </p:extLst>
+  </p:cSld>
+  <p:clrMapOvr>
+    <a:masterClrMapping/>
+  </p:clrMapOvr>
+</p:sld>
+</file>
+
+<file path=ppt/slides/slide15.xml><?xml version="1.0" encoding="utf-8"?>
+<p:sld xmlns:a="http://schemas.openxmlformats.org/drawingml/2006/main" xmlns:r="http://schemas.openxmlformats.org/officeDocument/2006/relationships" xmlns:p="http://schemas.openxmlformats.org/presentationml/2006/main">
+  <p:cSld>
+    <p:spTree>
+      <p:nvGrpSpPr>
+        <p:cNvPr id="1" name=""/>
+        <p:cNvGrpSpPr/>
+        <p:nvPr/>
+      </p:nvGrpSpPr>
+      <p:grpSpPr>
+        <a:xfrm>
+          <a:off x="0" y="0"/>
+          <a:ext cx="0" cy="0"/>
+          <a:chOff x="0" y="0"/>
+          <a:chExt cx="0" cy="0"/>
+        </a:xfrm>
+      </p:grpSpPr>
+      <p:pic>
+        <p:nvPicPr>
+          <p:cNvPr id="1028" name="Picture 4" descr="Free Vector | Flat people with question marks background">
+            <a:extLst>
+              <a:ext uri="{FF2B5EF4-FFF2-40B4-BE49-F238E27FC236}">
+                <a16:creationId xmlns:a16="http://schemas.microsoft.com/office/drawing/2014/main" id="{E158EC70-4769-4E41-A278-C90EC4E480C7}"/>
+              </a:ext>
+            </a:extLst>
+          </p:cNvPr>
+          <p:cNvPicPr>
+            <a:picLocks noChangeAspect="1" noChangeArrowheads="1"/>
+          </p:cNvPicPr>
+          <p:nvPr/>
+        </p:nvPicPr>
+        <p:blipFill rotWithShape="1">
+          <a:blip r:embed="rId2">
+            <a:extLst>
+              <a:ext uri="{28A0092B-C50C-407E-A947-70E740481C1C}">
+                <a14:useLocalDpi xmlns:a14="http://schemas.microsoft.com/office/drawing/2010/main" val="0"/>
+              </a:ext>
+            </a:extLst>
+          </a:blip>
+          <a:srcRect t="1" b="22246"/>
+          <a:stretch/>
+        </p:blipFill>
+        <p:spPr bwMode="auto">
+          <a:xfrm>
+            <a:off x="1848418" y="639706"/>
+            <a:ext cx="7599507" cy="5908876"/>
+          </a:xfrm>
+          <a:prstGeom prst="rect">
+            <a:avLst/>
+          </a:prstGeom>
+          <a:noFill/>
+          <a:extLst>
+            <a:ext uri="{909E8E84-426E-40DD-AFC4-6F175D3DCCD1}">
+              <a14:hiddenFill xmlns:a14="http://schemas.microsoft.com/office/drawing/2010/main">
+                <a:solidFill>
+                  <a:srgbClr val="FFFFFF"/>
+                </a:solidFill>
+              </a14:hiddenFill>
+            </a:ext>
+          </a:extLst>
+        </p:spPr>
+      </p:pic>
+      <p:sp>
+        <p:nvSpPr>
+          <p:cNvPr id="2" name="TextBox 1">
+            <a:extLst>
+              <a:ext uri="{FF2B5EF4-FFF2-40B4-BE49-F238E27FC236}">
+                <a16:creationId xmlns:a16="http://schemas.microsoft.com/office/drawing/2014/main" id="{994C3DB2-D47E-4B94-804B-87AF1FDEF86E}"/>
+              </a:ext>
+            </a:extLst>
+          </p:cNvPr>
+          <p:cNvSpPr txBox="1"/>
+          <p:nvPr/>
+        </p:nvSpPr>
+        <p:spPr>
+          <a:xfrm>
+            <a:off x="4535055" y="1052946"/>
+            <a:ext cx="5588000" cy="769441"/>
+          </a:xfrm>
+          <a:prstGeom prst="rect">
+            <a:avLst/>
+          </a:prstGeom>
+          <a:noFill/>
+        </p:spPr>
+        <p:txBody>
+          <a:bodyPr wrap="square" rtlCol="0">
+            <a:spAutoFit/>
+          </a:bodyPr>
+          <a:lstStyle/>
+          <a:p>
+            <a:r>
+              <a:rPr lang="en-US" sz="4400" b="1" dirty="0"/>
+              <a:t>Questions</a:t>
+            </a:r>
+          </a:p>
+        </p:txBody>
+      </p:sp>
+      <p:sp>
+        <p:nvSpPr>
+          <p:cNvPr id="4" name="TextBox 3">
+            <a:extLst>
+              <a:ext uri="{FF2B5EF4-FFF2-40B4-BE49-F238E27FC236}">
+                <a16:creationId xmlns:a16="http://schemas.microsoft.com/office/drawing/2014/main" id="{E8CAC22F-1542-4031-BC6C-A16989886504}"/>
+              </a:ext>
+            </a:extLst>
+          </p:cNvPr>
+          <p:cNvSpPr txBox="1"/>
+          <p:nvPr/>
+        </p:nvSpPr>
+        <p:spPr>
+          <a:xfrm>
+            <a:off x="4943872" y="6523330"/>
+            <a:ext cx="3456384" cy="307777"/>
+          </a:xfrm>
+          <a:prstGeom prst="rect">
+            <a:avLst/>
+          </a:prstGeom>
+          <a:noFill/>
+        </p:spPr>
+        <p:txBody>
+          <a:bodyPr wrap="square" rtlCol="0">
+            <a:spAutoFit/>
+          </a:bodyPr>
+          <a:lstStyle/>
+          <a:p>
+            <a:pPr defTabSz="1218987">
+              <a:defRPr/>
+            </a:pPr>
+            <a:r>
+              <a:rPr lang="en-US" sz="1400" b="1" dirty="0">
+                <a:solidFill>
+                  <a:prstClr val="black"/>
+                </a:solidFill>
+                <a:latin typeface="Arial Rounded MT Bold" panose="020F0704030504030204" pitchFamily="34" charset="0"/>
+                <a:ea typeface="Arial Unicode MS" panose="020B0604020202020204" pitchFamily="34" charset="-128"/>
+                <a:cs typeface="Arial Unicode MS" panose="020B0604020202020204" pitchFamily="34" charset="-128"/>
+              </a:rPr>
+              <a:t>www.anubhavtrainings.com</a:t>
+            </a:r>
+            <a:endParaRPr lang="en-IN" sz="1400" b="1" dirty="0">
+              <a:solidFill>
+                <a:prstClr val="black"/>
+              </a:solidFill>
+              <a:latin typeface="Arial Rounded MT Bold" panose="020F0704030504030204" pitchFamily="34" charset="0"/>
+              <a:ea typeface="Arial Unicode MS" panose="020B0604020202020204" pitchFamily="34" charset="-128"/>
+              <a:cs typeface="Arial Unicode MS" panose="020B0604020202020204" pitchFamily="34" charset="-128"/>
+            </a:endParaRPr>
+          </a:p>
+        </p:txBody>
+      </p:sp>
+    </p:spTree>
+    <p:extLst>
+      <p:ext uri="{BB962C8B-B14F-4D97-AF65-F5344CB8AC3E}">
+        <p14:creationId xmlns:p14="http://schemas.microsoft.com/office/powerpoint/2010/main" val="1308118299"/>
+      </p:ext>
+    </p:extLst>
+  </p:cSld>
+  <p:clrMapOvr>
+    <a:masterClrMapping/>
+  </p:clrMapOvr>
+</p:sld>
+</file>
+
+<file path=ppt/slides/slide16.xml><?xml version="1.0" encoding="utf-8"?>
+<p:sld xmlns:a="http://schemas.openxmlformats.org/drawingml/2006/main" xmlns:r="http://schemas.openxmlformats.org/officeDocument/2006/relationships" xmlns:p="http://schemas.openxmlformats.org/presentationml/2006/main">
+  <p:cSld>
     <p:bg>
       <p:bgPr>
         <a:solidFill>
@@ -9445,6 +11335,2214 @@
 </file>
 
 <file path=ppt/slides/slide3.xml><?xml version="1.0" encoding="utf-8"?>
+<p:sld xmlns:a="http://schemas.openxmlformats.org/drawingml/2006/main" xmlns:r="http://schemas.openxmlformats.org/officeDocument/2006/relationships" xmlns:p="http://schemas.openxmlformats.org/presentationml/2006/main">
+  <p:cSld>
+    <p:spTree>
+      <p:nvGrpSpPr>
+        <p:cNvPr id="1" name=""/>
+        <p:cNvGrpSpPr/>
+        <p:nvPr/>
+      </p:nvGrpSpPr>
+      <p:grpSpPr>
+        <a:xfrm>
+          <a:off x="0" y="0"/>
+          <a:ext cx="0" cy="0"/>
+          <a:chOff x="0" y="0"/>
+          <a:chExt cx="0" cy="0"/>
+        </a:xfrm>
+      </p:grpSpPr>
+      <p:cxnSp>
+        <p:nvCxnSpPr>
+          <p:cNvPr id="3" name="Straight Arrow Connector 2">
+            <a:extLst>
+              <a:ext uri="{FF2B5EF4-FFF2-40B4-BE49-F238E27FC236}">
+                <a16:creationId xmlns:a16="http://schemas.microsoft.com/office/drawing/2014/main" id="{D9394458-0DAC-46BE-AB50-4F1284C7777C}"/>
+              </a:ext>
+            </a:extLst>
+          </p:cNvPr>
+          <p:cNvCxnSpPr/>
+          <p:nvPr/>
+        </p:nvCxnSpPr>
+        <p:spPr>
+          <a:xfrm>
+            <a:off x="2257425" y="5095875"/>
+            <a:ext cx="6858000" cy="0"/>
+          </a:xfrm>
+          <a:prstGeom prst="straightConnector1">
+            <a:avLst/>
+          </a:prstGeom>
+          <a:ln>
+            <a:tailEnd type="triangle"/>
+          </a:ln>
+        </p:spPr>
+        <p:style>
+          <a:lnRef idx="1">
+            <a:schemeClr val="accent1"/>
+          </a:lnRef>
+          <a:fillRef idx="0">
+            <a:schemeClr val="accent1"/>
+          </a:fillRef>
+          <a:effectRef idx="0">
+            <a:schemeClr val="accent1"/>
+          </a:effectRef>
+          <a:fontRef idx="minor">
+            <a:schemeClr val="tx1"/>
+          </a:fontRef>
+        </p:style>
+      </p:cxnSp>
+      <p:cxnSp>
+        <p:nvCxnSpPr>
+          <p:cNvPr id="5" name="Straight Arrow Connector 4">
+            <a:extLst>
+              <a:ext uri="{FF2B5EF4-FFF2-40B4-BE49-F238E27FC236}">
+                <a16:creationId xmlns:a16="http://schemas.microsoft.com/office/drawing/2014/main" id="{36BF4ED8-ED17-4ECE-AEB1-30C5D91E1C10}"/>
+              </a:ext>
+            </a:extLst>
+          </p:cNvPr>
+          <p:cNvCxnSpPr/>
+          <p:nvPr/>
+        </p:nvCxnSpPr>
+        <p:spPr>
+          <a:xfrm flipV="1">
+            <a:off x="2257425" y="666750"/>
+            <a:ext cx="0" cy="4448175"/>
+          </a:xfrm>
+          <a:prstGeom prst="straightConnector1">
+            <a:avLst/>
+          </a:prstGeom>
+          <a:ln>
+            <a:tailEnd type="triangle"/>
+          </a:ln>
+        </p:spPr>
+        <p:style>
+          <a:lnRef idx="1">
+            <a:schemeClr val="accent1"/>
+          </a:lnRef>
+          <a:fillRef idx="0">
+            <a:schemeClr val="accent1"/>
+          </a:fillRef>
+          <a:effectRef idx="0">
+            <a:schemeClr val="accent1"/>
+          </a:effectRef>
+          <a:fontRef idx="minor">
+            <a:schemeClr val="tx1"/>
+          </a:fontRef>
+        </p:style>
+      </p:cxnSp>
+      <p:cxnSp>
+        <p:nvCxnSpPr>
+          <p:cNvPr id="7" name="Straight Connector 6">
+            <a:extLst>
+              <a:ext uri="{FF2B5EF4-FFF2-40B4-BE49-F238E27FC236}">
+                <a16:creationId xmlns:a16="http://schemas.microsoft.com/office/drawing/2014/main" id="{30C446ED-AD06-4D32-AB3E-752250E2CFF1}"/>
+              </a:ext>
+            </a:extLst>
+          </p:cNvPr>
+          <p:cNvCxnSpPr/>
+          <p:nvPr/>
+        </p:nvCxnSpPr>
+        <p:spPr>
+          <a:xfrm flipV="1">
+            <a:off x="1762125" y="1790700"/>
+            <a:ext cx="6762750" cy="3209925"/>
+          </a:xfrm>
+          <a:prstGeom prst="line">
+            <a:avLst/>
+          </a:prstGeom>
+          <a:ln w="57150"/>
+        </p:spPr>
+        <p:style>
+          <a:lnRef idx="1">
+            <a:schemeClr val="accent1"/>
+          </a:lnRef>
+          <a:fillRef idx="0">
+            <a:schemeClr val="accent1"/>
+          </a:fillRef>
+          <a:effectRef idx="0">
+            <a:schemeClr val="accent1"/>
+          </a:effectRef>
+          <a:fontRef idx="minor">
+            <a:schemeClr val="tx1"/>
+          </a:fontRef>
+        </p:style>
+      </p:cxnSp>
+      <mc:AlternateContent xmlns:mc="http://schemas.openxmlformats.org/markup-compatibility/2006" xmlns:p14="http://schemas.microsoft.com/office/powerpoint/2010/main">
+        <mc:Choice Requires="p14">
+          <p:contentPart p14:bwMode="auto" r:id="rId2">
+            <p14:nvContentPartPr>
+              <p14:cNvPr id="13" name="Ink 12">
+                <a:extLst>
+                  <a:ext uri="{FF2B5EF4-FFF2-40B4-BE49-F238E27FC236}">
+                    <a16:creationId xmlns:a16="http://schemas.microsoft.com/office/drawing/2014/main" id="{FB0EB094-36FA-4611-AF87-A5D34BDA2332}"/>
+                  </a:ext>
+                </a:extLst>
+              </p14:cNvPr>
+              <p14:cNvContentPartPr/>
+              <p14:nvPr/>
+            </p14:nvContentPartPr>
+            <p14:xfrm>
+              <a:off x="4676670" y="3248130"/>
+              <a:ext cx="20520" cy="28800"/>
+            </p14:xfrm>
+          </p:contentPart>
+        </mc:Choice>
+        <mc:Fallback xmlns="">
+          <p:pic>
+            <p:nvPicPr>
+              <p:cNvPr id="13" name="Ink 12">
+                <a:extLst>
+                  <a:ext uri="{FF2B5EF4-FFF2-40B4-BE49-F238E27FC236}">
+                    <a16:creationId xmlns:a16="http://schemas.microsoft.com/office/drawing/2014/main" id="{FB0EB094-36FA-4611-AF87-A5D34BDA2332}"/>
+                  </a:ext>
+                </a:extLst>
+              </p:cNvPr>
+              <p:cNvPicPr/>
+              <p:nvPr/>
+            </p:nvPicPr>
+            <p:blipFill>
+              <a:blip r:embed="rId3"/>
+              <a:stretch>
+                <a:fillRect/>
+              </a:stretch>
+            </p:blipFill>
+            <p:spPr>
+              <a:xfrm>
+                <a:off x="4638510" y="3209970"/>
+                <a:ext cx="96480" cy="104760"/>
+              </a:xfrm>
+              <a:prstGeom prst="rect">
+                <a:avLst/>
+              </a:prstGeom>
+            </p:spPr>
+          </p:pic>
+        </mc:Fallback>
+      </mc:AlternateContent>
+      <mc:AlternateContent xmlns:mc="http://schemas.openxmlformats.org/markup-compatibility/2006" xmlns:p14="http://schemas.microsoft.com/office/powerpoint/2010/main">
+        <mc:Choice Requires="p14">
+          <p:contentPart p14:bwMode="auto" r:id="rId4">
+            <p14:nvContentPartPr>
+              <p14:cNvPr id="15" name="Ink 14">
+                <a:extLst>
+                  <a:ext uri="{FF2B5EF4-FFF2-40B4-BE49-F238E27FC236}">
+                    <a16:creationId xmlns:a16="http://schemas.microsoft.com/office/drawing/2014/main" id="{ADD7889C-8B75-4822-A2C6-2691BD972469}"/>
+                  </a:ext>
+                </a:extLst>
+              </p14:cNvPr>
+              <p14:cNvContentPartPr/>
+              <p14:nvPr/>
+            </p14:nvContentPartPr>
+            <p14:xfrm>
+              <a:off x="5305590" y="2476290"/>
+              <a:ext cx="38160" cy="19440"/>
+            </p14:xfrm>
+          </p:contentPart>
+        </mc:Choice>
+        <mc:Fallback xmlns="">
+          <p:pic>
+            <p:nvPicPr>
+              <p:cNvPr id="15" name="Ink 14">
+                <a:extLst>
+                  <a:ext uri="{FF2B5EF4-FFF2-40B4-BE49-F238E27FC236}">
+                    <a16:creationId xmlns:a16="http://schemas.microsoft.com/office/drawing/2014/main" id="{ADD7889C-8B75-4822-A2C6-2691BD972469}"/>
+                  </a:ext>
+                </a:extLst>
+              </p:cNvPr>
+              <p:cNvPicPr/>
+              <p:nvPr/>
+            </p:nvPicPr>
+            <p:blipFill>
+              <a:blip r:embed="rId5"/>
+              <a:stretch>
+                <a:fillRect/>
+              </a:stretch>
+            </p:blipFill>
+            <p:spPr>
+              <a:xfrm>
+                <a:off x="5267430" y="2438130"/>
+                <a:ext cx="114120" cy="95400"/>
+              </a:xfrm>
+              <a:prstGeom prst="rect">
+                <a:avLst/>
+              </a:prstGeom>
+            </p:spPr>
+          </p:pic>
+        </mc:Fallback>
+      </mc:AlternateContent>
+      <mc:AlternateContent xmlns:mc="http://schemas.openxmlformats.org/markup-compatibility/2006" xmlns:p14="http://schemas.microsoft.com/office/powerpoint/2010/main">
+        <mc:Choice Requires="p14">
+          <p:contentPart p14:bwMode="auto" r:id="rId6">
+            <p14:nvContentPartPr>
+              <p14:cNvPr id="16" name="Ink 15">
+                <a:extLst>
+                  <a:ext uri="{FF2B5EF4-FFF2-40B4-BE49-F238E27FC236}">
+                    <a16:creationId xmlns:a16="http://schemas.microsoft.com/office/drawing/2014/main" id="{0C4696AB-91AC-4324-B250-E53C8781AC3F}"/>
+                  </a:ext>
+                </a:extLst>
+              </p14:cNvPr>
+              <p14:cNvContentPartPr/>
+              <p14:nvPr/>
+            </p14:nvContentPartPr>
+            <p14:xfrm>
+              <a:off x="6315030" y="2180010"/>
+              <a:ext cx="28800" cy="11160"/>
+            </p14:xfrm>
+          </p:contentPart>
+        </mc:Choice>
+        <mc:Fallback xmlns="">
+          <p:pic>
+            <p:nvPicPr>
+              <p:cNvPr id="16" name="Ink 15">
+                <a:extLst>
+                  <a:ext uri="{FF2B5EF4-FFF2-40B4-BE49-F238E27FC236}">
+                    <a16:creationId xmlns:a16="http://schemas.microsoft.com/office/drawing/2014/main" id="{0C4696AB-91AC-4324-B250-E53C8781AC3F}"/>
+                  </a:ext>
+                </a:extLst>
+              </p:cNvPr>
+              <p:cNvPicPr/>
+              <p:nvPr/>
+            </p:nvPicPr>
+            <p:blipFill>
+              <a:blip r:embed="rId7"/>
+              <a:stretch>
+                <a:fillRect/>
+              </a:stretch>
+            </p:blipFill>
+            <p:spPr>
+              <a:xfrm>
+                <a:off x="6276870" y="2141850"/>
+                <a:ext cx="104760" cy="87120"/>
+              </a:xfrm>
+              <a:prstGeom prst="rect">
+                <a:avLst/>
+              </a:prstGeom>
+            </p:spPr>
+          </p:pic>
+        </mc:Fallback>
+      </mc:AlternateContent>
+      <mc:AlternateContent xmlns:mc="http://schemas.openxmlformats.org/markup-compatibility/2006" xmlns:p14="http://schemas.microsoft.com/office/powerpoint/2010/main">
+        <mc:Choice Requires="p14">
+          <p:contentPart p14:bwMode="auto" r:id="rId8">
+            <p14:nvContentPartPr>
+              <p14:cNvPr id="18" name="Ink 17">
+                <a:extLst>
+                  <a:ext uri="{FF2B5EF4-FFF2-40B4-BE49-F238E27FC236}">
+                    <a16:creationId xmlns:a16="http://schemas.microsoft.com/office/drawing/2014/main" id="{54E9CB03-2078-4DC1-826E-DB92093E16FF}"/>
+                  </a:ext>
+                </a:extLst>
+              </p14:cNvPr>
+              <p14:cNvContentPartPr/>
+              <p14:nvPr/>
+            </p14:nvContentPartPr>
+            <p14:xfrm>
+              <a:off x="5838750" y="2371890"/>
+              <a:ext cx="57600" cy="9720"/>
+            </p14:xfrm>
+          </p:contentPart>
+        </mc:Choice>
+        <mc:Fallback xmlns="">
+          <p:pic>
+            <p:nvPicPr>
+              <p:cNvPr id="18" name="Ink 17">
+                <a:extLst>
+                  <a:ext uri="{FF2B5EF4-FFF2-40B4-BE49-F238E27FC236}">
+                    <a16:creationId xmlns:a16="http://schemas.microsoft.com/office/drawing/2014/main" id="{54E9CB03-2078-4DC1-826E-DB92093E16FF}"/>
+                  </a:ext>
+                </a:extLst>
+              </p:cNvPr>
+              <p:cNvPicPr/>
+              <p:nvPr/>
+            </p:nvPicPr>
+            <p:blipFill>
+              <a:blip r:embed="rId9"/>
+              <a:stretch>
+                <a:fillRect/>
+              </a:stretch>
+            </p:blipFill>
+            <p:spPr>
+              <a:xfrm>
+                <a:off x="5800590" y="2333730"/>
+                <a:ext cx="133560" cy="85680"/>
+              </a:xfrm>
+              <a:prstGeom prst="rect">
+                <a:avLst/>
+              </a:prstGeom>
+            </p:spPr>
+          </p:pic>
+        </mc:Fallback>
+      </mc:AlternateContent>
+      <mc:AlternateContent xmlns:mc="http://schemas.openxmlformats.org/markup-compatibility/2006" xmlns:p14="http://schemas.microsoft.com/office/powerpoint/2010/main">
+        <mc:Choice Requires="p14">
+          <p:contentPart p14:bwMode="auto" r:id="rId10">
+            <p14:nvContentPartPr>
+              <p14:cNvPr id="19" name="Ink 18">
+                <a:extLst>
+                  <a:ext uri="{FF2B5EF4-FFF2-40B4-BE49-F238E27FC236}">
+                    <a16:creationId xmlns:a16="http://schemas.microsoft.com/office/drawing/2014/main" id="{7D6AA5DA-2C74-408E-B6CD-D97E54A25DAB}"/>
+                  </a:ext>
+                </a:extLst>
+              </p14:cNvPr>
+              <p14:cNvContentPartPr/>
+              <p14:nvPr/>
+            </p14:nvContentPartPr>
+            <p14:xfrm>
+              <a:off x="6876990" y="1942770"/>
+              <a:ext cx="19440" cy="10440"/>
+            </p14:xfrm>
+          </p:contentPart>
+        </mc:Choice>
+        <mc:Fallback xmlns="">
+          <p:pic>
+            <p:nvPicPr>
+              <p:cNvPr id="19" name="Ink 18">
+                <a:extLst>
+                  <a:ext uri="{FF2B5EF4-FFF2-40B4-BE49-F238E27FC236}">
+                    <a16:creationId xmlns:a16="http://schemas.microsoft.com/office/drawing/2014/main" id="{7D6AA5DA-2C74-408E-B6CD-D97E54A25DAB}"/>
+                  </a:ext>
+                </a:extLst>
+              </p:cNvPr>
+              <p:cNvPicPr/>
+              <p:nvPr/>
+            </p:nvPicPr>
+            <p:blipFill>
+              <a:blip r:embed="rId11"/>
+              <a:stretch>
+                <a:fillRect/>
+              </a:stretch>
+            </p:blipFill>
+            <p:spPr>
+              <a:xfrm>
+                <a:off x="6838830" y="1904610"/>
+                <a:ext cx="95400" cy="86400"/>
+              </a:xfrm>
+              <a:prstGeom prst="rect">
+                <a:avLst/>
+              </a:prstGeom>
+            </p:spPr>
+          </p:pic>
+        </mc:Fallback>
+      </mc:AlternateContent>
+      <mc:AlternateContent xmlns:mc="http://schemas.openxmlformats.org/markup-compatibility/2006" xmlns:p14="http://schemas.microsoft.com/office/powerpoint/2010/main">
+        <mc:Choice Requires="p14">
+          <p:contentPart p14:bwMode="auto" r:id="rId12">
+            <p14:nvContentPartPr>
+              <p14:cNvPr id="20" name="Ink 19">
+                <a:extLst>
+                  <a:ext uri="{FF2B5EF4-FFF2-40B4-BE49-F238E27FC236}">
+                    <a16:creationId xmlns:a16="http://schemas.microsoft.com/office/drawing/2014/main" id="{FBF80087-B97C-4D60-A683-FBCE009A4CF4}"/>
+                  </a:ext>
+                </a:extLst>
+              </p14:cNvPr>
+              <p14:cNvContentPartPr/>
+              <p14:nvPr/>
+            </p14:nvContentPartPr>
+            <p14:xfrm>
+              <a:off x="6829470" y="2238330"/>
+              <a:ext cx="19440" cy="360"/>
+            </p14:xfrm>
+          </p:contentPart>
+        </mc:Choice>
+        <mc:Fallback xmlns="">
+          <p:pic>
+            <p:nvPicPr>
+              <p:cNvPr id="20" name="Ink 19">
+                <a:extLst>
+                  <a:ext uri="{FF2B5EF4-FFF2-40B4-BE49-F238E27FC236}">
+                    <a16:creationId xmlns:a16="http://schemas.microsoft.com/office/drawing/2014/main" id="{FBF80087-B97C-4D60-A683-FBCE009A4CF4}"/>
+                  </a:ext>
+                </a:extLst>
+              </p:cNvPr>
+              <p:cNvPicPr/>
+              <p:nvPr/>
+            </p:nvPicPr>
+            <p:blipFill>
+              <a:blip r:embed="rId13"/>
+              <a:stretch>
+                <a:fillRect/>
+              </a:stretch>
+            </p:blipFill>
+            <p:spPr>
+              <a:xfrm>
+                <a:off x="6791310" y="2200170"/>
+                <a:ext cx="95400" cy="76320"/>
+              </a:xfrm>
+              <a:prstGeom prst="rect">
+                <a:avLst/>
+              </a:prstGeom>
+            </p:spPr>
+          </p:pic>
+        </mc:Fallback>
+      </mc:AlternateContent>
+      <mc:AlternateContent xmlns:mc="http://schemas.openxmlformats.org/markup-compatibility/2006" xmlns:p14="http://schemas.microsoft.com/office/powerpoint/2010/main">
+        <mc:Choice Requires="p14">
+          <p:contentPart p14:bwMode="auto" r:id="rId14">
+            <p14:nvContentPartPr>
+              <p14:cNvPr id="21" name="Ink 20">
+                <a:extLst>
+                  <a:ext uri="{FF2B5EF4-FFF2-40B4-BE49-F238E27FC236}">
+                    <a16:creationId xmlns:a16="http://schemas.microsoft.com/office/drawing/2014/main" id="{97DDB2AE-5F0F-4FFC-83B3-C1E3F72081FA}"/>
+                  </a:ext>
+                </a:extLst>
+              </p14:cNvPr>
+              <p14:cNvContentPartPr/>
+              <p14:nvPr/>
+            </p14:nvContentPartPr>
+            <p14:xfrm>
+              <a:off x="7451550" y="1769970"/>
+              <a:ext cx="6840" cy="11520"/>
+            </p14:xfrm>
+          </p:contentPart>
+        </mc:Choice>
+        <mc:Fallback xmlns="">
+          <p:pic>
+            <p:nvPicPr>
+              <p:cNvPr id="21" name="Ink 20">
+                <a:extLst>
+                  <a:ext uri="{FF2B5EF4-FFF2-40B4-BE49-F238E27FC236}">
+                    <a16:creationId xmlns:a16="http://schemas.microsoft.com/office/drawing/2014/main" id="{97DDB2AE-5F0F-4FFC-83B3-C1E3F72081FA}"/>
+                  </a:ext>
+                </a:extLst>
+              </p:cNvPr>
+              <p:cNvPicPr/>
+              <p:nvPr/>
+            </p:nvPicPr>
+            <p:blipFill>
+              <a:blip r:embed="rId15"/>
+              <a:stretch>
+                <a:fillRect/>
+              </a:stretch>
+            </p:blipFill>
+            <p:spPr>
+              <a:xfrm>
+                <a:off x="7413390" y="1731810"/>
+                <a:ext cx="82800" cy="87480"/>
+              </a:xfrm>
+              <a:prstGeom prst="rect">
+                <a:avLst/>
+              </a:prstGeom>
+            </p:spPr>
+          </p:pic>
+        </mc:Fallback>
+      </mc:AlternateContent>
+      <mc:AlternateContent xmlns:mc="http://schemas.openxmlformats.org/markup-compatibility/2006" xmlns:p14="http://schemas.microsoft.com/office/powerpoint/2010/main">
+        <mc:Choice Requires="p14">
+          <p:contentPart p14:bwMode="auto" r:id="rId16">
+            <p14:nvContentPartPr>
+              <p14:cNvPr id="22" name="Ink 21">
+                <a:extLst>
+                  <a:ext uri="{FF2B5EF4-FFF2-40B4-BE49-F238E27FC236}">
+                    <a16:creationId xmlns:a16="http://schemas.microsoft.com/office/drawing/2014/main" id="{880D7006-5E9A-4256-B908-4998DC001226}"/>
+                  </a:ext>
+                </a:extLst>
+              </p14:cNvPr>
+              <p14:cNvContentPartPr/>
+              <p14:nvPr/>
+            </p14:nvContentPartPr>
+            <p14:xfrm>
+              <a:off x="7362990" y="2095410"/>
+              <a:ext cx="360" cy="19440"/>
+            </p14:xfrm>
+          </p:contentPart>
+        </mc:Choice>
+        <mc:Fallback xmlns="">
+          <p:pic>
+            <p:nvPicPr>
+              <p:cNvPr id="22" name="Ink 21">
+                <a:extLst>
+                  <a:ext uri="{FF2B5EF4-FFF2-40B4-BE49-F238E27FC236}">
+                    <a16:creationId xmlns:a16="http://schemas.microsoft.com/office/drawing/2014/main" id="{880D7006-5E9A-4256-B908-4998DC001226}"/>
+                  </a:ext>
+                </a:extLst>
+              </p:cNvPr>
+              <p:cNvPicPr/>
+              <p:nvPr/>
+            </p:nvPicPr>
+            <p:blipFill>
+              <a:blip r:embed="rId17"/>
+              <a:stretch>
+                <a:fillRect/>
+              </a:stretch>
+            </p:blipFill>
+            <p:spPr>
+              <a:xfrm>
+                <a:off x="7324830" y="2057250"/>
+                <a:ext cx="76320" cy="95400"/>
+              </a:xfrm>
+              <a:prstGeom prst="rect">
+                <a:avLst/>
+              </a:prstGeom>
+            </p:spPr>
+          </p:pic>
+        </mc:Fallback>
+      </mc:AlternateContent>
+      <mc:AlternateContent xmlns:mc="http://schemas.openxmlformats.org/markup-compatibility/2006" xmlns:p14="http://schemas.microsoft.com/office/powerpoint/2010/main">
+        <mc:Choice Requires="p14">
+          <p:contentPart p14:bwMode="auto" r:id="rId18">
+            <p14:nvContentPartPr>
+              <p14:cNvPr id="23" name="Ink 22">
+                <a:extLst>
+                  <a:ext uri="{FF2B5EF4-FFF2-40B4-BE49-F238E27FC236}">
+                    <a16:creationId xmlns:a16="http://schemas.microsoft.com/office/drawing/2014/main" id="{CC96F7F8-9831-4374-A2D9-0C3E09A51C4C}"/>
+                  </a:ext>
+                </a:extLst>
+              </p14:cNvPr>
+              <p14:cNvContentPartPr/>
+              <p14:nvPr/>
+            </p14:nvContentPartPr>
+            <p14:xfrm>
+              <a:off x="7200990" y="1695450"/>
+              <a:ext cx="9720" cy="360"/>
+            </p14:xfrm>
+          </p:contentPart>
+        </mc:Choice>
+        <mc:Fallback xmlns="">
+          <p:pic>
+            <p:nvPicPr>
+              <p:cNvPr id="23" name="Ink 22">
+                <a:extLst>
+                  <a:ext uri="{FF2B5EF4-FFF2-40B4-BE49-F238E27FC236}">
+                    <a16:creationId xmlns:a16="http://schemas.microsoft.com/office/drawing/2014/main" id="{CC96F7F8-9831-4374-A2D9-0C3E09A51C4C}"/>
+                  </a:ext>
+                </a:extLst>
+              </p:cNvPr>
+              <p:cNvPicPr/>
+              <p:nvPr/>
+            </p:nvPicPr>
+            <p:blipFill>
+              <a:blip r:embed="rId19"/>
+              <a:stretch>
+                <a:fillRect/>
+              </a:stretch>
+            </p:blipFill>
+            <p:spPr>
+              <a:xfrm>
+                <a:off x="7162830" y="1657290"/>
+                <a:ext cx="85680" cy="76320"/>
+              </a:xfrm>
+              <a:prstGeom prst="rect">
+                <a:avLst/>
+              </a:prstGeom>
+            </p:spPr>
+          </p:pic>
+        </mc:Fallback>
+      </mc:AlternateContent>
+      <mc:AlternateContent xmlns:mc="http://schemas.openxmlformats.org/markup-compatibility/2006" xmlns:p14="http://schemas.microsoft.com/office/powerpoint/2010/main">
+        <mc:Choice Requires="p14">
+          <p:contentPart p14:bwMode="auto" r:id="rId20">
+            <p14:nvContentPartPr>
+              <p14:cNvPr id="24" name="Ink 23">
+                <a:extLst>
+                  <a:ext uri="{FF2B5EF4-FFF2-40B4-BE49-F238E27FC236}">
+                    <a16:creationId xmlns:a16="http://schemas.microsoft.com/office/drawing/2014/main" id="{12BBC6BD-CC90-46D5-97E4-AE6B657AECCA}"/>
+                  </a:ext>
+                </a:extLst>
+              </p14:cNvPr>
+              <p14:cNvContentPartPr/>
+              <p14:nvPr/>
+            </p14:nvContentPartPr>
+            <p14:xfrm>
+              <a:off x="7962750" y="1552530"/>
+              <a:ext cx="10080" cy="360"/>
+            </p14:xfrm>
+          </p:contentPart>
+        </mc:Choice>
+        <mc:Fallback xmlns="">
+          <p:pic>
+            <p:nvPicPr>
+              <p:cNvPr id="24" name="Ink 23">
+                <a:extLst>
+                  <a:ext uri="{FF2B5EF4-FFF2-40B4-BE49-F238E27FC236}">
+                    <a16:creationId xmlns:a16="http://schemas.microsoft.com/office/drawing/2014/main" id="{12BBC6BD-CC90-46D5-97E4-AE6B657AECCA}"/>
+                  </a:ext>
+                </a:extLst>
+              </p:cNvPr>
+              <p:cNvPicPr/>
+              <p:nvPr/>
+            </p:nvPicPr>
+            <p:blipFill>
+              <a:blip r:embed="rId21"/>
+              <a:stretch>
+                <a:fillRect/>
+              </a:stretch>
+            </p:blipFill>
+            <p:spPr>
+              <a:xfrm>
+                <a:off x="7924590" y="1514370"/>
+                <a:ext cx="86040" cy="76320"/>
+              </a:xfrm>
+              <a:prstGeom prst="rect">
+                <a:avLst/>
+              </a:prstGeom>
+            </p:spPr>
+          </p:pic>
+        </mc:Fallback>
+      </mc:AlternateContent>
+      <mc:AlternateContent xmlns:mc="http://schemas.openxmlformats.org/markup-compatibility/2006" xmlns:p14="http://schemas.microsoft.com/office/powerpoint/2010/main">
+        <mc:Choice Requires="p14">
+          <p:contentPart p14:bwMode="auto" r:id="rId22">
+            <p14:nvContentPartPr>
+              <p14:cNvPr id="27" name="Ink 26">
+                <a:extLst>
+                  <a:ext uri="{FF2B5EF4-FFF2-40B4-BE49-F238E27FC236}">
+                    <a16:creationId xmlns:a16="http://schemas.microsoft.com/office/drawing/2014/main" id="{14954103-3F32-482B-B074-90670F37E06F}"/>
+                  </a:ext>
+                </a:extLst>
+              </p14:cNvPr>
+              <p14:cNvContentPartPr/>
+              <p14:nvPr/>
+            </p14:nvContentPartPr>
+            <p14:xfrm>
+              <a:off x="3257550" y="4657890"/>
+              <a:ext cx="28800" cy="9720"/>
+            </p14:xfrm>
+          </p:contentPart>
+        </mc:Choice>
+        <mc:Fallback xmlns="">
+          <p:pic>
+            <p:nvPicPr>
+              <p:cNvPr id="27" name="Ink 26">
+                <a:extLst>
+                  <a:ext uri="{FF2B5EF4-FFF2-40B4-BE49-F238E27FC236}">
+                    <a16:creationId xmlns:a16="http://schemas.microsoft.com/office/drawing/2014/main" id="{14954103-3F32-482B-B074-90670F37E06F}"/>
+                  </a:ext>
+                </a:extLst>
+              </p:cNvPr>
+              <p:cNvPicPr/>
+              <p:nvPr/>
+            </p:nvPicPr>
+            <p:blipFill>
+              <a:blip r:embed="rId23"/>
+              <a:stretch>
+                <a:fillRect/>
+              </a:stretch>
+            </p:blipFill>
+            <p:spPr>
+              <a:xfrm>
+                <a:off x="3219390" y="4619730"/>
+                <a:ext cx="104760" cy="85680"/>
+              </a:xfrm>
+              <a:prstGeom prst="rect">
+                <a:avLst/>
+              </a:prstGeom>
+            </p:spPr>
+          </p:pic>
+        </mc:Fallback>
+      </mc:AlternateContent>
+      <mc:AlternateContent xmlns:mc="http://schemas.openxmlformats.org/markup-compatibility/2006" xmlns:p14="http://schemas.microsoft.com/office/powerpoint/2010/main">
+        <mc:Choice Requires="p14">
+          <p:contentPart p14:bwMode="auto" r:id="rId24">
+            <p14:nvContentPartPr>
+              <p14:cNvPr id="29" name="Ink 28">
+                <a:extLst>
+                  <a:ext uri="{FF2B5EF4-FFF2-40B4-BE49-F238E27FC236}">
+                    <a16:creationId xmlns:a16="http://schemas.microsoft.com/office/drawing/2014/main" id="{6CC2CE34-4714-4525-A9CD-1612F0BE440C}"/>
+                  </a:ext>
+                </a:extLst>
+              </p14:cNvPr>
+              <p14:cNvContentPartPr/>
+              <p14:nvPr/>
+            </p14:nvContentPartPr>
+            <p14:xfrm>
+              <a:off x="3762270" y="4848330"/>
+              <a:ext cx="10080" cy="360"/>
+            </p14:xfrm>
+          </p:contentPart>
+        </mc:Choice>
+        <mc:Fallback xmlns="">
+          <p:pic>
+            <p:nvPicPr>
+              <p:cNvPr id="29" name="Ink 28">
+                <a:extLst>
+                  <a:ext uri="{FF2B5EF4-FFF2-40B4-BE49-F238E27FC236}">
+                    <a16:creationId xmlns:a16="http://schemas.microsoft.com/office/drawing/2014/main" id="{6CC2CE34-4714-4525-A9CD-1612F0BE440C}"/>
+                  </a:ext>
+                </a:extLst>
+              </p:cNvPr>
+              <p:cNvPicPr/>
+              <p:nvPr/>
+            </p:nvPicPr>
+            <p:blipFill>
+              <a:blip r:embed="rId25"/>
+              <a:stretch>
+                <a:fillRect/>
+              </a:stretch>
+            </p:blipFill>
+            <p:spPr>
+              <a:xfrm>
+                <a:off x="3724110" y="4810170"/>
+                <a:ext cx="86040" cy="76320"/>
+              </a:xfrm>
+              <a:prstGeom prst="rect">
+                <a:avLst/>
+              </a:prstGeom>
+            </p:spPr>
+          </p:pic>
+        </mc:Fallback>
+      </mc:AlternateContent>
+      <mc:AlternateContent xmlns:mc="http://schemas.openxmlformats.org/markup-compatibility/2006" xmlns:p14="http://schemas.microsoft.com/office/powerpoint/2010/main">
+        <mc:Choice Requires="p14">
+          <p:contentPart p14:bwMode="auto" r:id="rId26">
+            <p14:nvContentPartPr>
+              <p14:cNvPr id="31" name="Ink 30">
+                <a:extLst>
+                  <a:ext uri="{FF2B5EF4-FFF2-40B4-BE49-F238E27FC236}">
+                    <a16:creationId xmlns:a16="http://schemas.microsoft.com/office/drawing/2014/main" id="{88D7D2C3-B96B-4B30-AD19-EBECD4EB84E1}"/>
+                  </a:ext>
+                </a:extLst>
+              </p14:cNvPr>
+              <p14:cNvContentPartPr/>
+              <p14:nvPr/>
+            </p14:nvContentPartPr>
+            <p14:xfrm>
+              <a:off x="4295790" y="4552770"/>
+              <a:ext cx="360" cy="360"/>
+            </p14:xfrm>
+          </p:contentPart>
+        </mc:Choice>
+        <mc:Fallback xmlns="">
+          <p:pic>
+            <p:nvPicPr>
+              <p:cNvPr id="31" name="Ink 30">
+                <a:extLst>
+                  <a:ext uri="{FF2B5EF4-FFF2-40B4-BE49-F238E27FC236}">
+                    <a16:creationId xmlns:a16="http://schemas.microsoft.com/office/drawing/2014/main" id="{88D7D2C3-B96B-4B30-AD19-EBECD4EB84E1}"/>
+                  </a:ext>
+                </a:extLst>
+              </p:cNvPr>
+              <p:cNvPicPr/>
+              <p:nvPr/>
+            </p:nvPicPr>
+            <p:blipFill>
+              <a:blip r:embed="rId27"/>
+              <a:stretch>
+                <a:fillRect/>
+              </a:stretch>
+            </p:blipFill>
+            <p:spPr>
+              <a:xfrm>
+                <a:off x="4257630" y="4514610"/>
+                <a:ext cx="76320" cy="76320"/>
+              </a:xfrm>
+              <a:prstGeom prst="rect">
+                <a:avLst/>
+              </a:prstGeom>
+            </p:spPr>
+          </p:pic>
+        </mc:Fallback>
+      </mc:AlternateContent>
+      <mc:AlternateContent xmlns:mc="http://schemas.openxmlformats.org/markup-compatibility/2006" xmlns:p14="http://schemas.microsoft.com/office/powerpoint/2010/main">
+        <mc:Choice Requires="p14">
+          <p:contentPart p14:bwMode="auto" r:id="rId28">
+            <p14:nvContentPartPr>
+              <p14:cNvPr id="33" name="Ink 32">
+                <a:extLst>
+                  <a:ext uri="{FF2B5EF4-FFF2-40B4-BE49-F238E27FC236}">
+                    <a16:creationId xmlns:a16="http://schemas.microsoft.com/office/drawing/2014/main" id="{73D2F9FF-042B-4265-9A2B-D65C702957A5}"/>
+                  </a:ext>
+                </a:extLst>
+              </p14:cNvPr>
+              <p14:cNvContentPartPr/>
+              <p14:nvPr/>
+            </p14:nvContentPartPr>
+            <p14:xfrm>
+              <a:off x="5257710" y="4190970"/>
+              <a:ext cx="10080" cy="360"/>
+            </p14:xfrm>
+          </p:contentPart>
+        </mc:Choice>
+        <mc:Fallback xmlns="">
+          <p:pic>
+            <p:nvPicPr>
+              <p:cNvPr id="33" name="Ink 32">
+                <a:extLst>
+                  <a:ext uri="{FF2B5EF4-FFF2-40B4-BE49-F238E27FC236}">
+                    <a16:creationId xmlns:a16="http://schemas.microsoft.com/office/drawing/2014/main" id="{73D2F9FF-042B-4265-9A2B-D65C702957A5}"/>
+                  </a:ext>
+                </a:extLst>
+              </p:cNvPr>
+              <p:cNvPicPr/>
+              <p:nvPr/>
+            </p:nvPicPr>
+            <p:blipFill>
+              <a:blip r:embed="rId25"/>
+              <a:stretch>
+                <a:fillRect/>
+              </a:stretch>
+            </p:blipFill>
+            <p:spPr>
+              <a:xfrm>
+                <a:off x="5219550" y="4152810"/>
+                <a:ext cx="86040" cy="76320"/>
+              </a:xfrm>
+              <a:prstGeom prst="rect">
+                <a:avLst/>
+              </a:prstGeom>
+            </p:spPr>
+          </p:pic>
+        </mc:Fallback>
+      </mc:AlternateContent>
+      <mc:AlternateContent xmlns:mc="http://schemas.openxmlformats.org/markup-compatibility/2006" xmlns:p14="http://schemas.microsoft.com/office/powerpoint/2010/main">
+        <mc:Choice Requires="p14">
+          <p:contentPart p14:bwMode="auto" r:id="rId29">
+            <p14:nvContentPartPr>
+              <p14:cNvPr id="35" name="Ink 34">
+                <a:extLst>
+                  <a:ext uri="{FF2B5EF4-FFF2-40B4-BE49-F238E27FC236}">
+                    <a16:creationId xmlns:a16="http://schemas.microsoft.com/office/drawing/2014/main" id="{57587084-4043-44E1-A89D-B3E3A14E758E}"/>
+                  </a:ext>
+                </a:extLst>
+              </p14:cNvPr>
+              <p14:cNvContentPartPr/>
+              <p14:nvPr/>
+            </p14:nvContentPartPr>
+            <p14:xfrm>
+              <a:off x="5426190" y="3694530"/>
+              <a:ext cx="32040" cy="11160"/>
+            </p14:xfrm>
+          </p:contentPart>
+        </mc:Choice>
+        <mc:Fallback xmlns="">
+          <p:pic>
+            <p:nvPicPr>
+              <p:cNvPr id="35" name="Ink 34">
+                <a:extLst>
+                  <a:ext uri="{FF2B5EF4-FFF2-40B4-BE49-F238E27FC236}">
+                    <a16:creationId xmlns:a16="http://schemas.microsoft.com/office/drawing/2014/main" id="{57587084-4043-44E1-A89D-B3E3A14E758E}"/>
+                  </a:ext>
+                </a:extLst>
+              </p:cNvPr>
+              <p:cNvPicPr/>
+              <p:nvPr/>
+            </p:nvPicPr>
+            <p:blipFill>
+              <a:blip r:embed="rId30"/>
+              <a:stretch>
+                <a:fillRect/>
+              </a:stretch>
+            </p:blipFill>
+            <p:spPr>
+              <a:xfrm>
+                <a:off x="5388030" y="3656370"/>
+                <a:ext cx="108000" cy="87120"/>
+              </a:xfrm>
+              <a:prstGeom prst="rect">
+                <a:avLst/>
+              </a:prstGeom>
+            </p:spPr>
+          </p:pic>
+        </mc:Fallback>
+      </mc:AlternateContent>
+      <mc:AlternateContent xmlns:mc="http://schemas.openxmlformats.org/markup-compatibility/2006" xmlns:p14="http://schemas.microsoft.com/office/powerpoint/2010/main">
+        <mc:Choice Requires="p14">
+          <p:contentPart p14:bwMode="auto" r:id="rId31">
+            <p14:nvContentPartPr>
+              <p14:cNvPr id="38" name="Ink 37">
+                <a:extLst>
+                  <a:ext uri="{FF2B5EF4-FFF2-40B4-BE49-F238E27FC236}">
+                    <a16:creationId xmlns:a16="http://schemas.microsoft.com/office/drawing/2014/main" id="{6861F5A3-FBFC-4E49-82B2-FACF703E0CED}"/>
+                  </a:ext>
+                </a:extLst>
+              </p14:cNvPr>
+              <p14:cNvContentPartPr/>
+              <p14:nvPr/>
+            </p14:nvContentPartPr>
+            <p14:xfrm>
+              <a:off x="6391350" y="3733770"/>
+              <a:ext cx="9720" cy="10080"/>
+            </p14:xfrm>
+          </p:contentPart>
+        </mc:Choice>
+        <mc:Fallback xmlns="">
+          <p:pic>
+            <p:nvPicPr>
+              <p:cNvPr id="38" name="Ink 37">
+                <a:extLst>
+                  <a:ext uri="{FF2B5EF4-FFF2-40B4-BE49-F238E27FC236}">
+                    <a16:creationId xmlns:a16="http://schemas.microsoft.com/office/drawing/2014/main" id="{6861F5A3-FBFC-4E49-82B2-FACF703E0CED}"/>
+                  </a:ext>
+                </a:extLst>
+              </p:cNvPr>
+              <p:cNvPicPr/>
+              <p:nvPr/>
+            </p:nvPicPr>
+            <p:blipFill>
+              <a:blip r:embed="rId32"/>
+              <a:stretch>
+                <a:fillRect/>
+              </a:stretch>
+            </p:blipFill>
+            <p:spPr>
+              <a:xfrm>
+                <a:off x="6353190" y="3695610"/>
+                <a:ext cx="85680" cy="86040"/>
+              </a:xfrm>
+              <a:prstGeom prst="rect">
+                <a:avLst/>
+              </a:prstGeom>
+            </p:spPr>
+          </p:pic>
+        </mc:Fallback>
+      </mc:AlternateContent>
+      <mc:AlternateContent xmlns:mc="http://schemas.openxmlformats.org/markup-compatibility/2006" xmlns:p14="http://schemas.microsoft.com/office/powerpoint/2010/main">
+        <mc:Choice Requires="p14">
+          <p:contentPart p14:bwMode="auto" r:id="rId33">
+            <p14:nvContentPartPr>
+              <p14:cNvPr id="39" name="Ink 38">
+                <a:extLst>
+                  <a:ext uri="{FF2B5EF4-FFF2-40B4-BE49-F238E27FC236}">
+                    <a16:creationId xmlns:a16="http://schemas.microsoft.com/office/drawing/2014/main" id="{ABB7673E-36FE-49BC-9147-809948A41571}"/>
+                  </a:ext>
+                </a:extLst>
+              </p14:cNvPr>
+              <p14:cNvContentPartPr/>
+              <p14:nvPr/>
+            </p14:nvContentPartPr>
+            <p14:xfrm>
+              <a:off x="5857830" y="3571770"/>
+              <a:ext cx="10080" cy="360"/>
+            </p14:xfrm>
+          </p:contentPart>
+        </mc:Choice>
+        <mc:Fallback xmlns="">
+          <p:pic>
+            <p:nvPicPr>
+              <p:cNvPr id="39" name="Ink 38">
+                <a:extLst>
+                  <a:ext uri="{FF2B5EF4-FFF2-40B4-BE49-F238E27FC236}">
+                    <a16:creationId xmlns:a16="http://schemas.microsoft.com/office/drawing/2014/main" id="{ABB7673E-36FE-49BC-9147-809948A41571}"/>
+                  </a:ext>
+                </a:extLst>
+              </p:cNvPr>
+              <p:cNvPicPr/>
+              <p:nvPr/>
+            </p:nvPicPr>
+            <p:blipFill>
+              <a:blip r:embed="rId25"/>
+              <a:stretch>
+                <a:fillRect/>
+              </a:stretch>
+            </p:blipFill>
+            <p:spPr>
+              <a:xfrm>
+                <a:off x="5819670" y="3533610"/>
+                <a:ext cx="86040" cy="76320"/>
+              </a:xfrm>
+              <a:prstGeom prst="rect">
+                <a:avLst/>
+              </a:prstGeom>
+            </p:spPr>
+          </p:pic>
+        </mc:Fallback>
+      </mc:AlternateContent>
+      <mc:AlternateContent xmlns:mc="http://schemas.openxmlformats.org/markup-compatibility/2006" xmlns:p14="http://schemas.microsoft.com/office/powerpoint/2010/main">
+        <mc:Choice Requires="p14">
+          <p:contentPart p14:bwMode="auto" r:id="rId34">
+            <p14:nvContentPartPr>
+              <p14:cNvPr id="40" name="Ink 39">
+                <a:extLst>
+                  <a:ext uri="{FF2B5EF4-FFF2-40B4-BE49-F238E27FC236}">
+                    <a16:creationId xmlns:a16="http://schemas.microsoft.com/office/drawing/2014/main" id="{52C0536E-D2D0-492B-B371-1088989585C2}"/>
+                  </a:ext>
+                </a:extLst>
+              </p14:cNvPr>
+              <p14:cNvContentPartPr/>
+              <p14:nvPr/>
+            </p14:nvContentPartPr>
+            <p14:xfrm>
+              <a:off x="6810390" y="3076410"/>
+              <a:ext cx="9720" cy="360"/>
+            </p14:xfrm>
+          </p:contentPart>
+        </mc:Choice>
+        <mc:Fallback xmlns="">
+          <p:pic>
+            <p:nvPicPr>
+              <p:cNvPr id="40" name="Ink 39">
+                <a:extLst>
+                  <a:ext uri="{FF2B5EF4-FFF2-40B4-BE49-F238E27FC236}">
+                    <a16:creationId xmlns:a16="http://schemas.microsoft.com/office/drawing/2014/main" id="{52C0536E-D2D0-492B-B371-1088989585C2}"/>
+                  </a:ext>
+                </a:extLst>
+              </p:cNvPr>
+              <p:cNvPicPr/>
+              <p:nvPr/>
+            </p:nvPicPr>
+            <p:blipFill>
+              <a:blip r:embed="rId35"/>
+              <a:stretch>
+                <a:fillRect/>
+              </a:stretch>
+            </p:blipFill>
+            <p:spPr>
+              <a:xfrm>
+                <a:off x="6772230" y="3038250"/>
+                <a:ext cx="85680" cy="76320"/>
+              </a:xfrm>
+              <a:prstGeom prst="rect">
+                <a:avLst/>
+              </a:prstGeom>
+            </p:spPr>
+          </p:pic>
+        </mc:Fallback>
+      </mc:AlternateContent>
+      <mc:AlternateContent xmlns:mc="http://schemas.openxmlformats.org/markup-compatibility/2006" xmlns:p14="http://schemas.microsoft.com/office/powerpoint/2010/main">
+        <mc:Choice Requires="p14">
+          <p:contentPart p14:bwMode="auto" r:id="rId36">
+            <p14:nvContentPartPr>
+              <p14:cNvPr id="41" name="Ink 40">
+                <a:extLst>
+                  <a:ext uri="{FF2B5EF4-FFF2-40B4-BE49-F238E27FC236}">
+                    <a16:creationId xmlns:a16="http://schemas.microsoft.com/office/drawing/2014/main" id="{1B2CA32D-3262-4EA6-BDA3-7FBF23AE7C23}"/>
+                  </a:ext>
+                </a:extLst>
+              </p14:cNvPr>
+              <p14:cNvContentPartPr/>
+              <p14:nvPr/>
+            </p14:nvContentPartPr>
+            <p14:xfrm>
+              <a:off x="7782030" y="2627850"/>
+              <a:ext cx="9720" cy="10800"/>
+            </p14:xfrm>
+          </p:contentPart>
+        </mc:Choice>
+        <mc:Fallback xmlns="">
+          <p:pic>
+            <p:nvPicPr>
+              <p:cNvPr id="41" name="Ink 40">
+                <a:extLst>
+                  <a:ext uri="{FF2B5EF4-FFF2-40B4-BE49-F238E27FC236}">
+                    <a16:creationId xmlns:a16="http://schemas.microsoft.com/office/drawing/2014/main" id="{1B2CA32D-3262-4EA6-BDA3-7FBF23AE7C23}"/>
+                  </a:ext>
+                </a:extLst>
+              </p:cNvPr>
+              <p:cNvPicPr/>
+              <p:nvPr/>
+            </p:nvPicPr>
+            <p:blipFill>
+              <a:blip r:embed="rId37"/>
+              <a:stretch>
+                <a:fillRect/>
+              </a:stretch>
+            </p:blipFill>
+            <p:spPr>
+              <a:xfrm>
+                <a:off x="7743870" y="2589690"/>
+                <a:ext cx="85680" cy="86760"/>
+              </a:xfrm>
+              <a:prstGeom prst="rect">
+                <a:avLst/>
+              </a:prstGeom>
+            </p:spPr>
+          </p:pic>
+        </mc:Fallback>
+      </mc:AlternateContent>
+      <mc:AlternateContent xmlns:mc="http://schemas.openxmlformats.org/markup-compatibility/2006" xmlns:p14="http://schemas.microsoft.com/office/powerpoint/2010/main">
+        <mc:Choice Requires="p14">
+          <p:contentPart p14:bwMode="auto" r:id="rId38">
+            <p14:nvContentPartPr>
+              <p14:cNvPr id="42" name="Ink 41">
+                <a:extLst>
+                  <a:ext uri="{FF2B5EF4-FFF2-40B4-BE49-F238E27FC236}">
+                    <a16:creationId xmlns:a16="http://schemas.microsoft.com/office/drawing/2014/main" id="{E16B4A1A-F49F-4EDC-97B3-344CAAFFB5F7}"/>
+                  </a:ext>
+                </a:extLst>
+              </p14:cNvPr>
+              <p14:cNvContentPartPr/>
+              <p14:nvPr/>
+            </p14:nvContentPartPr>
+            <p14:xfrm>
+              <a:off x="8715510" y="2371890"/>
+              <a:ext cx="9720" cy="360"/>
+            </p14:xfrm>
+          </p:contentPart>
+        </mc:Choice>
+        <mc:Fallback xmlns="">
+          <p:pic>
+            <p:nvPicPr>
+              <p:cNvPr id="42" name="Ink 41">
+                <a:extLst>
+                  <a:ext uri="{FF2B5EF4-FFF2-40B4-BE49-F238E27FC236}">
+                    <a16:creationId xmlns:a16="http://schemas.microsoft.com/office/drawing/2014/main" id="{E16B4A1A-F49F-4EDC-97B3-344CAAFFB5F7}"/>
+                  </a:ext>
+                </a:extLst>
+              </p:cNvPr>
+              <p:cNvPicPr/>
+              <p:nvPr/>
+            </p:nvPicPr>
+            <p:blipFill>
+              <a:blip r:embed="rId39"/>
+              <a:stretch>
+                <a:fillRect/>
+              </a:stretch>
+            </p:blipFill>
+            <p:spPr>
+              <a:xfrm>
+                <a:off x="8677350" y="2333730"/>
+                <a:ext cx="85680" cy="76320"/>
+              </a:xfrm>
+              <a:prstGeom prst="rect">
+                <a:avLst/>
+              </a:prstGeom>
+            </p:spPr>
+          </p:pic>
+        </mc:Fallback>
+      </mc:AlternateContent>
+      <mc:AlternateContent xmlns:mc="http://schemas.openxmlformats.org/markup-compatibility/2006" xmlns:p14="http://schemas.microsoft.com/office/powerpoint/2010/main">
+        <mc:Choice Requires="p14">
+          <p:contentPart p14:bwMode="auto" r:id="rId40">
+            <p14:nvContentPartPr>
+              <p14:cNvPr id="45" name="Ink 44">
+                <a:extLst>
+                  <a:ext uri="{FF2B5EF4-FFF2-40B4-BE49-F238E27FC236}">
+                    <a16:creationId xmlns:a16="http://schemas.microsoft.com/office/drawing/2014/main" id="{8EF61D43-EEFA-4C2C-94A5-2FE0CC7CCACF}"/>
+                  </a:ext>
+                </a:extLst>
+              </p14:cNvPr>
+              <p14:cNvContentPartPr/>
+              <p14:nvPr/>
+            </p14:nvContentPartPr>
+            <p14:xfrm>
+              <a:off x="3219390" y="4324170"/>
+              <a:ext cx="39240" cy="305280"/>
+            </p14:xfrm>
+          </p:contentPart>
+        </mc:Choice>
+        <mc:Fallback xmlns="">
+          <p:pic>
+            <p:nvPicPr>
+              <p:cNvPr id="45" name="Ink 44">
+                <a:extLst>
+                  <a:ext uri="{FF2B5EF4-FFF2-40B4-BE49-F238E27FC236}">
+                    <a16:creationId xmlns:a16="http://schemas.microsoft.com/office/drawing/2014/main" id="{8EF61D43-EEFA-4C2C-94A5-2FE0CC7CCACF}"/>
+                  </a:ext>
+                </a:extLst>
+              </p:cNvPr>
+              <p:cNvPicPr/>
+              <p:nvPr/>
+            </p:nvPicPr>
+            <p:blipFill>
+              <a:blip r:embed="rId41"/>
+              <a:stretch>
+                <a:fillRect/>
+              </a:stretch>
+            </p:blipFill>
+            <p:spPr>
+              <a:xfrm>
+                <a:off x="3212789" y="4317690"/>
+                <a:ext cx="54643" cy="320400"/>
+              </a:xfrm>
+              <a:prstGeom prst="rect">
+                <a:avLst/>
+              </a:prstGeom>
+            </p:spPr>
+          </p:pic>
+        </mc:Fallback>
+      </mc:AlternateContent>
+      <mc:AlternateContent xmlns:mc="http://schemas.openxmlformats.org/markup-compatibility/2006" xmlns:p14="http://schemas.microsoft.com/office/powerpoint/2010/main">
+        <mc:Choice Requires="p14">
+          <p:contentPart p14:bwMode="auto" r:id="rId42">
+            <p14:nvContentPartPr>
+              <p14:cNvPr id="48" name="Ink 47">
+                <a:extLst>
+                  <a:ext uri="{FF2B5EF4-FFF2-40B4-BE49-F238E27FC236}">
+                    <a16:creationId xmlns:a16="http://schemas.microsoft.com/office/drawing/2014/main" id="{24FE8993-D40B-4131-BDCD-6CAA7EB13311}"/>
+                  </a:ext>
+                </a:extLst>
+              </p14:cNvPr>
+              <p14:cNvContentPartPr/>
+              <p14:nvPr/>
+            </p14:nvContentPartPr>
+            <p14:xfrm>
+              <a:off x="4086270" y="3962370"/>
+              <a:ext cx="76680" cy="314640"/>
+            </p14:xfrm>
+          </p:contentPart>
+        </mc:Choice>
+        <mc:Fallback xmlns="">
+          <p:pic>
+            <p:nvPicPr>
+              <p:cNvPr id="48" name="Ink 47">
+                <a:extLst>
+                  <a:ext uri="{FF2B5EF4-FFF2-40B4-BE49-F238E27FC236}">
+                    <a16:creationId xmlns:a16="http://schemas.microsoft.com/office/drawing/2014/main" id="{24FE8993-D40B-4131-BDCD-6CAA7EB13311}"/>
+                  </a:ext>
+                </a:extLst>
+              </p:cNvPr>
+              <p:cNvPicPr/>
+              <p:nvPr/>
+            </p:nvPicPr>
+            <p:blipFill>
+              <a:blip r:embed="rId43"/>
+              <a:stretch>
+                <a:fillRect/>
+              </a:stretch>
+            </p:blipFill>
+            <p:spPr>
+              <a:xfrm>
+                <a:off x="4079790" y="3955890"/>
+                <a:ext cx="120600" cy="349200"/>
+              </a:xfrm>
+              <a:prstGeom prst="rect">
+                <a:avLst/>
+              </a:prstGeom>
+            </p:spPr>
+          </p:pic>
+        </mc:Fallback>
+      </mc:AlternateContent>
+      <mc:AlternateContent xmlns:mc="http://schemas.openxmlformats.org/markup-compatibility/2006" xmlns:p14="http://schemas.microsoft.com/office/powerpoint/2010/main">
+        <mc:Choice Requires="p14">
+          <p:contentPart p14:bwMode="auto" r:id="rId44">
+            <p14:nvContentPartPr>
+              <p14:cNvPr id="49" name="Ink 48">
+                <a:extLst>
+                  <a:ext uri="{FF2B5EF4-FFF2-40B4-BE49-F238E27FC236}">
+                    <a16:creationId xmlns:a16="http://schemas.microsoft.com/office/drawing/2014/main" id="{6CB57DE9-7EC4-4BFC-9CB5-D63A4E66D986}"/>
+                  </a:ext>
+                </a:extLst>
+              </p14:cNvPr>
+              <p14:cNvContentPartPr/>
+              <p14:nvPr/>
+            </p14:nvContentPartPr>
+            <p14:xfrm>
+              <a:off x="4248270" y="3848250"/>
+              <a:ext cx="38160" cy="590760"/>
+            </p14:xfrm>
+          </p:contentPart>
+        </mc:Choice>
+        <mc:Fallback xmlns="">
+          <p:pic>
+            <p:nvPicPr>
+              <p:cNvPr id="49" name="Ink 48">
+                <a:extLst>
+                  <a:ext uri="{FF2B5EF4-FFF2-40B4-BE49-F238E27FC236}">
+                    <a16:creationId xmlns:a16="http://schemas.microsoft.com/office/drawing/2014/main" id="{6CB57DE9-7EC4-4BFC-9CB5-D63A4E66D986}"/>
+                  </a:ext>
+                </a:extLst>
+              </p:cNvPr>
+              <p:cNvPicPr/>
+              <p:nvPr/>
+            </p:nvPicPr>
+            <p:blipFill>
+              <a:blip r:embed="rId45"/>
+              <a:stretch>
+                <a:fillRect/>
+              </a:stretch>
+            </p:blipFill>
+            <p:spPr>
+              <a:xfrm>
+                <a:off x="4241851" y="3841770"/>
+                <a:ext cx="50286" cy="603000"/>
+              </a:xfrm>
+              <a:prstGeom prst="rect">
+                <a:avLst/>
+              </a:prstGeom>
+            </p:spPr>
+          </p:pic>
+        </mc:Fallback>
+      </mc:AlternateContent>
+      <mc:AlternateContent xmlns:mc="http://schemas.openxmlformats.org/markup-compatibility/2006" xmlns:p14="http://schemas.microsoft.com/office/powerpoint/2010/main">
+        <mc:Choice Requires="p14">
+          <p:contentPart p14:bwMode="auto" r:id="rId46">
+            <p14:nvContentPartPr>
+              <p14:cNvPr id="53" name="Ink 52">
+                <a:extLst>
+                  <a:ext uri="{FF2B5EF4-FFF2-40B4-BE49-F238E27FC236}">
+                    <a16:creationId xmlns:a16="http://schemas.microsoft.com/office/drawing/2014/main" id="{E0C34354-E0EA-49CC-B22E-EB12391A50C1}"/>
+                  </a:ext>
+                </a:extLst>
+              </p14:cNvPr>
+              <p14:cNvContentPartPr/>
+              <p14:nvPr/>
+            </p14:nvContentPartPr>
+            <p14:xfrm>
+              <a:off x="5067270" y="3533610"/>
+              <a:ext cx="114840" cy="695880"/>
+            </p14:xfrm>
+          </p:contentPart>
+        </mc:Choice>
+        <mc:Fallback xmlns="">
+          <p:pic>
+            <p:nvPicPr>
+              <p:cNvPr id="53" name="Ink 52">
+                <a:extLst>
+                  <a:ext uri="{FF2B5EF4-FFF2-40B4-BE49-F238E27FC236}">
+                    <a16:creationId xmlns:a16="http://schemas.microsoft.com/office/drawing/2014/main" id="{E0C34354-E0EA-49CC-B22E-EB12391A50C1}"/>
+                  </a:ext>
+                </a:extLst>
+              </p:cNvPr>
+              <p:cNvPicPr/>
+              <p:nvPr/>
+            </p:nvPicPr>
+            <p:blipFill>
+              <a:blip r:embed="rId47"/>
+              <a:stretch>
+                <a:fillRect/>
+              </a:stretch>
+            </p:blipFill>
+            <p:spPr>
+              <a:xfrm>
+                <a:off x="5060790" y="3527130"/>
+                <a:ext cx="127080" cy="708120"/>
+              </a:xfrm>
+              <a:prstGeom prst="rect">
+                <a:avLst/>
+              </a:prstGeom>
+            </p:spPr>
+          </p:pic>
+        </mc:Fallback>
+      </mc:AlternateContent>
+      <mc:AlternateContent xmlns:mc="http://schemas.openxmlformats.org/markup-compatibility/2006" xmlns:p14="http://schemas.microsoft.com/office/powerpoint/2010/main">
+        <mc:Choice Requires="p14">
+          <p:contentPart p14:bwMode="auto" r:id="rId48">
+            <p14:nvContentPartPr>
+              <p14:cNvPr id="54" name="Ink 53">
+                <a:extLst>
+                  <a:ext uri="{FF2B5EF4-FFF2-40B4-BE49-F238E27FC236}">
+                    <a16:creationId xmlns:a16="http://schemas.microsoft.com/office/drawing/2014/main" id="{E11381A1-54D3-4ACF-B4DD-CA09A6DA33E8}"/>
+                  </a:ext>
+                </a:extLst>
+              </p14:cNvPr>
+              <p14:cNvContentPartPr/>
+              <p14:nvPr/>
+            </p14:nvContentPartPr>
+            <p14:xfrm>
+              <a:off x="4590990" y="3695610"/>
+              <a:ext cx="190800" cy="630000"/>
+            </p14:xfrm>
+          </p:contentPart>
+        </mc:Choice>
+        <mc:Fallback xmlns="">
+          <p:pic>
+            <p:nvPicPr>
+              <p:cNvPr id="54" name="Ink 53">
+                <a:extLst>
+                  <a:ext uri="{FF2B5EF4-FFF2-40B4-BE49-F238E27FC236}">
+                    <a16:creationId xmlns:a16="http://schemas.microsoft.com/office/drawing/2014/main" id="{E11381A1-54D3-4ACF-B4DD-CA09A6DA33E8}"/>
+                  </a:ext>
+                </a:extLst>
+              </p:cNvPr>
+              <p:cNvPicPr/>
+              <p:nvPr/>
+            </p:nvPicPr>
+            <p:blipFill>
+              <a:blip r:embed="rId49"/>
+              <a:stretch>
+                <a:fillRect/>
+              </a:stretch>
+            </p:blipFill>
+            <p:spPr>
+              <a:xfrm>
+                <a:off x="4584510" y="3689130"/>
+                <a:ext cx="234720" cy="673920"/>
+              </a:xfrm>
+              <a:prstGeom prst="rect">
+                <a:avLst/>
+              </a:prstGeom>
+            </p:spPr>
+          </p:pic>
+        </mc:Fallback>
+      </mc:AlternateContent>
+      <mc:AlternateContent xmlns:mc="http://schemas.openxmlformats.org/markup-compatibility/2006" xmlns:p14="http://schemas.microsoft.com/office/powerpoint/2010/main">
+        <mc:Choice Requires="p14">
+          <p:contentPart p14:bwMode="auto" r:id="rId50">
+            <p14:nvContentPartPr>
+              <p14:cNvPr id="55" name="Ink 54">
+                <a:extLst>
+                  <a:ext uri="{FF2B5EF4-FFF2-40B4-BE49-F238E27FC236}">
+                    <a16:creationId xmlns:a16="http://schemas.microsoft.com/office/drawing/2014/main" id="{4AE27E18-1198-4B33-8860-3B08E40EC456}"/>
+                  </a:ext>
+                </a:extLst>
+              </p14:cNvPr>
+              <p14:cNvContentPartPr/>
+              <p14:nvPr/>
+            </p14:nvContentPartPr>
+            <p14:xfrm>
+              <a:off x="5267430" y="3371970"/>
+              <a:ext cx="66960" cy="343080"/>
+            </p14:xfrm>
+          </p:contentPart>
+        </mc:Choice>
+        <mc:Fallback xmlns="">
+          <p:pic>
+            <p:nvPicPr>
+              <p:cNvPr id="55" name="Ink 54">
+                <a:extLst>
+                  <a:ext uri="{FF2B5EF4-FFF2-40B4-BE49-F238E27FC236}">
+                    <a16:creationId xmlns:a16="http://schemas.microsoft.com/office/drawing/2014/main" id="{4AE27E18-1198-4B33-8860-3B08E40EC456}"/>
+                  </a:ext>
+                </a:extLst>
+              </p:cNvPr>
+              <p:cNvPicPr/>
+              <p:nvPr/>
+            </p:nvPicPr>
+            <p:blipFill>
+              <a:blip r:embed="rId51"/>
+              <a:stretch>
+                <a:fillRect/>
+              </a:stretch>
+            </p:blipFill>
+            <p:spPr>
+              <a:xfrm>
+                <a:off x="5260950" y="3365490"/>
+                <a:ext cx="79200" cy="355320"/>
+              </a:xfrm>
+              <a:prstGeom prst="rect">
+                <a:avLst/>
+              </a:prstGeom>
+            </p:spPr>
+          </p:pic>
+        </mc:Fallback>
+      </mc:AlternateContent>
+      <mc:AlternateContent xmlns:mc="http://schemas.openxmlformats.org/markup-compatibility/2006" xmlns:p14="http://schemas.microsoft.com/office/powerpoint/2010/main">
+        <mc:Choice Requires="p14">
+          <p:contentPart p14:bwMode="auto" r:id="rId52">
+            <p14:nvContentPartPr>
+              <p14:cNvPr id="59" name="Ink 58">
+                <a:extLst>
+                  <a:ext uri="{FF2B5EF4-FFF2-40B4-BE49-F238E27FC236}">
+                    <a16:creationId xmlns:a16="http://schemas.microsoft.com/office/drawing/2014/main" id="{A456B15C-EA52-4B3C-87FB-9392D288291F}"/>
+                  </a:ext>
+                </a:extLst>
+              </p14:cNvPr>
+              <p14:cNvContentPartPr/>
+              <p14:nvPr/>
+            </p14:nvContentPartPr>
+            <p14:xfrm>
+              <a:off x="6038910" y="2990730"/>
+              <a:ext cx="57600" cy="429120"/>
+            </p14:xfrm>
+          </p:contentPart>
+        </mc:Choice>
+        <mc:Fallback xmlns="">
+          <p:pic>
+            <p:nvPicPr>
+              <p:cNvPr id="59" name="Ink 58">
+                <a:extLst>
+                  <a:ext uri="{FF2B5EF4-FFF2-40B4-BE49-F238E27FC236}">
+                    <a16:creationId xmlns:a16="http://schemas.microsoft.com/office/drawing/2014/main" id="{A456B15C-EA52-4B3C-87FB-9392D288291F}"/>
+                  </a:ext>
+                </a:extLst>
+              </p:cNvPr>
+              <p:cNvPicPr/>
+              <p:nvPr/>
+            </p:nvPicPr>
+            <p:blipFill>
+              <a:blip r:embed="rId53"/>
+              <a:stretch>
+                <a:fillRect/>
+              </a:stretch>
+            </p:blipFill>
+            <p:spPr>
+              <a:xfrm>
+                <a:off x="6032430" y="2984250"/>
+                <a:ext cx="101520" cy="473040"/>
+              </a:xfrm>
+              <a:prstGeom prst="rect">
+                <a:avLst/>
+              </a:prstGeom>
+            </p:spPr>
+          </p:pic>
+        </mc:Fallback>
+      </mc:AlternateContent>
+      <mc:AlternateContent xmlns:mc="http://schemas.openxmlformats.org/markup-compatibility/2006" xmlns:p14="http://schemas.microsoft.com/office/powerpoint/2010/main">
+        <mc:Choice Requires="p14">
+          <p:contentPart p14:bwMode="auto" r:id="rId54">
+            <p14:nvContentPartPr>
+              <p14:cNvPr id="60" name="Ink 59">
+                <a:extLst>
+                  <a:ext uri="{FF2B5EF4-FFF2-40B4-BE49-F238E27FC236}">
+                    <a16:creationId xmlns:a16="http://schemas.microsoft.com/office/drawing/2014/main" id="{BCB0FC6C-06E9-4491-9129-F053FF7CCA00}"/>
+                  </a:ext>
+                </a:extLst>
+              </p14:cNvPr>
+              <p14:cNvContentPartPr/>
+              <p14:nvPr/>
+            </p14:nvContentPartPr>
+            <p14:xfrm>
+              <a:off x="5638950" y="3248130"/>
+              <a:ext cx="171720" cy="885600"/>
+            </p14:xfrm>
+          </p:contentPart>
+        </mc:Choice>
+        <mc:Fallback xmlns="">
+          <p:pic>
+            <p:nvPicPr>
+              <p:cNvPr id="60" name="Ink 59">
+                <a:extLst>
+                  <a:ext uri="{FF2B5EF4-FFF2-40B4-BE49-F238E27FC236}">
+                    <a16:creationId xmlns:a16="http://schemas.microsoft.com/office/drawing/2014/main" id="{BCB0FC6C-06E9-4491-9129-F053FF7CCA00}"/>
+                  </a:ext>
+                </a:extLst>
+              </p:cNvPr>
+              <p:cNvPicPr/>
+              <p:nvPr/>
+            </p:nvPicPr>
+            <p:blipFill>
+              <a:blip r:embed="rId55"/>
+              <a:stretch>
+                <a:fillRect/>
+              </a:stretch>
+            </p:blipFill>
+            <p:spPr>
+              <a:xfrm>
+                <a:off x="5632470" y="3241650"/>
+                <a:ext cx="196560" cy="897840"/>
+              </a:xfrm>
+              <a:prstGeom prst="rect">
+                <a:avLst/>
+              </a:prstGeom>
+            </p:spPr>
+          </p:pic>
+        </mc:Fallback>
+      </mc:AlternateContent>
+      <mc:AlternateContent xmlns:mc="http://schemas.openxmlformats.org/markup-compatibility/2006" xmlns:p14="http://schemas.microsoft.com/office/powerpoint/2010/main">
+        <mc:Choice Requires="p14">
+          <p:contentPart p14:bwMode="auto" r:id="rId56">
+            <p14:nvContentPartPr>
+              <p14:cNvPr id="61" name="Ink 60">
+                <a:extLst>
+                  <a:ext uri="{FF2B5EF4-FFF2-40B4-BE49-F238E27FC236}">
+                    <a16:creationId xmlns:a16="http://schemas.microsoft.com/office/drawing/2014/main" id="{E3693FBD-5684-43E2-83F1-C2A7FC9D808D}"/>
+                  </a:ext>
+                </a:extLst>
+              </p14:cNvPr>
+              <p14:cNvContentPartPr/>
+              <p14:nvPr/>
+            </p14:nvContentPartPr>
+            <p14:xfrm>
+              <a:off x="6276870" y="3000450"/>
+              <a:ext cx="66960" cy="743400"/>
+            </p14:xfrm>
+          </p:contentPart>
+        </mc:Choice>
+        <mc:Fallback xmlns="">
+          <p:pic>
+            <p:nvPicPr>
+              <p:cNvPr id="61" name="Ink 60">
+                <a:extLst>
+                  <a:ext uri="{FF2B5EF4-FFF2-40B4-BE49-F238E27FC236}">
+                    <a16:creationId xmlns:a16="http://schemas.microsoft.com/office/drawing/2014/main" id="{E3693FBD-5684-43E2-83F1-C2A7FC9D808D}"/>
+                  </a:ext>
+                </a:extLst>
+              </p:cNvPr>
+              <p:cNvPicPr/>
+              <p:nvPr/>
+            </p:nvPicPr>
+            <p:blipFill>
+              <a:blip r:embed="rId57"/>
+              <a:stretch>
+                <a:fillRect/>
+              </a:stretch>
+            </p:blipFill>
+            <p:spPr>
+              <a:xfrm>
+                <a:off x="6270390" y="2993970"/>
+                <a:ext cx="79200" cy="755640"/>
+              </a:xfrm>
+              <a:prstGeom prst="rect">
+                <a:avLst/>
+              </a:prstGeom>
+            </p:spPr>
+          </p:pic>
+        </mc:Fallback>
+      </mc:AlternateContent>
+      <mc:AlternateContent xmlns:mc="http://schemas.openxmlformats.org/markup-compatibility/2006" xmlns:p14="http://schemas.microsoft.com/office/powerpoint/2010/main">
+        <mc:Choice Requires="p14">
+          <p:contentPart p14:bwMode="auto" r:id="rId58">
+            <p14:nvContentPartPr>
+              <p14:cNvPr id="65" name="Ink 64">
+                <a:extLst>
+                  <a:ext uri="{FF2B5EF4-FFF2-40B4-BE49-F238E27FC236}">
+                    <a16:creationId xmlns:a16="http://schemas.microsoft.com/office/drawing/2014/main" id="{BCD480DC-160E-48BA-9680-21B23E1037D2}"/>
+                  </a:ext>
+                </a:extLst>
+              </p14:cNvPr>
+              <p14:cNvContentPartPr/>
+              <p14:nvPr/>
+            </p14:nvContentPartPr>
+            <p14:xfrm>
+              <a:off x="3625830" y="3076410"/>
+              <a:ext cx="185400" cy="1667520"/>
+            </p14:xfrm>
+          </p:contentPart>
+        </mc:Choice>
+        <mc:Fallback xmlns="">
+          <p:pic>
+            <p:nvPicPr>
+              <p:cNvPr id="65" name="Ink 64">
+                <a:extLst>
+                  <a:ext uri="{FF2B5EF4-FFF2-40B4-BE49-F238E27FC236}">
+                    <a16:creationId xmlns:a16="http://schemas.microsoft.com/office/drawing/2014/main" id="{BCD480DC-160E-48BA-9680-21B23E1037D2}"/>
+                  </a:ext>
+                </a:extLst>
+              </p:cNvPr>
+              <p:cNvPicPr/>
+              <p:nvPr/>
+            </p:nvPicPr>
+            <p:blipFill>
+              <a:blip r:embed="rId59"/>
+              <a:stretch>
+                <a:fillRect/>
+              </a:stretch>
+            </p:blipFill>
+            <p:spPr>
+              <a:xfrm>
+                <a:off x="3587670" y="3038250"/>
+                <a:ext cx="229320" cy="1711440"/>
+              </a:xfrm>
+              <a:prstGeom prst="rect">
+                <a:avLst/>
+              </a:prstGeom>
+            </p:spPr>
+          </p:pic>
+        </mc:Fallback>
+      </mc:AlternateContent>
+      <mc:AlternateContent xmlns:mc="http://schemas.openxmlformats.org/markup-compatibility/2006" xmlns:p14="http://schemas.microsoft.com/office/powerpoint/2010/main">
+        <mc:Choice Requires="p14">
+          <p:contentPart p14:bwMode="auto" r:id="rId60">
+            <p14:nvContentPartPr>
+              <p14:cNvPr id="66" name="Ink 65">
+                <a:extLst>
+                  <a:ext uri="{FF2B5EF4-FFF2-40B4-BE49-F238E27FC236}">
+                    <a16:creationId xmlns:a16="http://schemas.microsoft.com/office/drawing/2014/main" id="{E797DD21-B21C-4E30-8A37-5A97D930742F}"/>
+                  </a:ext>
+                </a:extLst>
+              </p14:cNvPr>
+              <p14:cNvContentPartPr/>
+              <p14:nvPr/>
+            </p14:nvContentPartPr>
+            <p14:xfrm>
+              <a:off x="3244590" y="3609930"/>
+              <a:ext cx="46080" cy="628920"/>
+            </p14:xfrm>
+          </p:contentPart>
+        </mc:Choice>
+        <mc:Fallback xmlns="">
+          <p:pic>
+            <p:nvPicPr>
+              <p:cNvPr id="66" name="Ink 65">
+                <a:extLst>
+                  <a:ext uri="{FF2B5EF4-FFF2-40B4-BE49-F238E27FC236}">
+                    <a16:creationId xmlns:a16="http://schemas.microsoft.com/office/drawing/2014/main" id="{E797DD21-B21C-4E30-8A37-5A97D930742F}"/>
+                  </a:ext>
+                </a:extLst>
+              </p:cNvPr>
+              <p:cNvPicPr/>
+              <p:nvPr/>
+            </p:nvPicPr>
+            <p:blipFill>
+              <a:blip r:embed="rId61"/>
+              <a:stretch>
+                <a:fillRect/>
+              </a:stretch>
+            </p:blipFill>
+            <p:spPr>
+              <a:xfrm>
+                <a:off x="3202482" y="3571770"/>
+                <a:ext cx="129898" cy="675720"/>
+              </a:xfrm>
+              <a:prstGeom prst="rect">
+                <a:avLst/>
+              </a:prstGeom>
+            </p:spPr>
+          </p:pic>
+        </mc:Fallback>
+      </mc:AlternateContent>
+      <mc:AlternateContent xmlns:mc="http://schemas.openxmlformats.org/markup-compatibility/2006" xmlns:p14="http://schemas.microsoft.com/office/powerpoint/2010/main">
+        <mc:Choice Requires="p14">
+          <p:contentPart p14:bwMode="auto" r:id="rId62">
+            <p14:nvContentPartPr>
+              <p14:cNvPr id="67" name="Ink 66">
+                <a:extLst>
+                  <a:ext uri="{FF2B5EF4-FFF2-40B4-BE49-F238E27FC236}">
+                    <a16:creationId xmlns:a16="http://schemas.microsoft.com/office/drawing/2014/main" id="{69354D25-8E9A-456A-967B-5DB1D00A47FB}"/>
+                  </a:ext>
+                </a:extLst>
+              </p14:cNvPr>
+              <p14:cNvContentPartPr/>
+              <p14:nvPr/>
+            </p14:nvContentPartPr>
+            <p14:xfrm>
+              <a:off x="2886030" y="3816930"/>
+              <a:ext cx="43920" cy="641880"/>
+            </p14:xfrm>
+          </p:contentPart>
+        </mc:Choice>
+        <mc:Fallback xmlns="">
+          <p:pic>
+            <p:nvPicPr>
+              <p:cNvPr id="67" name="Ink 66">
+                <a:extLst>
+                  <a:ext uri="{FF2B5EF4-FFF2-40B4-BE49-F238E27FC236}">
+                    <a16:creationId xmlns:a16="http://schemas.microsoft.com/office/drawing/2014/main" id="{69354D25-8E9A-456A-967B-5DB1D00A47FB}"/>
+                  </a:ext>
+                </a:extLst>
+              </p:cNvPr>
+              <p:cNvPicPr/>
+              <p:nvPr/>
+            </p:nvPicPr>
+            <p:blipFill>
+              <a:blip r:embed="rId63"/>
+              <a:stretch>
+                <a:fillRect/>
+              </a:stretch>
+            </p:blipFill>
+            <p:spPr>
+              <a:xfrm>
+                <a:off x="2847870" y="3778770"/>
+                <a:ext cx="119880" cy="688680"/>
+              </a:xfrm>
+              <a:prstGeom prst="rect">
+                <a:avLst/>
+              </a:prstGeom>
+            </p:spPr>
+          </p:pic>
+        </mc:Fallback>
+      </mc:AlternateContent>
+      <mc:AlternateContent xmlns:mc="http://schemas.openxmlformats.org/markup-compatibility/2006" xmlns:p14="http://schemas.microsoft.com/office/powerpoint/2010/main">
+        <mc:Choice Requires="p14">
+          <p:contentPart p14:bwMode="auto" r:id="rId64">
+            <p14:nvContentPartPr>
+              <p14:cNvPr id="71" name="Ink 70">
+                <a:extLst>
+                  <a:ext uri="{FF2B5EF4-FFF2-40B4-BE49-F238E27FC236}">
+                    <a16:creationId xmlns:a16="http://schemas.microsoft.com/office/drawing/2014/main" id="{37167683-832D-47E1-A44D-CB717C9D456A}"/>
+                  </a:ext>
+                </a:extLst>
+              </p14:cNvPr>
+              <p14:cNvContentPartPr/>
+              <p14:nvPr/>
+            </p14:nvContentPartPr>
+            <p14:xfrm>
+              <a:off x="5372190" y="2590770"/>
+              <a:ext cx="134280" cy="648000"/>
+            </p14:xfrm>
+          </p:contentPart>
+        </mc:Choice>
+        <mc:Fallback xmlns="">
+          <p:pic>
+            <p:nvPicPr>
+              <p:cNvPr id="71" name="Ink 70">
+                <a:extLst>
+                  <a:ext uri="{FF2B5EF4-FFF2-40B4-BE49-F238E27FC236}">
+                    <a16:creationId xmlns:a16="http://schemas.microsoft.com/office/drawing/2014/main" id="{37167683-832D-47E1-A44D-CB717C9D456A}"/>
+                  </a:ext>
+                </a:extLst>
+              </p:cNvPr>
+              <p:cNvPicPr/>
+              <p:nvPr/>
+            </p:nvPicPr>
+            <p:blipFill>
+              <a:blip r:embed="rId65"/>
+              <a:stretch>
+                <a:fillRect/>
+              </a:stretch>
+            </p:blipFill>
+            <p:spPr>
+              <a:xfrm>
+                <a:off x="5363190" y="2581770"/>
+                <a:ext cx="151920" cy="665640"/>
+              </a:xfrm>
+              <a:prstGeom prst="rect">
+                <a:avLst/>
+              </a:prstGeom>
+            </p:spPr>
+          </p:pic>
+        </mc:Fallback>
+      </mc:AlternateContent>
+      <mc:AlternateContent xmlns:mc="http://schemas.openxmlformats.org/markup-compatibility/2006" xmlns:p14="http://schemas.microsoft.com/office/powerpoint/2010/main">
+        <mc:Choice Requires="p14">
+          <p:contentPart p14:bwMode="auto" r:id="rId66">
+            <p14:nvContentPartPr>
+              <p14:cNvPr id="73" name="Ink 72">
+                <a:extLst>
+                  <a:ext uri="{FF2B5EF4-FFF2-40B4-BE49-F238E27FC236}">
+                    <a16:creationId xmlns:a16="http://schemas.microsoft.com/office/drawing/2014/main" id="{1EF96CE3-68C5-427F-B711-D370C42AEFBD}"/>
+                  </a:ext>
+                </a:extLst>
+              </p14:cNvPr>
+              <p14:cNvContentPartPr/>
+              <p14:nvPr/>
+            </p14:nvContentPartPr>
+            <p14:xfrm>
+              <a:off x="5810310" y="2552610"/>
+              <a:ext cx="29160" cy="543240"/>
+            </p14:xfrm>
+          </p:contentPart>
+        </mc:Choice>
+        <mc:Fallback xmlns="">
+          <p:pic>
+            <p:nvPicPr>
+              <p:cNvPr id="73" name="Ink 72">
+                <a:extLst>
+                  <a:ext uri="{FF2B5EF4-FFF2-40B4-BE49-F238E27FC236}">
+                    <a16:creationId xmlns:a16="http://schemas.microsoft.com/office/drawing/2014/main" id="{1EF96CE3-68C5-427F-B711-D370C42AEFBD}"/>
+                  </a:ext>
+                </a:extLst>
+              </p:cNvPr>
+              <p:cNvPicPr/>
+              <p:nvPr/>
+            </p:nvPicPr>
+            <p:blipFill>
+              <a:blip r:embed="rId67"/>
+              <a:stretch>
+                <a:fillRect/>
+              </a:stretch>
+            </p:blipFill>
+            <p:spPr>
+              <a:xfrm>
+                <a:off x="5801310" y="2543610"/>
+                <a:ext cx="46800" cy="560880"/>
+              </a:xfrm>
+              <a:prstGeom prst="rect">
+                <a:avLst/>
+              </a:prstGeom>
+            </p:spPr>
+          </p:pic>
+        </mc:Fallback>
+      </mc:AlternateContent>
+      <mc:AlternateContent xmlns:mc="http://schemas.openxmlformats.org/markup-compatibility/2006" xmlns:p14="http://schemas.microsoft.com/office/powerpoint/2010/main">
+        <mc:Choice Requires="p14">
+          <p:contentPart p14:bwMode="auto" r:id="rId68">
+            <p14:nvContentPartPr>
+              <p14:cNvPr id="75" name="Ink 74">
+                <a:extLst>
+                  <a:ext uri="{FF2B5EF4-FFF2-40B4-BE49-F238E27FC236}">
+                    <a16:creationId xmlns:a16="http://schemas.microsoft.com/office/drawing/2014/main" id="{CA6BAE7A-D417-4CD8-A734-E6ACF9516B27}"/>
+                  </a:ext>
+                </a:extLst>
+              </p14:cNvPr>
+              <p14:cNvContentPartPr/>
+              <p14:nvPr/>
+            </p14:nvContentPartPr>
+            <p14:xfrm>
+              <a:off x="6248430" y="2465850"/>
+              <a:ext cx="60840" cy="392040"/>
+            </p14:xfrm>
+          </p:contentPart>
+        </mc:Choice>
+        <mc:Fallback xmlns="">
+          <p:pic>
+            <p:nvPicPr>
+              <p:cNvPr id="75" name="Ink 74">
+                <a:extLst>
+                  <a:ext uri="{FF2B5EF4-FFF2-40B4-BE49-F238E27FC236}">
+                    <a16:creationId xmlns:a16="http://schemas.microsoft.com/office/drawing/2014/main" id="{CA6BAE7A-D417-4CD8-A734-E6ACF9516B27}"/>
+                  </a:ext>
+                </a:extLst>
+              </p:cNvPr>
+              <p:cNvPicPr/>
+              <p:nvPr/>
+            </p:nvPicPr>
+            <p:blipFill>
+              <a:blip r:embed="rId69"/>
+              <a:stretch>
+                <a:fillRect/>
+              </a:stretch>
+            </p:blipFill>
+            <p:spPr>
+              <a:xfrm>
+                <a:off x="6208374" y="2427690"/>
+                <a:ext cx="109965" cy="438840"/>
+              </a:xfrm>
+              <a:prstGeom prst="rect">
+                <a:avLst/>
+              </a:prstGeom>
+            </p:spPr>
+          </p:pic>
+        </mc:Fallback>
+      </mc:AlternateContent>
+      <mc:AlternateContent xmlns:mc="http://schemas.openxmlformats.org/markup-compatibility/2006" xmlns:p14="http://schemas.microsoft.com/office/powerpoint/2010/main">
+        <mc:Choice Requires="p14">
+          <p:contentPart p14:bwMode="auto" r:id="rId70">
+            <p14:nvContentPartPr>
+              <p14:cNvPr id="76" name="Ink 75">
+                <a:extLst>
+                  <a:ext uri="{FF2B5EF4-FFF2-40B4-BE49-F238E27FC236}">
+                    <a16:creationId xmlns:a16="http://schemas.microsoft.com/office/drawing/2014/main" id="{B4AD14D3-2799-493E-ADF4-01C7476CCF3A}"/>
+                  </a:ext>
+                </a:extLst>
+              </p14:cNvPr>
+              <p14:cNvContentPartPr/>
+              <p14:nvPr/>
+            </p14:nvContentPartPr>
+            <p14:xfrm>
+              <a:off x="5603670" y="2657370"/>
+              <a:ext cx="73440" cy="381600"/>
+            </p14:xfrm>
+          </p:contentPart>
+        </mc:Choice>
+        <mc:Fallback xmlns="">
+          <p:pic>
+            <p:nvPicPr>
+              <p:cNvPr id="76" name="Ink 75">
+                <a:extLst>
+                  <a:ext uri="{FF2B5EF4-FFF2-40B4-BE49-F238E27FC236}">
+                    <a16:creationId xmlns:a16="http://schemas.microsoft.com/office/drawing/2014/main" id="{B4AD14D3-2799-493E-ADF4-01C7476CCF3A}"/>
+                  </a:ext>
+                </a:extLst>
+              </p:cNvPr>
+              <p:cNvPicPr/>
+              <p:nvPr/>
+            </p:nvPicPr>
+            <p:blipFill>
+              <a:blip r:embed="rId71"/>
+              <a:stretch>
+                <a:fillRect/>
+              </a:stretch>
+            </p:blipFill>
+            <p:spPr>
+              <a:xfrm>
+                <a:off x="5565510" y="2619210"/>
+                <a:ext cx="120960" cy="428400"/>
+              </a:xfrm>
+              <a:prstGeom prst="rect">
+                <a:avLst/>
+              </a:prstGeom>
+            </p:spPr>
+          </p:pic>
+        </mc:Fallback>
+      </mc:AlternateContent>
+      <mc:AlternateContent xmlns:mc="http://schemas.openxmlformats.org/markup-compatibility/2006" xmlns:p14="http://schemas.microsoft.com/office/powerpoint/2010/main">
+        <mc:Choice Requires="p14">
+          <p:contentPart p14:bwMode="auto" r:id="rId72">
+            <p14:nvContentPartPr>
+              <p14:cNvPr id="77" name="Ink 76">
+                <a:extLst>
+                  <a:ext uri="{FF2B5EF4-FFF2-40B4-BE49-F238E27FC236}">
+                    <a16:creationId xmlns:a16="http://schemas.microsoft.com/office/drawing/2014/main" id="{AFAC6922-CB73-495F-BD19-D46E3EF23DAB}"/>
+                  </a:ext>
+                </a:extLst>
+              </p14:cNvPr>
+              <p14:cNvContentPartPr/>
+              <p14:nvPr/>
+            </p14:nvContentPartPr>
+            <p14:xfrm>
+              <a:off x="4751910" y="2933130"/>
+              <a:ext cx="144360" cy="639000"/>
+            </p14:xfrm>
+          </p:contentPart>
+        </mc:Choice>
+        <mc:Fallback xmlns="">
+          <p:pic>
+            <p:nvPicPr>
+              <p:cNvPr id="77" name="Ink 76">
+                <a:extLst>
+                  <a:ext uri="{FF2B5EF4-FFF2-40B4-BE49-F238E27FC236}">
+                    <a16:creationId xmlns:a16="http://schemas.microsoft.com/office/drawing/2014/main" id="{AFAC6922-CB73-495F-BD19-D46E3EF23DAB}"/>
+                  </a:ext>
+                </a:extLst>
+              </p:cNvPr>
+              <p:cNvPicPr/>
+              <p:nvPr/>
+            </p:nvPicPr>
+            <p:blipFill>
+              <a:blip r:embed="rId73"/>
+              <a:stretch>
+                <a:fillRect/>
+              </a:stretch>
+            </p:blipFill>
+            <p:spPr>
+              <a:xfrm>
+                <a:off x="4713750" y="2894970"/>
+                <a:ext cx="191160" cy="685800"/>
+              </a:xfrm>
+              <a:prstGeom prst="rect">
+                <a:avLst/>
+              </a:prstGeom>
+            </p:spPr>
+          </p:pic>
+        </mc:Fallback>
+      </mc:AlternateContent>
+      <mc:AlternateContent xmlns:mc="http://schemas.openxmlformats.org/markup-compatibility/2006" xmlns:p14="http://schemas.microsoft.com/office/powerpoint/2010/main">
+        <mc:Choice Requires="p14">
+          <p:contentPart p14:bwMode="auto" r:id="rId74">
+            <p14:nvContentPartPr>
+              <p14:cNvPr id="78" name="Ink 77">
+                <a:extLst>
+                  <a:ext uri="{FF2B5EF4-FFF2-40B4-BE49-F238E27FC236}">
+                    <a16:creationId xmlns:a16="http://schemas.microsoft.com/office/drawing/2014/main" id="{EFE4CB03-7B58-4399-868C-B5D93733F28E}"/>
+                  </a:ext>
+                </a:extLst>
+              </p14:cNvPr>
+              <p14:cNvContentPartPr/>
+              <p14:nvPr/>
+            </p14:nvContentPartPr>
+            <p14:xfrm>
+              <a:off x="4000590" y="3228690"/>
+              <a:ext cx="86400" cy="486360"/>
+            </p14:xfrm>
+          </p:contentPart>
+        </mc:Choice>
+        <mc:Fallback xmlns="">
+          <p:pic>
+            <p:nvPicPr>
+              <p:cNvPr id="78" name="Ink 77">
+                <a:extLst>
+                  <a:ext uri="{FF2B5EF4-FFF2-40B4-BE49-F238E27FC236}">
+                    <a16:creationId xmlns:a16="http://schemas.microsoft.com/office/drawing/2014/main" id="{EFE4CB03-7B58-4399-868C-B5D93733F28E}"/>
+                  </a:ext>
+                </a:extLst>
+              </p:cNvPr>
+              <p:cNvPicPr/>
+              <p:nvPr/>
+            </p:nvPicPr>
+            <p:blipFill>
+              <a:blip r:embed="rId75"/>
+              <a:stretch>
+                <a:fillRect/>
+              </a:stretch>
+            </p:blipFill>
+            <p:spPr>
+              <a:xfrm>
+                <a:off x="3962430" y="3190530"/>
+                <a:ext cx="133200" cy="533160"/>
+              </a:xfrm>
+              <a:prstGeom prst="rect">
+                <a:avLst/>
+              </a:prstGeom>
+            </p:spPr>
+          </p:pic>
+        </mc:Fallback>
+      </mc:AlternateContent>
+      <mc:AlternateContent xmlns:mc="http://schemas.openxmlformats.org/markup-compatibility/2006" xmlns:p14="http://schemas.microsoft.com/office/powerpoint/2010/main">
+        <mc:Choice Requires="p14">
+          <p:contentPart p14:bwMode="auto" r:id="rId76">
+            <p14:nvContentPartPr>
+              <p14:cNvPr id="79" name="Ink 78">
+                <a:extLst>
+                  <a:ext uri="{FF2B5EF4-FFF2-40B4-BE49-F238E27FC236}">
+                    <a16:creationId xmlns:a16="http://schemas.microsoft.com/office/drawing/2014/main" id="{E17BD8B2-7DAD-4C71-909E-657806A00099}"/>
+                  </a:ext>
+                </a:extLst>
+              </p14:cNvPr>
+              <p14:cNvContentPartPr/>
+              <p14:nvPr/>
+            </p14:nvContentPartPr>
+            <p14:xfrm>
+              <a:off x="6435270" y="2228970"/>
+              <a:ext cx="88560" cy="590760"/>
+            </p14:xfrm>
+          </p:contentPart>
+        </mc:Choice>
+        <mc:Fallback xmlns="">
+          <p:pic>
+            <p:nvPicPr>
+              <p:cNvPr id="79" name="Ink 78">
+                <a:extLst>
+                  <a:ext uri="{FF2B5EF4-FFF2-40B4-BE49-F238E27FC236}">
+                    <a16:creationId xmlns:a16="http://schemas.microsoft.com/office/drawing/2014/main" id="{E17BD8B2-7DAD-4C71-909E-657806A00099}"/>
+                  </a:ext>
+                </a:extLst>
+              </p:cNvPr>
+              <p:cNvPicPr/>
+              <p:nvPr/>
+            </p:nvPicPr>
+            <p:blipFill>
+              <a:blip r:embed="rId77"/>
+              <a:stretch>
+                <a:fillRect/>
+              </a:stretch>
+            </p:blipFill>
+            <p:spPr>
+              <a:xfrm>
+                <a:off x="6426270" y="2219970"/>
+                <a:ext cx="106200" cy="608400"/>
+              </a:xfrm>
+              <a:prstGeom prst="rect">
+                <a:avLst/>
+              </a:prstGeom>
+            </p:spPr>
+          </p:pic>
+        </mc:Fallback>
+      </mc:AlternateContent>
+      <p:cxnSp>
+        <p:nvCxnSpPr>
+          <p:cNvPr id="81" name="Straight Connector 80">
+            <a:extLst>
+              <a:ext uri="{FF2B5EF4-FFF2-40B4-BE49-F238E27FC236}">
+                <a16:creationId xmlns:a16="http://schemas.microsoft.com/office/drawing/2014/main" id="{BC36F0D3-B664-4770-B38B-4F54235EA0E0}"/>
+              </a:ext>
+            </a:extLst>
+          </p:cNvPr>
+          <p:cNvCxnSpPr>
+            <a:cxnSpLocks/>
+          </p:cNvCxnSpPr>
+          <p:nvPr/>
+        </p:nvCxnSpPr>
+        <p:spPr>
+          <a:xfrm flipV="1">
+            <a:off x="2257425" y="1476376"/>
+            <a:ext cx="5715405" cy="2657354"/>
+          </a:xfrm>
+          <a:prstGeom prst="line">
+            <a:avLst/>
+          </a:prstGeom>
+        </p:spPr>
+        <p:style>
+          <a:lnRef idx="1">
+            <a:schemeClr val="accent6"/>
+          </a:lnRef>
+          <a:fillRef idx="0">
+            <a:schemeClr val="accent6"/>
+          </a:fillRef>
+          <a:effectRef idx="0">
+            <a:schemeClr val="accent6"/>
+          </a:effectRef>
+          <a:fontRef idx="minor">
+            <a:schemeClr val="tx1"/>
+          </a:fontRef>
+        </p:style>
+      </p:cxnSp>
+      <p:cxnSp>
+        <p:nvCxnSpPr>
+          <p:cNvPr id="84" name="Straight Connector 83">
+            <a:extLst>
+              <a:ext uri="{FF2B5EF4-FFF2-40B4-BE49-F238E27FC236}">
+                <a16:creationId xmlns:a16="http://schemas.microsoft.com/office/drawing/2014/main" id="{B3CDB4E3-F84C-4384-8880-5BBD9200D658}"/>
+              </a:ext>
+            </a:extLst>
+          </p:cNvPr>
+          <p:cNvCxnSpPr/>
+          <p:nvPr/>
+        </p:nvCxnSpPr>
+        <p:spPr>
+          <a:xfrm flipV="1">
+            <a:off x="2886030" y="2371890"/>
+            <a:ext cx="5839200" cy="2723985"/>
+          </a:xfrm>
+          <a:prstGeom prst="line">
+            <a:avLst/>
+          </a:prstGeom>
+        </p:spPr>
+        <p:style>
+          <a:lnRef idx="1">
+            <a:schemeClr val="accent1"/>
+          </a:lnRef>
+          <a:fillRef idx="0">
+            <a:schemeClr val="accent1"/>
+          </a:fillRef>
+          <a:effectRef idx="0">
+            <a:schemeClr val="accent1"/>
+          </a:effectRef>
+          <a:fontRef idx="minor">
+            <a:schemeClr val="tx1"/>
+          </a:fontRef>
+        </p:style>
+      </p:cxnSp>
+    </p:spTree>
+    <p:extLst>
+      <p:ext uri="{BB962C8B-B14F-4D97-AF65-F5344CB8AC3E}">
+        <p14:creationId xmlns:p14="http://schemas.microsoft.com/office/powerpoint/2010/main" val="1261532909"/>
+      </p:ext>
+    </p:extLst>
+  </p:cSld>
+  <p:clrMapOvr>
+    <a:masterClrMapping/>
+  </p:clrMapOvr>
+</p:sld>
+</file>
+
+<file path=ppt/slides/slide4.xml><?xml version="1.0" encoding="utf-8"?>
 <p:sld xmlns:a="http://schemas.openxmlformats.org/drawingml/2006/main" xmlns:r="http://schemas.openxmlformats.org/officeDocument/2006/relationships" xmlns:p="http://schemas.openxmlformats.org/presentationml/2006/main">
   <p:cSld>
     <p:spTree>
@@ -9665,7 +13763,118 @@
 </p:sld>
 </file>
 
-<file path=ppt/slides/slide4.xml><?xml version="1.0" encoding="utf-8"?>
+<file path=ppt/slides/slide5.xml><?xml version="1.0" encoding="utf-8"?>
+<p:sld xmlns:a="http://schemas.openxmlformats.org/drawingml/2006/main" xmlns:r="http://schemas.openxmlformats.org/officeDocument/2006/relationships" xmlns:p="http://schemas.openxmlformats.org/presentationml/2006/main">
+  <p:cSld>
+    <p:spTree>
+      <p:nvGrpSpPr>
+        <p:cNvPr id="1" name=""/>
+        <p:cNvGrpSpPr/>
+        <p:nvPr/>
+      </p:nvGrpSpPr>
+      <p:grpSpPr>
+        <a:xfrm>
+          <a:off x="0" y="0"/>
+          <a:ext cx="0" cy="0"/>
+          <a:chOff x="0" y="0"/>
+          <a:chExt cx="0" cy="0"/>
+        </a:xfrm>
+      </p:grpSpPr>
+      <p:sp>
+        <p:nvSpPr>
+          <p:cNvPr id="2" name="Title 1">
+            <a:extLst>
+              <a:ext uri="{FF2B5EF4-FFF2-40B4-BE49-F238E27FC236}">
+                <a16:creationId xmlns:a16="http://schemas.microsoft.com/office/drawing/2014/main" id="{29BE505C-E5F9-48EF-989E-3263931A33A8}"/>
+              </a:ext>
+            </a:extLst>
+          </p:cNvPr>
+          <p:cNvSpPr>
+            <a:spLocks noGrp="1"/>
+          </p:cNvSpPr>
+          <p:nvPr>
+            <p:ph type="title"/>
+          </p:nvPr>
+        </p:nvSpPr>
+        <p:spPr/>
+        <p:txBody>
+          <a:bodyPr/>
+          <a:lstStyle/>
+          <a:p>
+            <a:endParaRPr lang="en-US"/>
+          </a:p>
+        </p:txBody>
+      </p:sp>
+      <p:sp>
+        <p:nvSpPr>
+          <p:cNvPr id="3" name="Content Placeholder 2">
+            <a:extLst>
+              <a:ext uri="{FF2B5EF4-FFF2-40B4-BE49-F238E27FC236}">
+                <a16:creationId xmlns:a16="http://schemas.microsoft.com/office/drawing/2014/main" id="{7DFE68A7-74DA-4193-88FD-B9AB3CCF4931}"/>
+              </a:ext>
+            </a:extLst>
+          </p:cNvPr>
+          <p:cNvSpPr>
+            <a:spLocks noGrp="1"/>
+          </p:cNvSpPr>
+          <p:nvPr>
+            <p:ph sz="quarter" idx="13"/>
+          </p:nvPr>
+        </p:nvSpPr>
+        <p:spPr>
+          <a:xfrm>
+            <a:off x="608170" y="932702"/>
+            <a:ext cx="10975658" cy="5791948"/>
+          </a:xfrm>
+        </p:spPr>
+        <p:txBody>
+          <a:bodyPr/>
+          <a:lstStyle/>
+          <a:p>
+            <a:r>
+              <a:rPr lang="en-US" dirty="0"/>
+              <a:t>When our output variable of nature continuous, additionally a function of time, in that case we use time series.</a:t>
+            </a:r>
+          </a:p>
+          <a:p>
+            <a:r>
+              <a:rPr lang="en-US" dirty="0"/>
+              <a:t>We want to predict the value but also the TREND</a:t>
+            </a:r>
+          </a:p>
+          <a:p>
+            <a:r>
+              <a:rPr lang="en-US" dirty="0"/>
+              <a:t>My company have business in 30 countries, I want to predict sales of next quarter in each country separately. So will you develop 30 ML scenarios (one per country)</a:t>
+            </a:r>
+          </a:p>
+          <a:p>
+            <a:r>
+              <a:rPr lang="en-US" dirty="0"/>
+              <a:t>Segment = Dimension on which the SAC </a:t>
+            </a:r>
+            <a:r>
+              <a:rPr lang="en-US"/>
+              <a:t>ML will LOOP</a:t>
+            </a:r>
+            <a:endParaRPr lang="en-US" dirty="0"/>
+          </a:p>
+        </p:txBody>
+      </p:sp>
+    </p:spTree>
+    <p:extLst>
+      <p:ext uri="{BB962C8B-B14F-4D97-AF65-F5344CB8AC3E}">
+        <p14:creationId xmlns:p14="http://schemas.microsoft.com/office/powerpoint/2010/main" val="509311815"/>
+      </p:ext>
+    </p:extLst>
+  </p:cSld>
+  <p:clrMapOvr>
+    <a:masterClrMapping/>
+  </p:clrMapOvr>
+</p:sld>
+</file>
+
+<file path=ppt/slides/slide6.xml><?xml version="1.0" encoding="utf-8"?>
 <p:sld xmlns:a="http://schemas.openxmlformats.org/drawingml/2006/main" xmlns:r="http://schemas.openxmlformats.org/officeDocument/2006/relationships" xmlns:p="http://schemas.openxmlformats.org/presentationml/2006/main">
   <p:cSld>
     <p:spTree>
@@ -10276,7 +14485,7 @@
 </p:sld>
 </file>
 
-<file path=ppt/slides/slide5.xml><?xml version="1.0" encoding="utf-8"?>
+<file path=ppt/slides/slide7.xml><?xml version="1.0" encoding="utf-8"?>
 <p:sld xmlns:a="http://schemas.openxmlformats.org/drawingml/2006/main" xmlns:r="http://schemas.openxmlformats.org/officeDocument/2006/relationships" xmlns:p="http://schemas.openxmlformats.org/presentationml/2006/main">
   <p:cSld>
     <p:spTree>
@@ -10613,7 +14822,7 @@
 </p:sld>
 </file>
 
-<file path=ppt/slides/slide6.xml><?xml version="1.0" encoding="utf-8"?>
+<file path=ppt/slides/slide8.xml><?xml version="1.0" encoding="utf-8"?>
 <p:sld xmlns:a="http://schemas.openxmlformats.org/drawingml/2006/main" xmlns:r="http://schemas.openxmlformats.org/officeDocument/2006/relationships" xmlns:p="http://schemas.openxmlformats.org/presentationml/2006/main">
   <p:cSld>
     <p:spTree>
@@ -10834,253 +15043,6 @@
 </p:sld>
 </file>
 
-<file path=ppt/slides/slide7.xml><?xml version="1.0" encoding="utf-8"?>
-<p:sld xmlns:a="http://schemas.openxmlformats.org/drawingml/2006/main" xmlns:r="http://schemas.openxmlformats.org/officeDocument/2006/relationships" xmlns:p="http://schemas.openxmlformats.org/presentationml/2006/main">
-  <p:cSld>
-    <p:spTree>
-      <p:nvGrpSpPr>
-        <p:cNvPr id="1" name=""/>
-        <p:cNvGrpSpPr/>
-        <p:nvPr/>
-      </p:nvGrpSpPr>
-      <p:grpSpPr>
-        <a:xfrm>
-          <a:off x="0" y="0"/>
-          <a:ext cx="0" cy="0"/>
-          <a:chOff x="0" y="0"/>
-          <a:chExt cx="0" cy="0"/>
-        </a:xfrm>
-      </p:grpSpPr>
-      <p:sp>
-        <p:nvSpPr>
-          <p:cNvPr id="2" name="Title 3">
-            <a:extLst>
-              <a:ext uri="{FF2B5EF4-FFF2-40B4-BE49-F238E27FC236}">
-                <a16:creationId xmlns:a16="http://schemas.microsoft.com/office/drawing/2014/main" id="{F07FC580-E2AB-4C55-8C95-D5E077A1D127}"/>
-              </a:ext>
-            </a:extLst>
-          </p:cNvPr>
-          <p:cNvSpPr txBox="1">
-            <a:spLocks/>
-          </p:cNvSpPr>
-          <p:nvPr/>
-        </p:nvSpPr>
-        <p:spPr>
-          <a:xfrm>
-            <a:off x="261764" y="188640"/>
-            <a:ext cx="11292008" cy="711081"/>
-          </a:xfrm>
-          <a:prstGeom prst="rect">
-            <a:avLst/>
-          </a:prstGeom>
-        </p:spPr>
-        <p:txBody>
-          <a:bodyPr/>
-          <a:lstStyle>
-            <a:lvl1pPr algn="l" defTabSz="914400" rtl="0" eaLnBrk="1" latinLnBrk="0" hangingPunct="1">
-              <a:lnSpc>
-                <a:spcPct val="90000"/>
-              </a:lnSpc>
-              <a:spcBef>
-                <a:spcPct val="0"/>
-              </a:spcBef>
-              <a:buNone/>
-              <a:defRPr sz="4400" kern="1200">
-                <a:solidFill>
-                  <a:schemeClr val="tx1"/>
-                </a:solidFill>
-                <a:latin typeface="+mj-lt"/>
-                <a:ea typeface="+mj-ea"/>
-                <a:cs typeface="+mj-cs"/>
-              </a:defRPr>
-            </a:lvl1pPr>
-          </a:lstStyle>
-          <a:p>
-            <a:endParaRPr lang="en-US" b="1" dirty="0"/>
-          </a:p>
-        </p:txBody>
-      </p:sp>
-      <p:sp>
-        <p:nvSpPr>
-          <p:cNvPr id="7" name="TextBox 6">
-            <a:extLst>
-              <a:ext uri="{FF2B5EF4-FFF2-40B4-BE49-F238E27FC236}">
-                <a16:creationId xmlns:a16="http://schemas.microsoft.com/office/drawing/2014/main" id="{17EB74BE-8011-4153-8F37-3BEF9C1F4CC0}"/>
-              </a:ext>
-            </a:extLst>
-          </p:cNvPr>
-          <p:cNvSpPr txBox="1"/>
-          <p:nvPr/>
-        </p:nvSpPr>
-        <p:spPr>
-          <a:xfrm>
-            <a:off x="3512128" y="2507734"/>
-            <a:ext cx="6174508" cy="1323439"/>
-          </a:xfrm>
-          <a:prstGeom prst="rect">
-            <a:avLst/>
-          </a:prstGeom>
-          <a:noFill/>
-        </p:spPr>
-        <p:txBody>
-          <a:bodyPr wrap="square">
-            <a:spAutoFit/>
-          </a:bodyPr>
-          <a:lstStyle/>
-          <a:p>
-            <a:r>
-              <a:rPr lang="en-US" sz="8000" b="1" dirty="0"/>
-              <a:t>End of Day 7</a:t>
-            </a:r>
-          </a:p>
-        </p:txBody>
-      </p:sp>
-      <p:sp>
-        <p:nvSpPr>
-          <p:cNvPr id="4" name="TextBox 3">
-            <a:extLst>
-              <a:ext uri="{FF2B5EF4-FFF2-40B4-BE49-F238E27FC236}">
-                <a16:creationId xmlns:a16="http://schemas.microsoft.com/office/drawing/2014/main" id="{E8CAC22F-1542-4031-BC6C-A16989886504}"/>
-              </a:ext>
-            </a:extLst>
-          </p:cNvPr>
-          <p:cNvSpPr txBox="1"/>
-          <p:nvPr/>
-        </p:nvSpPr>
-        <p:spPr>
-          <a:xfrm>
-            <a:off x="4943872" y="6536777"/>
-            <a:ext cx="3456384" cy="307777"/>
-          </a:xfrm>
-          <a:prstGeom prst="rect">
-            <a:avLst/>
-          </a:prstGeom>
-          <a:noFill/>
-        </p:spPr>
-        <p:txBody>
-          <a:bodyPr wrap="square" rtlCol="0">
-            <a:spAutoFit/>
-          </a:bodyPr>
-          <a:lstStyle/>
-          <a:p>
-            <a:pPr defTabSz="1218987">
-              <a:defRPr/>
-            </a:pPr>
-            <a:r>
-              <a:rPr lang="en-US" sz="1400" b="1" dirty="0">
-                <a:solidFill>
-                  <a:prstClr val="black"/>
-                </a:solidFill>
-                <a:latin typeface="Arial Rounded MT Bold" panose="020F0704030504030204" pitchFamily="34" charset="0"/>
-                <a:ea typeface="Arial Unicode MS" panose="020B0604020202020204" pitchFamily="34" charset="-128"/>
-                <a:cs typeface="Arial Unicode MS" panose="020B0604020202020204" pitchFamily="34" charset="-128"/>
-              </a:rPr>
-              <a:t>www.anubhavtrainings.com</a:t>
-            </a:r>
-            <a:endParaRPr lang="en-IN" sz="1400" b="1" dirty="0">
-              <a:solidFill>
-                <a:prstClr val="black"/>
-              </a:solidFill>
-              <a:latin typeface="Arial Rounded MT Bold" panose="020F0704030504030204" pitchFamily="34" charset="0"/>
-              <a:ea typeface="Arial Unicode MS" panose="020B0604020202020204" pitchFamily="34" charset="-128"/>
-              <a:cs typeface="Arial Unicode MS" panose="020B0604020202020204" pitchFamily="34" charset="-128"/>
-            </a:endParaRPr>
-          </a:p>
-        </p:txBody>
-      </p:sp>
-    </p:spTree>
-    <p:extLst>
-      <p:ext uri="{BB962C8B-B14F-4D97-AF65-F5344CB8AC3E}">
-        <p14:creationId xmlns:p14="http://schemas.microsoft.com/office/powerpoint/2010/main" val="3867772902"/>
-      </p:ext>
-    </p:extLst>
-  </p:cSld>
-  <p:clrMapOvr>
-    <a:masterClrMapping/>
-  </p:clrMapOvr>
-</p:sld>
-</file>
-
-<file path=ppt/slides/slide8.xml><?xml version="1.0" encoding="utf-8"?>
-<p:sld xmlns:a="http://schemas.openxmlformats.org/drawingml/2006/main" xmlns:r="http://schemas.openxmlformats.org/officeDocument/2006/relationships" xmlns:p="http://schemas.openxmlformats.org/presentationml/2006/main">
-  <p:cSld>
-    <p:spTree>
-      <p:nvGrpSpPr>
-        <p:cNvPr id="1" name=""/>
-        <p:cNvGrpSpPr/>
-        <p:nvPr/>
-      </p:nvGrpSpPr>
-      <p:grpSpPr>
-        <a:xfrm>
-          <a:off x="0" y="0"/>
-          <a:ext cx="0" cy="0"/>
-          <a:chOff x="0" y="0"/>
-          <a:chExt cx="0" cy="0"/>
-        </a:xfrm>
-      </p:grpSpPr>
-      <p:sp>
-        <p:nvSpPr>
-          <p:cNvPr id="2" name="Title 1">
-            <a:extLst>
-              <a:ext uri="{FF2B5EF4-FFF2-40B4-BE49-F238E27FC236}">
-                <a16:creationId xmlns:a16="http://schemas.microsoft.com/office/drawing/2014/main" id="{29CB9E00-0397-4178-9E57-32DC82D3A8F7}"/>
-              </a:ext>
-            </a:extLst>
-          </p:cNvPr>
-          <p:cNvSpPr>
-            <a:spLocks noGrp="1"/>
-          </p:cNvSpPr>
-          <p:nvPr>
-            <p:ph type="title"/>
-          </p:nvPr>
-        </p:nvSpPr>
-        <p:spPr/>
-        <p:txBody>
-          <a:bodyPr/>
-          <a:lstStyle/>
-          <a:p>
-            <a:endParaRPr lang="en-US"/>
-          </a:p>
-        </p:txBody>
-      </p:sp>
-      <p:sp>
-        <p:nvSpPr>
-          <p:cNvPr id="3" name="Content Placeholder 2">
-            <a:extLst>
-              <a:ext uri="{FF2B5EF4-FFF2-40B4-BE49-F238E27FC236}">
-                <a16:creationId xmlns:a16="http://schemas.microsoft.com/office/drawing/2014/main" id="{73A078A5-4F35-4958-8384-CBBBD3DED2C3}"/>
-              </a:ext>
-            </a:extLst>
-          </p:cNvPr>
-          <p:cNvSpPr>
-            <a:spLocks noGrp="1"/>
-          </p:cNvSpPr>
-          <p:nvPr>
-            <p:ph sz="quarter" idx="13"/>
-          </p:nvPr>
-        </p:nvSpPr>
-        <p:spPr/>
-        <p:txBody>
-          <a:bodyPr/>
-          <a:lstStyle/>
-          <a:p>
-            <a:endParaRPr lang="en-US"/>
-          </a:p>
-        </p:txBody>
-      </p:sp>
-    </p:spTree>
-    <p:extLst>
-      <p:ext uri="{BB962C8B-B14F-4D97-AF65-F5344CB8AC3E}">
-        <p14:creationId xmlns:p14="http://schemas.microsoft.com/office/powerpoint/2010/main" val="3265325021"/>
-      </p:ext>
-    </p:extLst>
-  </p:cSld>
-  <p:clrMapOvr>
-    <a:masterClrMapping/>
-  </p:clrMapOvr>
-</p:sld>
-</file>
-
 <file path=ppt/slides/slide9.xml><?xml version="1.0" encoding="utf-8"?>
 <p:sld xmlns:a="http://schemas.openxmlformats.org/drawingml/2006/main" xmlns:r="http://schemas.openxmlformats.org/officeDocument/2006/relationships" xmlns:p="http://schemas.openxmlformats.org/presentationml/2006/main">
   <p:cSld>
@@ -11098,143 +15060,136 @@
           <a:chExt cx="0" cy="0"/>
         </a:xfrm>
       </p:grpSpPr>
-      <p:pic>
-        <p:nvPicPr>
-          <p:cNvPr id="1028" name="Picture 4" descr="Free Vector | Flat people with question marks background">
+      <p:sp>
+        <p:nvSpPr>
+          <p:cNvPr id="2" name="Title 1">
             <a:extLst>
               <a:ext uri="{FF2B5EF4-FFF2-40B4-BE49-F238E27FC236}">
-                <a16:creationId xmlns:a16="http://schemas.microsoft.com/office/drawing/2014/main" id="{E158EC70-4769-4E41-A278-C90EC4E480C7}"/>
+                <a16:creationId xmlns:a16="http://schemas.microsoft.com/office/drawing/2014/main" id="{1646A3BB-C48B-43EF-A1F5-36743FB6BA55}"/>
               </a:ext>
             </a:extLst>
           </p:cNvPr>
-          <p:cNvPicPr>
-            <a:picLocks noChangeAspect="1" noChangeArrowheads="1"/>
-          </p:cNvPicPr>
-          <p:nvPr/>
-        </p:nvPicPr>
-        <p:blipFill rotWithShape="1">
-          <a:blip r:embed="rId2">
-            <a:extLst>
-              <a:ext uri="{28A0092B-C50C-407E-A947-70E740481C1C}">
-                <a14:useLocalDpi xmlns:a14="http://schemas.microsoft.com/office/drawing/2010/main" val="0"/>
-              </a:ext>
-            </a:extLst>
-          </a:blip>
-          <a:srcRect t="1" b="22246"/>
-          <a:stretch/>
-        </p:blipFill>
-        <p:spPr bwMode="auto">
-          <a:xfrm>
-            <a:off x="1848418" y="639706"/>
-            <a:ext cx="7599507" cy="5908876"/>
-          </a:xfrm>
-          <a:prstGeom prst="rect">
-            <a:avLst/>
-          </a:prstGeom>
-          <a:noFill/>
-          <a:extLst>
-            <a:ext uri="{909E8E84-426E-40DD-AFC4-6F175D3DCCD1}">
-              <a14:hiddenFill xmlns:a14="http://schemas.microsoft.com/office/drawing/2010/main">
-                <a:solidFill>
-                  <a:srgbClr val="FFFFFF"/>
-                </a:solidFill>
-              </a14:hiddenFill>
-            </a:ext>
-          </a:extLst>
-        </p:spPr>
-      </p:pic>
-      <p:sp>
-        <p:nvSpPr>
-          <p:cNvPr id="2" name="TextBox 1">
+          <p:cNvSpPr>
+            <a:spLocks noGrp="1"/>
+          </p:cNvSpPr>
+          <p:nvPr>
+            <p:ph type="title"/>
+          </p:nvPr>
+        </p:nvSpPr>
+        <p:spPr/>
+        <p:txBody>
+          <a:bodyPr/>
+          <a:lstStyle/>
+          <a:p>
+            <a:r>
+              <a:rPr lang="en-US" dirty="0"/>
+              <a:t>Java Script</a:t>
+            </a:r>
+          </a:p>
+        </p:txBody>
+      </p:sp>
+      <p:sp>
+        <p:nvSpPr>
+          <p:cNvPr id="3" name="Content Placeholder 2">
             <a:extLst>
               <a:ext uri="{FF2B5EF4-FFF2-40B4-BE49-F238E27FC236}">
-                <a16:creationId xmlns:a16="http://schemas.microsoft.com/office/drawing/2014/main" id="{994C3DB2-D47E-4B94-804B-87AF1FDEF86E}"/>
+                <a16:creationId xmlns:a16="http://schemas.microsoft.com/office/drawing/2014/main" id="{89C64704-1CA3-4261-A9B1-355B150B8FB2}"/>
               </a:ext>
             </a:extLst>
           </p:cNvPr>
-          <p:cNvSpPr txBox="1"/>
-          <p:nvPr/>
+          <p:cNvSpPr>
+            <a:spLocks noGrp="1"/>
+          </p:cNvSpPr>
+          <p:nvPr>
+            <p:ph sz="quarter" idx="13"/>
+          </p:nvPr>
         </p:nvSpPr>
         <p:spPr>
           <a:xfrm>
-            <a:off x="4535055" y="1052946"/>
-            <a:ext cx="5588000" cy="769441"/>
+            <a:off x="608170" y="932702"/>
+            <a:ext cx="10975658" cy="5791948"/>
           </a:xfrm>
-          <a:prstGeom prst="rect">
-            <a:avLst/>
-          </a:prstGeom>
-          <a:noFill/>
         </p:spPr>
         <p:txBody>
-          <a:bodyPr wrap="square" rtlCol="0">
-            <a:spAutoFit/>
-          </a:bodyPr>
+          <a:bodyPr/>
           <a:lstStyle/>
           <a:p>
             <a:r>
-              <a:rPr lang="en-US" sz="4400" b="1" dirty="0"/>
-              <a:t>Questions</a:t>
-            </a:r>
-          </a:p>
-        </p:txBody>
-      </p:sp>
-      <p:sp>
-        <p:nvSpPr>
-          <p:cNvPr id="4" name="TextBox 3">
-            <a:extLst>
-              <a:ext uri="{FF2B5EF4-FFF2-40B4-BE49-F238E27FC236}">
-                <a16:creationId xmlns:a16="http://schemas.microsoft.com/office/drawing/2014/main" id="{E8CAC22F-1542-4031-BC6C-A16989886504}"/>
-              </a:ext>
-            </a:extLst>
-          </p:cNvPr>
-          <p:cNvSpPr txBox="1"/>
-          <p:nvPr/>
-        </p:nvSpPr>
-        <p:spPr>
-          <a:xfrm>
-            <a:off x="4943872" y="6523330"/>
-            <a:ext cx="3456384" cy="307777"/>
-          </a:xfrm>
-          <a:prstGeom prst="rect">
-            <a:avLst/>
-          </a:prstGeom>
-          <a:noFill/>
-        </p:spPr>
-        <p:txBody>
-          <a:bodyPr wrap="square" rtlCol="0">
-            <a:spAutoFit/>
-          </a:bodyPr>
-          <a:lstStyle/>
-          <a:p>
-            <a:pPr defTabSz="1218987">
-              <a:defRPr/>
+              <a:rPr lang="en-US" dirty="0"/>
+              <a:t>Java Script is web programming language, you don’t need to learn/know java to learn java script.</a:t>
+            </a:r>
+          </a:p>
+          <a:p>
+            <a:pPr marL="342900" indent="-342900">
+              <a:buFont typeface="Arial" panose="020B0604020202020204" pitchFamily="34" charset="0"/>
+              <a:buChar char="•"/>
             </a:pPr>
             <a:r>
-              <a:rPr lang="en-US" sz="1400" b="1" dirty="0">
-                <a:solidFill>
-                  <a:prstClr val="black"/>
-                </a:solidFill>
-                <a:latin typeface="Arial Rounded MT Bold" panose="020F0704030504030204" pitchFamily="34" charset="0"/>
-                <a:ea typeface="Arial Unicode MS" panose="020B0604020202020204" pitchFamily="34" charset="-128"/>
-                <a:cs typeface="Arial Unicode MS" panose="020B0604020202020204" pitchFamily="34" charset="-128"/>
-              </a:rPr>
-              <a:t>www.anubhavtrainings.com</a:t>
-            </a:r>
-            <a:endParaRPr lang="en-IN" sz="1400" b="1" dirty="0">
-              <a:solidFill>
-                <a:prstClr val="black"/>
-              </a:solidFill>
-              <a:latin typeface="Arial Rounded MT Bold" panose="020F0704030504030204" pitchFamily="34" charset="0"/>
-              <a:ea typeface="Arial Unicode MS" panose="020B0604020202020204" pitchFamily="34" charset="-128"/>
-              <a:cs typeface="Arial Unicode MS" panose="020B0604020202020204" pitchFamily="34" charset="-128"/>
-            </a:endParaRPr>
+              <a:rPr lang="en-US" dirty="0"/>
+              <a:t>Variables</a:t>
+            </a:r>
+          </a:p>
+          <a:p>
+            <a:pPr marL="342900" indent="-342900">
+              <a:buFont typeface="Arial" panose="020B0604020202020204" pitchFamily="34" charset="0"/>
+              <a:buChar char="•"/>
+            </a:pPr>
+            <a:r>
+              <a:rPr lang="en-US" dirty="0"/>
+              <a:t>Function</a:t>
+            </a:r>
+          </a:p>
+          <a:p>
+            <a:pPr marL="342900" indent="-342900">
+              <a:buFont typeface="Arial" panose="020B0604020202020204" pitchFamily="34" charset="0"/>
+              <a:buChar char="•"/>
+            </a:pPr>
+            <a:r>
+              <a:rPr lang="en-US" dirty="0"/>
+              <a:t>Logic</a:t>
+            </a:r>
+          </a:p>
+          <a:p>
+            <a:r>
+              <a:rPr lang="en-US" dirty="0"/>
+              <a:t>The simplest way to practice JS is use browser, because all browser’s directly understand JS.</a:t>
+            </a:r>
+          </a:p>
+          <a:p>
+            <a:endParaRPr lang="en-US" dirty="0"/>
+          </a:p>
+          <a:p>
+            <a:r>
+              <a:rPr lang="en-US" dirty="0"/>
+              <a:t>Why to learn JS?</a:t>
+            </a:r>
+          </a:p>
+          <a:p>
+            <a:r>
+              <a:rPr lang="en-US" dirty="0"/>
+              <a:t>If we want to design an application using SAP analytics cloud which covers custom scenario, we need to use the JS language.</a:t>
+            </a:r>
+          </a:p>
+          <a:p>
+            <a:endParaRPr lang="en-US" dirty="0"/>
+          </a:p>
+          <a:p>
+            <a:r>
+              <a:rPr lang="en-US" dirty="0"/>
+              <a:t>JSON = Java Script </a:t>
+            </a:r>
+            <a:r>
+              <a:rPr lang="en-US"/>
+              <a:t>Object Notation</a:t>
+            </a:r>
+            <a:endParaRPr lang="en-US" dirty="0"/>
           </a:p>
         </p:txBody>
       </p:sp>
     </p:spTree>
     <p:extLst>
       <p:ext uri="{BB962C8B-B14F-4D97-AF65-F5344CB8AC3E}">
-        <p14:creationId xmlns:p14="http://schemas.microsoft.com/office/powerpoint/2010/main" val="1308118299"/>
+        <p14:creationId xmlns:p14="http://schemas.microsoft.com/office/powerpoint/2010/main" val="1897808784"/>
       </p:ext>
     </p:extLst>
   </p:cSld>
